--- a/GebTalk.pptx
+++ b/GebTalk.pptx
@@ -5,7 +5,7 @@
     <p:sldMasterId id="2147483648" r:id="rId1"/>
   </p:sldMasterIdLst>
   <p:notesMasterIdLst>
-    <p:notesMasterId r:id="rId46"/>
+    <p:notesMasterId r:id="rId48"/>
   </p:notesMasterIdLst>
   <p:sldIdLst>
     <p:sldId id="256" r:id="rId2"/>
@@ -45,13 +45,15 @@
     <p:sldId id="298" r:id="rId36"/>
     <p:sldId id="299" r:id="rId37"/>
     <p:sldId id="300" r:id="rId38"/>
-    <p:sldId id="293" r:id="rId39"/>
-    <p:sldId id="276" r:id="rId40"/>
-    <p:sldId id="265" r:id="rId41"/>
-    <p:sldId id="263" r:id="rId42"/>
-    <p:sldId id="264" r:id="rId43"/>
-    <p:sldId id="258" r:id="rId44"/>
-    <p:sldId id="266" r:id="rId45"/>
+    <p:sldId id="305" r:id="rId39"/>
+    <p:sldId id="304" r:id="rId40"/>
+    <p:sldId id="276" r:id="rId41"/>
+    <p:sldId id="306" r:id="rId42"/>
+    <p:sldId id="265" r:id="rId43"/>
+    <p:sldId id="263" r:id="rId44"/>
+    <p:sldId id="264" r:id="rId45"/>
+    <p:sldId id="258" r:id="rId46"/>
+    <p:sldId id="266" r:id="rId47"/>
   </p:sldIdLst>
   <p:sldSz cx="9144000" cy="6858000" type="screen4x3"/>
   <p:notesSz cx="6858000" cy="9144000"/>
@@ -235,7 +237,7 @@
           <a:p>
             <a:fld id="{8DDDFF4F-F7B6-5943-AE70-7D006608F0E8}" type="datetimeFigureOut">
               <a:rPr lang="en-US" smtClean="0"/>
-              <a:t>5/27/14</a:t>
+              <a:t>5/28/14</a:t>
             </a:fld>
             <a:endParaRPr lang="en-US"/>
           </a:p>
@@ -768,7 +770,7 @@
           <a:p>
             <a:fld id="{7137CE2B-1B97-9245-A4F6-3CE202C30107}" type="datetimeFigureOut">
               <a:rPr lang="en-US" smtClean="0"/>
-              <a:t>5/27/14</a:t>
+              <a:t>5/28/14</a:t>
             </a:fld>
             <a:endParaRPr lang="en-US"/>
           </a:p>
@@ -938,7 +940,7 @@
           <a:p>
             <a:fld id="{7137CE2B-1B97-9245-A4F6-3CE202C30107}" type="datetimeFigureOut">
               <a:rPr lang="en-US" smtClean="0"/>
-              <a:t>5/27/14</a:t>
+              <a:t>5/28/14</a:t>
             </a:fld>
             <a:endParaRPr lang="en-US"/>
           </a:p>
@@ -1118,7 +1120,7 @@
           <a:p>
             <a:fld id="{7137CE2B-1B97-9245-A4F6-3CE202C30107}" type="datetimeFigureOut">
               <a:rPr lang="en-US" smtClean="0"/>
-              <a:t>5/27/14</a:t>
+              <a:t>5/28/14</a:t>
             </a:fld>
             <a:endParaRPr lang="en-US"/>
           </a:p>
@@ -1288,7 +1290,7 @@
           <a:p>
             <a:fld id="{7137CE2B-1B97-9245-A4F6-3CE202C30107}" type="datetimeFigureOut">
               <a:rPr lang="en-US" smtClean="0"/>
-              <a:t>5/27/14</a:t>
+              <a:t>5/28/14</a:t>
             </a:fld>
             <a:endParaRPr lang="en-US"/>
           </a:p>
@@ -1534,7 +1536,7 @@
           <a:p>
             <a:fld id="{7137CE2B-1B97-9245-A4F6-3CE202C30107}" type="datetimeFigureOut">
               <a:rPr lang="en-US" smtClean="0"/>
-              <a:t>5/27/14</a:t>
+              <a:t>5/28/14</a:t>
             </a:fld>
             <a:endParaRPr lang="en-US"/>
           </a:p>
@@ -1822,7 +1824,7 @@
           <a:p>
             <a:fld id="{7137CE2B-1B97-9245-A4F6-3CE202C30107}" type="datetimeFigureOut">
               <a:rPr lang="en-US" smtClean="0"/>
-              <a:t>5/27/14</a:t>
+              <a:t>5/28/14</a:t>
             </a:fld>
             <a:endParaRPr lang="en-US"/>
           </a:p>
@@ -2244,7 +2246,7 @@
           <a:p>
             <a:fld id="{7137CE2B-1B97-9245-A4F6-3CE202C30107}" type="datetimeFigureOut">
               <a:rPr lang="en-US" smtClean="0"/>
-              <a:t>5/27/14</a:t>
+              <a:t>5/28/14</a:t>
             </a:fld>
             <a:endParaRPr lang="en-US"/>
           </a:p>
@@ -2362,7 +2364,7 @@
           <a:p>
             <a:fld id="{7137CE2B-1B97-9245-A4F6-3CE202C30107}" type="datetimeFigureOut">
               <a:rPr lang="en-US" smtClean="0"/>
-              <a:t>5/27/14</a:t>
+              <a:t>5/28/14</a:t>
             </a:fld>
             <a:endParaRPr lang="en-US"/>
           </a:p>
@@ -2457,7 +2459,7 @@
           <a:p>
             <a:fld id="{7137CE2B-1B97-9245-A4F6-3CE202C30107}" type="datetimeFigureOut">
               <a:rPr lang="en-US" smtClean="0"/>
-              <a:t>5/27/14</a:t>
+              <a:t>5/28/14</a:t>
             </a:fld>
             <a:endParaRPr lang="en-US"/>
           </a:p>
@@ -2734,7 +2736,7 @@
           <a:p>
             <a:fld id="{7137CE2B-1B97-9245-A4F6-3CE202C30107}" type="datetimeFigureOut">
               <a:rPr lang="en-US" smtClean="0"/>
-              <a:t>5/27/14</a:t>
+              <a:t>5/28/14</a:t>
             </a:fld>
             <a:endParaRPr lang="en-US"/>
           </a:p>
@@ -2987,7 +2989,7 @@
           <a:p>
             <a:fld id="{7137CE2B-1B97-9245-A4F6-3CE202C30107}" type="datetimeFigureOut">
               <a:rPr lang="en-US" smtClean="0"/>
-              <a:t>5/27/14</a:t>
+              <a:t>5/28/14</a:t>
             </a:fld>
             <a:endParaRPr lang="en-US"/>
           </a:p>
@@ -3200,7 +3202,7 @@
           <a:p>
             <a:fld id="{7137CE2B-1B97-9245-A4F6-3CE202C30107}" type="datetimeFigureOut">
               <a:rPr lang="en-US" smtClean="0"/>
-              <a:t>5/27/14</a:t>
+              <a:t>5/28/14</a:t>
             </a:fld>
             <a:endParaRPr lang="en-US"/>
           </a:p>
@@ -3637,9 +3639,16 @@
             <p:ph type="subTitle" idx="1"/>
           </p:nvPr>
         </p:nvSpPr>
-        <p:spPr/>
-        <p:txBody>
-          <a:bodyPr/>
+        <p:spPr>
+          <a:xfrm>
+            <a:off x="1371600" y="3444052"/>
+            <a:ext cx="6400800" cy="1752600"/>
+          </a:xfrm>
+        </p:spPr>
+        <p:txBody>
+          <a:bodyPr>
+            <a:normAutofit/>
+          </a:bodyPr>
           <a:lstStyle/>
           <a:p>
             <a:r>
@@ -3661,6 +3670,39 @@
             <a:r>
               <a:rPr lang="en-US" dirty="0" smtClean="0"/>
               <a:t>Detroit, May 2014 </a:t>
+            </a:r>
+            <a:endParaRPr lang="en-US" dirty="0"/>
+          </a:p>
+        </p:txBody>
+      </p:sp>
+      <p:sp>
+        <p:nvSpPr>
+          <p:cNvPr id="4" name="TextBox 3"/>
+          <p:cNvSpPr txBox="1"/>
+          <p:nvPr/>
+        </p:nvSpPr>
+        <p:spPr>
+          <a:xfrm>
+            <a:off x="217312" y="5785556"/>
+            <a:ext cx="8748888" cy="400110"/>
+          </a:xfrm>
+          <a:prstGeom prst="rect">
+            <a:avLst/>
+          </a:prstGeom>
+          <a:noFill/>
+        </p:spPr>
+        <p:txBody>
+          <a:bodyPr wrap="square" rtlCol="0">
+            <a:spAutoFit/>
+          </a:bodyPr>
+          <a:lstStyle/>
+          <a:p>
+            <a:pPr algn="ctr"/>
+            <a:r>
+              <a:rPr lang="en-US" sz="2000" dirty="0">
+                <a:hlinkClick r:id="rId2"/>
+              </a:rPr>
+              <a:t>https://github.com/Weymouth-Dev/example-geb/blob/master/GebTalk.pptx</a:t>
             </a:r>
             <a:endParaRPr lang="en-US" dirty="0"/>
           </a:p>
@@ -3737,7 +3779,7 @@
         <p:spPr>
           <a:xfrm>
             <a:off x="1109040" y="1417638"/>
-            <a:ext cx="7020947" cy="2308324"/>
+            <a:ext cx="7020947" cy="2862323"/>
           </a:xfrm>
           <a:prstGeom prst="rect">
             <a:avLst/>
@@ -3751,126 +3793,48 @@
           <a:lstStyle/>
           <a:p>
             <a:r>
+              <a:rPr lang="en-US" b="1" dirty="0" err="1">
+                <a:latin typeface="Courier"/>
+                <a:cs typeface="Courier"/>
+              </a:rPr>
+              <a:t>def</a:t>
+            </a:r>
+            <a:r>
               <a:rPr lang="en-US" b="1" dirty="0">
                 <a:latin typeface="Courier"/>
                 <a:cs typeface="Courier"/>
               </a:rPr>
-              <a:t>@Test</a:t>
-            </a:r>
-          </a:p>
-          <a:p>
-            <a:r>
-              <a:rPr lang="en-US" b="1" dirty="0" err="1" smtClean="0">
-                <a:latin typeface="Courier"/>
-                <a:cs typeface="Courier"/>
-              </a:rPr>
-              <a:t>def</a:t>
+              <a:t> "add a person"() </a:t>
             </a:r>
             <a:r>
               <a:rPr lang="en-US" b="1" dirty="0" smtClean="0">
                 <a:latin typeface="Courier"/>
                 <a:cs typeface="Courier"/>
               </a:rPr>
+              <a:t>{</a:t>
+            </a:r>
+          </a:p>
+          <a:p>
+            <a:r>
+              <a:rPr lang="en-US" b="1" dirty="0">
+                <a:latin typeface="Courier"/>
+                <a:cs typeface="Courier"/>
+              </a:rPr>
               <a:t> </a:t>
             </a:r>
             <a:r>
-              <a:rPr lang="en-US" b="1" dirty="0">
-                <a:latin typeface="Courier"/>
-                <a:cs typeface="Courier"/>
-              </a:rPr>
-              <a:t>"</a:t>
+              <a:rPr lang="en-US" b="1" dirty="0" smtClean="0">
+                <a:latin typeface="Courier"/>
+                <a:cs typeface="Courier"/>
+              </a:rPr>
+              <a:t> to </a:t>
             </a:r>
             <a:r>
               <a:rPr lang="en-US" b="1" dirty="0" err="1">
                 <a:latin typeface="Courier"/>
                 <a:cs typeface="Courier"/>
               </a:rPr>
-              <a:t>petclinic</a:t>
-            </a:r>
-            <a:r>
-              <a:rPr lang="en-US" b="1" dirty="0">
-                <a:latin typeface="Courier"/>
-                <a:cs typeface="Courier"/>
-              </a:rPr>
-              <a:t> home page"() {</a:t>
-            </a:r>
-          </a:p>
-          <a:p>
-            <a:r>
-              <a:rPr lang="en-US" b="1" dirty="0" smtClean="0">
-                <a:latin typeface="Courier"/>
-                <a:cs typeface="Courier"/>
-              </a:rPr>
-              <a:t>  when</a:t>
-            </a:r>
-            <a:r>
-              <a:rPr lang="en-US" b="1" dirty="0">
-                <a:latin typeface="Courier"/>
-                <a:cs typeface="Courier"/>
-              </a:rPr>
-              <a:t>:</a:t>
-            </a:r>
-          </a:p>
-          <a:p>
-            <a:r>
-              <a:rPr lang="en-US" b="1" dirty="0" smtClean="0">
-                <a:latin typeface="Courier"/>
-                <a:cs typeface="Courier"/>
-              </a:rPr>
-              <a:t>    go(“http://localhost:8080/</a:t>
-            </a:r>
-            <a:r>
-              <a:rPr lang="en-US" b="1" dirty="0" err="1" smtClean="0">
-                <a:latin typeface="Courier"/>
-                <a:cs typeface="Courier"/>
-              </a:rPr>
-              <a:t>petclinic</a:t>
-            </a:r>
-            <a:r>
-              <a:rPr lang="en-US" b="1" dirty="0" smtClean="0">
-                <a:latin typeface="Courier"/>
-                <a:cs typeface="Courier"/>
-              </a:rPr>
-              <a:t>”) </a:t>
-            </a:r>
-          </a:p>
-          <a:p>
-            <a:r>
-              <a:rPr lang="en-US" b="1" dirty="0" smtClean="0">
-                <a:latin typeface="Courier"/>
-                <a:cs typeface="Courier"/>
-              </a:rPr>
-              <a:t>  then</a:t>
-            </a:r>
-            <a:r>
-              <a:rPr lang="en-US" b="1" dirty="0">
-                <a:latin typeface="Courier"/>
-                <a:cs typeface="Courier"/>
-              </a:rPr>
-              <a:t>:</a:t>
-            </a:r>
-          </a:p>
-          <a:p>
-            <a:r>
-              <a:rPr lang="en-US" b="1" dirty="0" smtClean="0">
-                <a:latin typeface="Courier"/>
-                <a:cs typeface="Courier"/>
-              </a:rPr>
-              <a:t>    title </a:t>
-            </a:r>
-            <a:r>
-              <a:rPr lang="en-US" b="1" dirty="0">
-                <a:latin typeface="Courier"/>
-                <a:cs typeface="Courier"/>
-              </a:rPr>
-              <a:t>== "</a:t>
-            </a:r>
-            <a:r>
-              <a:rPr lang="en-US" b="1" dirty="0" smtClean="0">
-                <a:latin typeface="Courier"/>
-                <a:cs typeface="Courier"/>
-              </a:rPr>
-              <a:t>Welcome”</a:t>
+              <a:t>ListPage</a:t>
             </a:r>
             <a:endParaRPr lang="en-US" b="1" dirty="0">
               <a:latin typeface="Courier"/>
@@ -3883,7 +3847,110 @@
                 <a:latin typeface="Courier"/>
                 <a:cs typeface="Courier"/>
               </a:rPr>
-              <a:t>}</a:t>
+              <a:t>  assert </a:t>
+            </a:r>
+            <a:r>
+              <a:rPr lang="en-US" b="1" dirty="0" err="1" smtClean="0">
+                <a:latin typeface="Courier"/>
+                <a:cs typeface="Courier"/>
+              </a:rPr>
+              <a:t>personListEmpty</a:t>
+            </a:r>
+            <a:r>
+              <a:rPr lang="en-US" b="1" dirty="0" smtClean="0">
+                <a:latin typeface="Courier"/>
+                <a:cs typeface="Courier"/>
+              </a:rPr>
+              <a:t> </a:t>
+            </a:r>
+            <a:r>
+              <a:rPr lang="en-US" b="1" dirty="0" err="1" smtClean="0">
+                <a:latin typeface="Courier"/>
+                <a:cs typeface="Courier"/>
+              </a:rPr>
+              <a:t>personRows.size</a:t>
+            </a:r>
+            <a:r>
+              <a:rPr lang="en-US" b="1" dirty="0">
+                <a:latin typeface="Courier"/>
+                <a:cs typeface="Courier"/>
+              </a:rPr>
+              <a:t>() == 0</a:t>
+            </a:r>
+          </a:p>
+          <a:p>
+            <a:r>
+              <a:rPr lang="en-US" b="1" dirty="0">
+                <a:latin typeface="Courier"/>
+                <a:cs typeface="Courier"/>
+              </a:rPr>
+              <a:t>  </a:t>
+            </a:r>
+          </a:p>
+          <a:p>
+            <a:r>
+              <a:rPr lang="en-US" b="1" dirty="0">
+                <a:latin typeface="Courier"/>
+                <a:cs typeface="Courier"/>
+              </a:rPr>
+              <a:t>  when:</a:t>
+            </a:r>
+          </a:p>
+          <a:p>
+            <a:r>
+              <a:rPr lang="en-US" b="1" dirty="0">
+                <a:latin typeface="Courier"/>
+                <a:cs typeface="Courier"/>
+              </a:rPr>
+              <a:t>    </a:t>
+            </a:r>
+            <a:r>
+              <a:rPr lang="en-US" b="1" dirty="0" err="1">
+                <a:latin typeface="Courier"/>
+                <a:cs typeface="Courier"/>
+              </a:rPr>
+              <a:t>newPersonButton.click</a:t>
+            </a:r>
+            <a:r>
+              <a:rPr lang="en-US" b="1" dirty="0">
+                <a:latin typeface="Courier"/>
+                <a:cs typeface="Courier"/>
+              </a:rPr>
+              <a:t>()</a:t>
+            </a:r>
+          </a:p>
+          <a:p>
+            <a:r>
+              <a:rPr lang="en-US" b="1" dirty="0">
+                <a:latin typeface="Courier"/>
+                <a:cs typeface="Courier"/>
+              </a:rPr>
+              <a:t>  </a:t>
+            </a:r>
+          </a:p>
+          <a:p>
+            <a:r>
+              <a:rPr lang="en-US" b="1" dirty="0">
+                <a:latin typeface="Courier"/>
+                <a:cs typeface="Courier"/>
+              </a:rPr>
+              <a:t>  then:</a:t>
+            </a:r>
+          </a:p>
+          <a:p>
+            <a:r>
+              <a:rPr lang="en-US" b="1" dirty="0">
+                <a:latin typeface="Courier"/>
+                <a:cs typeface="Courier"/>
+              </a:rPr>
+              <a:t>    at </a:t>
+            </a:r>
+            <a:r>
+              <a:rPr lang="en-US" b="1" dirty="0" err="1">
+                <a:latin typeface="Courier"/>
+                <a:cs typeface="Courier"/>
+              </a:rPr>
+              <a:t>CreatePage</a:t>
             </a:r>
             <a:endParaRPr lang="en-US" b="1" dirty="0">
               <a:latin typeface="Courier"/>
@@ -3892,9 +3959,16 @@
           </a:p>
           <a:p>
             <a:r>
-              <a:rPr lang="en-US" dirty="0"/>
-              <a:t>	</a:t>
-            </a:r>
+              <a:rPr lang="en-US" b="1" dirty="0" smtClean="0">
+                <a:latin typeface="Courier"/>
+                <a:cs typeface="Courier"/>
+              </a:rPr>
+              <a:t>}</a:t>
+            </a:r>
+            <a:endParaRPr lang="en-US" b="1" dirty="0">
+              <a:latin typeface="Courier"/>
+              <a:cs typeface="Courier"/>
+            </a:endParaRPr>
           </a:p>
         </p:txBody>
       </p:sp>
@@ -3906,8 +3980,8 @@
         </p:nvSpPr>
         <p:spPr>
           <a:xfrm>
-            <a:off x="554521" y="4176963"/>
-            <a:ext cx="7906389" cy="1569660"/>
+            <a:off x="554521" y="4307464"/>
+            <a:ext cx="7906389" cy="2308324"/>
           </a:xfrm>
           <a:prstGeom prst="rect">
             <a:avLst/>
@@ -3942,8 +4016,9 @@
             </a:pPr>
             <a:r>
               <a:rPr lang="en-US" sz="2400" dirty="0" smtClean="0"/>
-              <a:t>Examines the title of the page, and</a:t>
-            </a:r>
+              <a:t>Checks that the Person-List is empty</a:t>
+            </a:r>
+            <a:endParaRPr lang="en-US" sz="2400" dirty="0" smtClean="0"/>
           </a:p>
           <a:p>
             <a:pPr marL="285750" indent="-285750">
@@ -3952,8 +4027,19 @@
             </a:pPr>
             <a:r>
               <a:rPr lang="en-US" sz="2400" dirty="0" smtClean="0"/>
-              <a:t>Asserts that the title is equal to “Welcome”</a:t>
-            </a:r>
+              <a:t>Clicks on the “New Person” button</a:t>
+            </a:r>
+          </a:p>
+          <a:p>
+            <a:pPr marL="285750" indent="-285750">
+              <a:buFont typeface="Arial"/>
+              <a:buChar char="•"/>
+            </a:pPr>
+            <a:r>
+              <a:rPr lang="en-US" sz="2400" dirty="0" smtClean="0"/>
+              <a:t>Checks to see that the “current page” is the Create-Person page</a:t>
+            </a:r>
+            <a:endParaRPr lang="en-US" sz="2400" dirty="0" smtClean="0"/>
           </a:p>
         </p:txBody>
       </p:sp>
@@ -4013,7 +4099,7 @@
                 <a:ea typeface="+mn-ea"/>
                 <a:cs typeface="+mn-cs"/>
               </a:rPr>
-              <a:t>Components</a:t>
+              <a:t>Major Components</a:t>
             </a:r>
             <a:endParaRPr lang="en-US" dirty="0"/>
           </a:p>
@@ -4155,23 +4241,7 @@
             </a:r>
             <a:r>
               <a:rPr lang="en-US" dirty="0" smtClean="0"/>
-              <a:t> </a:t>
-            </a:r>
-            <a:r>
-              <a:rPr lang="en-US" dirty="0" smtClean="0"/>
-              <a:t>API – </a:t>
-            </a:r>
-            <a:r>
-              <a:rPr lang="en-US" dirty="0" smtClean="0"/>
-              <a:t>by default </a:t>
-            </a:r>
-            <a:r>
-              <a:rPr lang="en-US" dirty="0" smtClean="0"/>
-              <a:t>the Selenium </a:t>
-            </a:r>
-            <a:r>
-              <a:rPr lang="en-US" dirty="0" smtClean="0"/>
-              <a:t>web driver; currently Chrome, IE, Firefox,  , Opera, and </a:t>
+              <a:t> API – by default the Selenium web driver; currently Chrome, IE, Firefox,  , Opera, and </a:t>
             </a:r>
             <a:r>
               <a:rPr lang="en-US" dirty="0" err="1" smtClean="0"/>
@@ -4196,13 +4266,8 @@
             </a:r>
             <a:r>
               <a:rPr lang="en-US" dirty="0" smtClean="0"/>
-              <a:t> for all relative </a:t>
-            </a:r>
-            <a:r>
-              <a:rPr lang="en-US" dirty="0" smtClean="0"/>
-              <a:t>references</a:t>
-            </a:r>
-            <a:endParaRPr lang="en-US" dirty="0" smtClean="0"/>
+              <a:t> for all relative references</a:t>
+            </a:r>
           </a:p>
         </p:txBody>
       </p:sp>
@@ -4448,11 +4513,7 @@
             <a:pPr lvl="1"/>
             <a:r>
               <a:rPr lang="en-US" dirty="0" smtClean="0"/>
-              <a:t>Any groovy code (for </a:t>
-            </a:r>
-            <a:r>
-              <a:rPr lang="en-US" dirty="0" smtClean="0"/>
-              <a:t>example </a:t>
+              <a:t>Any groovy code (for example </a:t>
             </a:r>
             <a:r>
               <a:rPr lang="en-US" dirty="0" smtClean="0">
@@ -4939,14 +5000,21 @@
                 <a:latin typeface="Courier"/>
                 <a:cs typeface="Courier"/>
               </a:rPr>
-              <a:t>Browser.dirve</a:t>
+              <a:t>Browser.drive</a:t>
             </a:r>
             <a:r>
               <a:rPr lang="en-US" b="1" dirty="0" smtClean="0">
                 <a:latin typeface="Courier"/>
                 <a:cs typeface="Courier"/>
               </a:rPr>
-              <a:t> {</a:t>
+              <a:t> </a:t>
+            </a:r>
+            <a:r>
+              <a:rPr lang="en-US" b="1" dirty="0" smtClean="0">
+                <a:latin typeface="Courier"/>
+                <a:cs typeface="Courier"/>
+              </a:rPr>
+              <a:t>{</a:t>
             </a:r>
           </a:p>
           <a:p>
@@ -5384,11 +5452,7 @@
             <a:pPr lvl="1"/>
             <a:r>
               <a:rPr lang="en-US" dirty="0" smtClean="0"/>
-              <a:t>Why test driven development (TDD</a:t>
-            </a:r>
-            <a:r>
-              <a:rPr lang="en-US" dirty="0" smtClean="0"/>
-              <a:t>)</a:t>
+              <a:t>Why test driven development (TDD)</a:t>
             </a:r>
           </a:p>
           <a:p>
@@ -5397,7 +5461,6 @@
               <a:rPr lang="en-US" dirty="0" smtClean="0"/>
               <a:t>Example</a:t>
             </a:r>
-            <a:endParaRPr lang="en-US" dirty="0" smtClean="0"/>
           </a:p>
           <a:p>
             <a:r>
@@ -5433,15 +5496,7 @@
           <a:p>
             <a:r>
               <a:rPr lang="en-US" dirty="0" smtClean="0"/>
-              <a:t>An </a:t>
-            </a:r>
-            <a:r>
-              <a:rPr lang="en-US" dirty="0" smtClean="0"/>
-              <a:t>Extended </a:t>
-            </a:r>
-            <a:r>
-              <a:rPr lang="en-US" dirty="0" smtClean="0"/>
-              <a:t>Example</a:t>
+              <a:t>An Extended Example</a:t>
             </a:r>
           </a:p>
           <a:p>
@@ -5617,25 +5672,7 @@
               <a:rPr lang="en-US" dirty="0" smtClean="0">
                 <a:cs typeface="Courier"/>
               </a:rPr>
-              <a:t>Here the the range is combined with the groovy spread operator to apply the method </a:t>
-            </a:r>
-            <a:r>
-              <a:rPr lang="en-US" dirty="0" smtClean="0">
-                <a:cs typeface="Courier"/>
-              </a:rPr>
-              <a:t>to </a:t>
-            </a:r>
-            <a:r>
-              <a:rPr lang="en-US" dirty="0" smtClean="0">
-                <a:cs typeface="Courier"/>
-              </a:rPr>
-              <a:t>each element and collect </a:t>
-            </a:r>
-            <a:r>
-              <a:rPr lang="en-US" dirty="0" smtClean="0">
-                <a:cs typeface="Courier"/>
-              </a:rPr>
-              <a:t>the results</a:t>
+              <a:t>Here the the range is combined with the groovy spread operator to apply the method to each element and collect the results</a:t>
             </a:r>
             <a:endParaRPr lang="en-US" sz="2400" dirty="0">
               <a:cs typeface="Courier"/>
@@ -6574,27 +6611,7 @@
           <a:p>
             <a:r>
               <a:rPr lang="en-US" dirty="0" smtClean="0"/>
-              <a:t>Form elements: input</a:t>
-            </a:r>
-            <a:r>
-              <a:rPr lang="en-US" dirty="0" smtClean="0"/>
-              <a:t>, </a:t>
-            </a:r>
-            <a:r>
-              <a:rPr lang="en-US" dirty="0" smtClean="0"/>
-              <a:t>checkbox</a:t>
-            </a:r>
-            <a:r>
-              <a:rPr lang="en-US" dirty="0" smtClean="0"/>
-              <a:t>, </a:t>
-            </a:r>
-            <a:r>
-              <a:rPr lang="en-US" dirty="0" smtClean="0"/>
-              <a:t>radio</a:t>
-            </a:r>
-            <a:r>
-              <a:rPr lang="en-US" dirty="0" smtClean="0"/>
-              <a:t>, Select, and </a:t>
+              <a:t>Form elements: input, checkbox, radio, Select, and </a:t>
             </a:r>
             <a:r>
               <a:rPr lang="en-US" dirty="0" err="1" smtClean="0"/>
@@ -6602,21 +6619,8 @@
             </a:r>
             <a:r>
               <a:rPr lang="en-US" dirty="0" smtClean="0"/>
-              <a:t>; </a:t>
-            </a:r>
-            <a:r>
-              <a:rPr lang="en-US" dirty="0" smtClean="0"/>
-              <a:t>return </a:t>
-            </a:r>
-            <a:r>
-              <a:rPr lang="en-US" dirty="0" smtClean="0"/>
-              <a:t>values </a:t>
-            </a:r>
-            <a:r>
-              <a:rPr lang="en-US" dirty="0" smtClean="0"/>
-              <a:t>or set values</a:t>
-            </a:r>
-            <a:endParaRPr lang="en-US" dirty="0" smtClean="0"/>
+              <a:t>; return values or set values</a:t>
+            </a:r>
           </a:p>
           <a:p>
             <a:r>
@@ -6901,15 +6905,7 @@
             <a:pPr rtl="0" eaLnBrk="1" latinLnBrk="0" hangingPunct="1"/>
             <a:r>
               <a:rPr lang="en-US" dirty="0" smtClean="0"/>
-              <a:t>Supports reuse, hiding, and localization of </a:t>
-            </a:r>
-            <a:r>
-              <a:rPr lang="en-US" dirty="0" smtClean="0"/>
-              <a:t>page-specific </a:t>
-            </a:r>
-            <a:r>
-              <a:rPr lang="en-US" dirty="0" smtClean="0"/>
-              <a:t>information</a:t>
+              <a:t>Supports reuse, hiding, and localization of page-specific information</a:t>
             </a:r>
           </a:p>
           <a:p>
@@ -6953,7 +6949,6 @@
             </a:pPr>
             <a:r>
               <a:rPr lang="en-US" sz="2400" b="1" dirty="0">
-                <a:effectLst/>
                 <a:latin typeface="Courier"/>
                 <a:cs typeface="Courier"/>
               </a:rPr>
@@ -6961,40 +6956,62 @@
             </a:r>
             <a:r>
               <a:rPr lang="en-US" sz="2400" b="1" dirty="0" smtClean="0">
-                <a:effectLst/>
-                <a:latin typeface="Courier"/>
-                <a:cs typeface="Courier"/>
-              </a:rPr>
-              <a:t>go(</a:t>
+                <a:latin typeface="Courier"/>
+                <a:cs typeface="Courier"/>
+              </a:rPr>
+              <a:t>go(“http</a:t>
+            </a:r>
+            <a:r>
+              <a:rPr lang="en-US" sz="2400" b="1" dirty="0">
+                <a:latin typeface="Courier"/>
+                <a:cs typeface="Courier"/>
+              </a:rPr>
+              <a:t>://localhost:8080</a:t>
             </a:r>
             <a:r>
               <a:rPr lang="en-US" sz="2400" b="1" dirty="0" smtClean="0">
                 <a:latin typeface="Courier"/>
                 <a:cs typeface="Courier"/>
               </a:rPr>
-              <a:t>"http</a:t>
-            </a:r>
+              <a:t>/” + </a:t>
+            </a:r>
+          </a:p>
+          <a:p>
+            <a:pPr marL="0" indent="0">
+              <a:buNone/>
+            </a:pPr>
             <a:r>
               <a:rPr lang="en-US" sz="2400" b="1" dirty="0">
                 <a:latin typeface="Courier"/>
                 <a:cs typeface="Courier"/>
               </a:rPr>
-              <a:t>://localhost:8080/</a:t>
-            </a:r>
-            <a:r>
-              <a:rPr lang="en-US" sz="2400" b="1" dirty="0" err="1" smtClean="0">
-                <a:latin typeface="Courier"/>
-                <a:cs typeface="Courier"/>
-              </a:rPr>
-              <a:t>petclinic</a:t>
+              <a:t>	</a:t>
             </a:r>
             <a:r>
               <a:rPr lang="en-US" sz="2400" b="1" dirty="0" smtClean="0">
                 <a:latin typeface="Courier"/>
                 <a:cs typeface="Courier"/>
               </a:rPr>
-              <a:t>")</a:t>
-            </a:r>
+              <a:t>	  ”grails</a:t>
+            </a:r>
+            <a:r>
+              <a:rPr lang="en-US" sz="2400" b="1" dirty="0">
+                <a:latin typeface="Courier"/>
+                <a:cs typeface="Courier"/>
+              </a:rPr>
+              <a:t>-people-example/person/list”</a:t>
+            </a:r>
+            <a:r>
+              <a:rPr lang="en-US" sz="2400" b="1" dirty="0">
+                <a:latin typeface="Courier"/>
+                <a:cs typeface="Courier"/>
+              </a:rPr>
+              <a:t>)</a:t>
+            </a:r>
+            <a:endParaRPr lang="en-US" sz="2400" b="1" dirty="0" smtClean="0">
+              <a:latin typeface="Courier"/>
+              <a:cs typeface="Courier"/>
+            </a:endParaRPr>
           </a:p>
           <a:p>
             <a:pPr marL="0" indent="0">
@@ -7012,8 +7029,26 @@
                 <a:latin typeface="Courier"/>
                 <a:cs typeface="Courier"/>
               </a:rPr>
-              <a:t>assert $(“h1”,0).text() == “Welcome”</a:t>
-            </a:r>
+              <a:t>assert </a:t>
+            </a:r>
+            <a:r>
+              <a:rPr lang="en-US" sz="2400" b="1" dirty="0">
+                <a:latin typeface="Courier"/>
+                <a:cs typeface="Courier"/>
+              </a:rPr>
+              <a:t>title ==~ /Person List</a:t>
+            </a:r>
+            <a:r>
+              <a:rPr lang="en-US" sz="2400" b="1" dirty="0" smtClean="0">
+                <a:latin typeface="Courier"/>
+                <a:cs typeface="Courier"/>
+              </a:rPr>
+              <a:t>/</a:t>
+            </a:r>
+            <a:endParaRPr lang="en-US" sz="2400" b="1" dirty="0" smtClean="0">
+              <a:latin typeface="Courier"/>
+              <a:cs typeface="Courier"/>
+            </a:endParaRPr>
           </a:p>
           <a:p>
             <a:pPr marL="0" indent="0">
@@ -7041,12 +7076,8 @@
               <a:t>, </a:t>
             </a:r>
             <a:r>
-              <a:rPr lang="en-US" dirty="0" err="1" smtClean="0"/>
-              <a:t>css</a:t>
-            </a:r>
-            <a:r>
-              <a:rPr lang="en-US" dirty="0" smtClean="0"/>
-              <a:t>…</a:t>
+              <a:rPr lang="en-US" dirty="0" smtClean="0"/>
+              <a:t>content…</a:t>
             </a:r>
             <a:endParaRPr lang="en-US" dirty="0"/>
           </a:p>
@@ -7248,10 +7279,15 @@
             <p:ph idx="1"/>
           </p:nvPr>
         </p:nvSpPr>
-        <p:spPr/>
+        <p:spPr>
+          <a:xfrm>
+            <a:off x="457200" y="1532335"/>
+            <a:ext cx="8229600" cy="4525963"/>
+          </a:xfrm>
+        </p:spPr>
         <p:txBody>
           <a:bodyPr>
-            <a:normAutofit fontScale="55000" lnSpcReduction="20000"/>
+            <a:noAutofit/>
           </a:bodyPr>
           <a:lstStyle/>
           <a:p>
@@ -7259,20 +7295,20 @@
               <a:buNone/>
             </a:pPr>
             <a:r>
-              <a:rPr lang="en-US" b="1" dirty="0">
+              <a:rPr lang="en-US" sz="1600" b="1" dirty="0">
                 <a:latin typeface="Courier"/>
                 <a:cs typeface="Courier"/>
               </a:rPr>
               <a:t>import </a:t>
             </a:r>
             <a:r>
-              <a:rPr lang="en-US" b="1" dirty="0" err="1">
+              <a:rPr lang="en-US" sz="1600" b="1" dirty="0" err="1">
                 <a:latin typeface="Courier"/>
                 <a:cs typeface="Courier"/>
               </a:rPr>
               <a:t>geb.Page</a:t>
             </a:r>
-            <a:endParaRPr lang="en-US" b="1" dirty="0">
+            <a:endParaRPr lang="en-US" sz="1600" b="1" dirty="0">
               <a:latin typeface="Courier"/>
               <a:cs typeface="Courier"/>
             </a:endParaRPr>
@@ -7281,7 +7317,7 @@
             <a:pPr marL="0" indent="0">
               <a:buNone/>
             </a:pPr>
-            <a:endParaRPr lang="en-US" b="1" dirty="0">
+            <a:endParaRPr lang="en-US" sz="1600" b="1" dirty="0">
               <a:latin typeface="Courier"/>
               <a:cs typeface="Courier"/>
             </a:endParaRPr>
@@ -7291,34 +7327,60 @@
               <a:buNone/>
             </a:pPr>
             <a:r>
-              <a:rPr lang="en-US" b="1" dirty="0">
+              <a:rPr lang="en-US" sz="1600" b="1" dirty="0">
                 <a:latin typeface="Courier"/>
                 <a:cs typeface="Courier"/>
               </a:rPr>
               <a:t>class </a:t>
             </a:r>
             <a:r>
-              <a:rPr lang="en-US" b="1" dirty="0" err="1">
-                <a:latin typeface="Courier"/>
-                <a:cs typeface="Courier"/>
-              </a:rPr>
-              <a:t>HomePage</a:t>
-            </a:r>
-            <a:r>
-              <a:rPr lang="en-US" b="1" dirty="0">
-                <a:latin typeface="Courier"/>
-                <a:cs typeface="Courier"/>
-              </a:rPr>
-              <a:t> extends Page </a:t>
-            </a:r>
-            <a:r>
-              <a:rPr lang="en-US" b="1" dirty="0" smtClean="0">
-                <a:latin typeface="Courier"/>
-                <a:cs typeface="Courier"/>
-              </a:rPr>
-              <a:t>{</a:t>
-            </a:r>
-            <a:endParaRPr lang="en-US" b="1" dirty="0">
+              <a:rPr lang="en-US" sz="1600" b="1" dirty="0" err="1">
+                <a:latin typeface="Courier"/>
+                <a:cs typeface="Courier"/>
+              </a:rPr>
+              <a:t>ListPage</a:t>
+            </a:r>
+            <a:r>
+              <a:rPr lang="en-US" sz="1600" b="1" dirty="0">
+                <a:latin typeface="Courier"/>
+                <a:cs typeface="Courier"/>
+              </a:rPr>
+              <a:t> extends page {</a:t>
+            </a:r>
+          </a:p>
+          <a:p>
+            <a:pPr marL="0" indent="0">
+              <a:buNone/>
+            </a:pPr>
+            <a:r>
+              <a:rPr lang="en-US" sz="1600" b="1" dirty="0">
+                <a:latin typeface="Courier"/>
+                <a:cs typeface="Courier"/>
+              </a:rPr>
+              <a:t>  static </a:t>
+            </a:r>
+            <a:r>
+              <a:rPr lang="en-US" sz="1600" b="1" dirty="0" err="1">
+                <a:latin typeface="Courier"/>
+                <a:cs typeface="Courier"/>
+              </a:rPr>
+              <a:t>url</a:t>
+            </a:r>
+            <a:r>
+              <a:rPr lang="en-US" sz="1600" b="1" dirty="0">
+                <a:latin typeface="Courier"/>
+                <a:cs typeface="Courier"/>
+              </a:rPr>
+              <a:t> = "person/</a:t>
+            </a:r>
+            <a:r>
+              <a:rPr lang="en-US" sz="1600" b="1" dirty="0" smtClean="0">
+                <a:latin typeface="Courier"/>
+                <a:cs typeface="Courier"/>
+              </a:rPr>
+              <a:t>list”</a:t>
+            </a:r>
+            <a:endParaRPr lang="en-US" sz="1600" b="1" dirty="0">
               <a:latin typeface="Courier"/>
               <a:cs typeface="Courier"/>
             </a:endParaRPr>
@@ -7328,25 +7390,11 @@
               <a:buNone/>
             </a:pPr>
             <a:r>
-              <a:rPr lang="en-US" b="1" dirty="0">
-                <a:latin typeface="Courier"/>
-                <a:cs typeface="Courier"/>
-              </a:rPr>
-              <a:t>	static </a:t>
-            </a:r>
-            <a:r>
-              <a:rPr lang="en-US" b="1" dirty="0" err="1">
-                <a:latin typeface="Courier"/>
-                <a:cs typeface="Courier"/>
-              </a:rPr>
-              <a:t>url</a:t>
-            </a:r>
-            <a:r>
-              <a:rPr lang="en-US" b="1" dirty="0">
-                <a:latin typeface="Courier"/>
-                <a:cs typeface="Courier"/>
-              </a:rPr>
-              <a:t> = ""</a:t>
+              <a:rPr lang="en-US" sz="1600" b="1" dirty="0">
+                <a:latin typeface="Courier"/>
+                <a:cs typeface="Courier"/>
+              </a:rPr>
+              <a:t>  static at = {</a:t>
             </a:r>
           </a:p>
           <a:p>
@@ -7354,25 +7402,11 @@
               <a:buNone/>
             </a:pPr>
             <a:r>
-              <a:rPr lang="en-US" b="1" dirty="0">
-                <a:latin typeface="Courier"/>
-                <a:cs typeface="Courier"/>
-              </a:rPr>
-              <a:t>	static at = {</a:t>
-            </a:r>
-            <a:r>
-              <a:rPr lang="en-US" b="1" u="sng" dirty="0" err="1">
-                <a:latin typeface="Courier"/>
-                <a:cs typeface="Courier"/>
-              </a:rPr>
-              <a:t>bodyId</a:t>
-            </a:r>
-            <a:r>
-              <a:rPr lang="en-US" b="1" u="sng" dirty="0">
-                <a:latin typeface="Courier"/>
-                <a:cs typeface="Courier"/>
-              </a:rPr>
-              <a:t> == "welcome"}</a:t>
+              <a:rPr lang="en-US" sz="1600" b="1" dirty="0">
+                <a:latin typeface="Courier"/>
+                <a:cs typeface="Courier"/>
+              </a:rPr>
+              <a:t>    title ==~ /Person List/</a:t>
             </a:r>
           </a:p>
           <a:p>
@@ -7380,249 +7414,20 @@
               <a:buNone/>
             </a:pPr>
             <a:r>
-              <a:rPr lang="en-US" b="1" dirty="0">
-                <a:latin typeface="Courier"/>
-                <a:cs typeface="Courier"/>
-              </a:rPr>
-              <a:t>	static content = {</a:t>
-            </a:r>
-          </a:p>
-          <a:p>
-            <a:pPr marL="0" indent="0">
-              <a:buNone/>
-            </a:pPr>
-            <a:r>
-              <a:rPr lang="en-US" b="1" dirty="0">
-                <a:latin typeface="Courier"/>
-                <a:cs typeface="Courier"/>
-              </a:rPr>
-              <a:t>		</a:t>
-            </a:r>
-            <a:r>
-              <a:rPr lang="en-US" b="1" u="sng" dirty="0" err="1">
-                <a:latin typeface="Courier"/>
-                <a:cs typeface="Courier"/>
-              </a:rPr>
-              <a:t>bodyId</a:t>
-            </a:r>
-            <a:r>
-              <a:rPr lang="en-US" b="1" u="sng" dirty="0">
-                <a:latin typeface="Courier"/>
-                <a:cs typeface="Courier"/>
-              </a:rPr>
-              <a:t> { $("body").@id }</a:t>
-            </a:r>
-          </a:p>
-          <a:p>
-            <a:pPr marL="0" indent="0">
-              <a:buNone/>
-            </a:pPr>
-            <a:r>
-              <a:rPr lang="en-US" b="1" dirty="0">
-                <a:latin typeface="Courier"/>
-                <a:cs typeface="Courier"/>
-              </a:rPr>
-              <a:t>		</a:t>
-            </a:r>
-            <a:r>
-              <a:rPr lang="en-US" b="1" u="sng" dirty="0">
-                <a:latin typeface="Courier"/>
-                <a:cs typeface="Courier"/>
-              </a:rPr>
-              <a:t>header { $("h2#header") </a:t>
-            </a:r>
-          </a:p>
-          <a:p>
-            <a:pPr marL="0" indent="0">
-              <a:buNone/>
-            </a:pPr>
-            <a:r>
-              <a:rPr lang="en-US" b="1" dirty="0">
-                <a:latin typeface="Courier"/>
-                <a:cs typeface="Courier"/>
-              </a:rPr>
-              <a:t>		</a:t>
-            </a:r>
-            <a:r>
-              <a:rPr lang="en-US" b="1" u="sng" dirty="0" err="1">
-                <a:latin typeface="Courier"/>
-                <a:cs typeface="Courier"/>
-              </a:rPr>
-              <a:t>headerText</a:t>
-            </a:r>
-            <a:r>
-              <a:rPr lang="en-US" b="1" u="sng" dirty="0">
-                <a:latin typeface="Courier"/>
-                <a:cs typeface="Courier"/>
-              </a:rPr>
-              <a:t> { </a:t>
-            </a:r>
-            <a:r>
-              <a:rPr lang="en-US" b="1" u="sng" dirty="0" err="1">
-                <a:latin typeface="Courier"/>
-                <a:cs typeface="Courier"/>
-              </a:rPr>
-              <a:t>header.text</a:t>
-            </a:r>
-            <a:r>
-              <a:rPr lang="en-US" b="1" u="sng" dirty="0">
-                <a:latin typeface="Courier"/>
-                <a:cs typeface="Courier"/>
-              </a:rPr>
-              <a:t>() }</a:t>
-            </a:r>
-          </a:p>
-          <a:p>
-            <a:pPr marL="0" indent="0">
-              <a:buNone/>
-            </a:pPr>
-            <a:r>
-              <a:rPr lang="en-US" b="1" dirty="0">
-                <a:latin typeface="Courier"/>
-                <a:cs typeface="Courier"/>
-              </a:rPr>
-              <a:t>		</a:t>
-            </a:r>
-            <a:r>
-              <a:rPr lang="en-US" b="1" u="sng" dirty="0" err="1">
-                <a:latin typeface="Courier"/>
-                <a:cs typeface="Courier"/>
-              </a:rPr>
-              <a:t>ownerLink</a:t>
-            </a:r>
-            <a:r>
-              <a:rPr lang="en-US" b="1" u="sng" dirty="0">
-                <a:latin typeface="Courier"/>
-                <a:cs typeface="Courier"/>
-              </a:rPr>
-              <a:t> { $("</a:t>
-            </a:r>
-            <a:r>
-              <a:rPr lang="en-US" b="1" u="sng" dirty="0" err="1">
-                <a:latin typeface="Courier"/>
-                <a:cs typeface="Courier"/>
-              </a:rPr>
-              <a:t>li#owner</a:t>
-            </a:r>
-            <a:r>
-              <a:rPr lang="en-US" b="1" u="sng" dirty="0">
-                <a:latin typeface="Courier"/>
-                <a:cs typeface="Courier"/>
-              </a:rPr>
-              <a:t>").find("a") }</a:t>
-            </a:r>
-          </a:p>
-          <a:p>
-            <a:pPr marL="0" indent="0">
-              <a:buNone/>
-            </a:pPr>
-            <a:r>
-              <a:rPr lang="en-US" b="1" dirty="0">
-                <a:latin typeface="Courier"/>
-                <a:cs typeface="Courier"/>
-              </a:rPr>
-              <a:t>		</a:t>
-            </a:r>
-            <a:r>
-              <a:rPr lang="en-US" b="1" u="sng" dirty="0" err="1">
-                <a:latin typeface="Courier"/>
-                <a:cs typeface="Courier"/>
-              </a:rPr>
-              <a:t>ownersLink</a:t>
-            </a:r>
-            <a:r>
-              <a:rPr lang="en-US" b="1" u="sng" dirty="0">
-                <a:latin typeface="Courier"/>
-                <a:cs typeface="Courier"/>
-              </a:rPr>
-              <a:t> { $("</a:t>
-            </a:r>
-            <a:r>
-              <a:rPr lang="en-US" b="1" u="sng" dirty="0" err="1">
-                <a:latin typeface="Courier"/>
-                <a:cs typeface="Courier"/>
-              </a:rPr>
-              <a:t>li#owners</a:t>
-            </a:r>
-            <a:r>
-              <a:rPr lang="en-US" b="1" u="sng" dirty="0">
-                <a:latin typeface="Courier"/>
-                <a:cs typeface="Courier"/>
-              </a:rPr>
-              <a:t>").find("a") }</a:t>
-            </a:r>
-          </a:p>
-          <a:p>
-            <a:pPr marL="0" indent="0">
-              <a:buNone/>
-            </a:pPr>
-            <a:r>
-              <a:rPr lang="da-DK" b="1" dirty="0">
-                <a:latin typeface="Courier"/>
-                <a:cs typeface="Courier"/>
-              </a:rPr>
-              <a:t>		</a:t>
-            </a:r>
-            <a:r>
-              <a:rPr lang="da-DK" b="1" u="sng" dirty="0" err="1">
-                <a:latin typeface="Courier"/>
-                <a:cs typeface="Courier"/>
-              </a:rPr>
-              <a:t>vetsLink</a:t>
-            </a:r>
-            <a:r>
-              <a:rPr lang="da-DK" b="1" u="sng" dirty="0">
-                <a:latin typeface="Courier"/>
-                <a:cs typeface="Courier"/>
-              </a:rPr>
-              <a:t> { $("</a:t>
-            </a:r>
-            <a:r>
-              <a:rPr lang="da-DK" b="1" u="sng" dirty="0" err="1">
-                <a:latin typeface="Courier"/>
-                <a:cs typeface="Courier"/>
-              </a:rPr>
-              <a:t>li#vets</a:t>
-            </a:r>
-            <a:r>
-              <a:rPr lang="da-DK" b="1" u="sng" dirty="0">
-                <a:latin typeface="Courier"/>
-                <a:cs typeface="Courier"/>
-              </a:rPr>
-              <a:t>").find("a") }</a:t>
-            </a:r>
-          </a:p>
-          <a:p>
-            <a:pPr marL="0" indent="0">
-              <a:buNone/>
-            </a:pPr>
-            <a:r>
-              <a:rPr lang="da-DK" b="1" dirty="0">
-                <a:latin typeface="Courier"/>
-                <a:cs typeface="Courier"/>
-              </a:rPr>
-              <a:t>		}</a:t>
-            </a:r>
-          </a:p>
-          <a:p>
-            <a:pPr marL="0" indent="0">
-              <a:buNone/>
-            </a:pPr>
-            <a:r>
-              <a:rPr lang="da-DK" b="1" dirty="0">
-                <a:latin typeface="Courier"/>
-                <a:cs typeface="Courier"/>
-              </a:rPr>
-              <a:t>	</a:t>
-            </a:r>
-            <a:r>
-              <a:rPr lang="da-DK" b="1" dirty="0" smtClean="0">
+              <a:rPr lang="en-US" sz="1600" b="1" dirty="0">
+                <a:latin typeface="Courier"/>
+                <a:cs typeface="Courier"/>
+              </a:rPr>
+              <a:t>  </a:t>
+            </a:r>
+            <a:r>
+              <a:rPr lang="en-US" sz="1600" b="1" dirty="0" smtClean="0">
                 <a:latin typeface="Courier"/>
                 <a:cs typeface="Courier"/>
               </a:rPr>
               <a:t>}</a:t>
             </a:r>
-            <a:endParaRPr lang="da-DK" b="1" dirty="0">
+            <a:endParaRPr lang="en-US" sz="1600" b="1" dirty="0">
               <a:latin typeface="Courier"/>
               <a:cs typeface="Courier"/>
             </a:endParaRPr>
@@ -7632,18 +7437,308 @@
               <a:buNone/>
             </a:pPr>
             <a:r>
-              <a:rPr lang="da-DK" b="1" dirty="0">
+              <a:rPr lang="en-US" sz="1600" b="1" dirty="0">
+                <a:latin typeface="Courier"/>
+                <a:cs typeface="Courier"/>
+              </a:rPr>
+              <a:t>  static content = {</a:t>
+            </a:r>
+          </a:p>
+          <a:p>
+            <a:pPr marL="0" indent="0">
+              <a:buNone/>
+            </a:pPr>
+            <a:r>
+              <a:rPr lang="en-US" sz="1600" b="1" dirty="0">
+                <a:latin typeface="Courier"/>
+                <a:cs typeface="Courier"/>
+              </a:rPr>
+              <a:t>    </a:t>
+            </a:r>
+            <a:r>
+              <a:rPr lang="en-US" sz="1600" b="1" dirty="0" err="1">
+                <a:latin typeface="Courier"/>
+                <a:cs typeface="Courier"/>
+              </a:rPr>
+              <a:t>newPersonButton</a:t>
+            </a:r>
+            <a:r>
+              <a:rPr lang="en-US" sz="1600" b="1" dirty="0">
+                <a:latin typeface="Courier"/>
+                <a:cs typeface="Courier"/>
+              </a:rPr>
+              <a:t>(to: </a:t>
+            </a:r>
+            <a:r>
+              <a:rPr lang="en-US" sz="1600" b="1" dirty="0" err="1">
+                <a:latin typeface="Courier"/>
+                <a:cs typeface="Courier"/>
+              </a:rPr>
+              <a:t>CreatePage</a:t>
+            </a:r>
+            <a:r>
+              <a:rPr lang="en-US" sz="1600" b="1" dirty="0">
+                <a:latin typeface="Courier"/>
+                <a:cs typeface="Courier"/>
+              </a:rPr>
+              <a:t>) { $("a", text: "New Person") }</a:t>
+            </a:r>
+          </a:p>
+          <a:p>
+            <a:pPr marL="0" indent="0">
+              <a:buNone/>
+            </a:pPr>
+            <a:r>
+              <a:rPr lang="en-US" sz="1600" b="1" dirty="0">
+                <a:latin typeface="Courier"/>
+                <a:cs typeface="Courier"/>
+              </a:rPr>
+              <a:t>    </a:t>
+            </a:r>
+            <a:r>
+              <a:rPr lang="en-US" sz="1600" b="1" dirty="0" err="1">
+                <a:latin typeface="Courier"/>
+                <a:cs typeface="Courier"/>
+              </a:rPr>
+              <a:t>peopleTable</a:t>
+            </a:r>
+            <a:r>
+              <a:rPr lang="en-US" sz="1600" b="1" dirty="0">
+                <a:latin typeface="Courier"/>
+                <a:cs typeface="Courier"/>
+              </a:rPr>
+              <a:t> { $("</a:t>
+            </a:r>
+            <a:r>
+              <a:rPr lang="en-US" sz="1600" b="1" dirty="0" err="1">
+                <a:latin typeface="Courier"/>
+                <a:cs typeface="Courier"/>
+              </a:rPr>
+              <a:t>div.content</a:t>
+            </a:r>
+            <a:r>
+              <a:rPr lang="en-US" sz="1600" b="1" dirty="0">
+                <a:latin typeface="Courier"/>
+                <a:cs typeface="Courier"/>
+              </a:rPr>
+              <a:t> table", 0) }</a:t>
+            </a:r>
+          </a:p>
+          <a:p>
+            <a:pPr marL="0" indent="0">
+              <a:buNone/>
+            </a:pPr>
+            <a:r>
+              <a:rPr lang="en-US" sz="1600" b="1" dirty="0">
+                <a:latin typeface="Courier"/>
+                <a:cs typeface="Courier"/>
+              </a:rPr>
+              <a:t>    </a:t>
+            </a:r>
+            <a:r>
+              <a:rPr lang="en-US" sz="1600" b="1" dirty="0" err="1">
+                <a:latin typeface="Courier"/>
+                <a:cs typeface="Courier"/>
+              </a:rPr>
+              <a:t>personRow</a:t>
+            </a:r>
+            <a:r>
+              <a:rPr lang="en-US" sz="1600" b="1" dirty="0">
+                <a:latin typeface="Courier"/>
+                <a:cs typeface="Courier"/>
+              </a:rPr>
+              <a:t> { module </a:t>
+            </a:r>
+            <a:r>
+              <a:rPr lang="en-US" sz="1600" b="1" dirty="0" err="1">
+                <a:latin typeface="Courier"/>
+                <a:cs typeface="Courier"/>
+              </a:rPr>
+              <a:t>PersonRow</a:t>
+            </a:r>
+            <a:r>
+              <a:rPr lang="en-US" sz="1600" b="1" dirty="0">
+                <a:latin typeface="Courier"/>
+                <a:cs typeface="Courier"/>
+              </a:rPr>
+              <a:t>, </a:t>
+            </a:r>
+            <a:r>
+              <a:rPr lang="en-US" sz="1600" b="1" dirty="0" err="1">
+                <a:latin typeface="Courier"/>
+                <a:cs typeface="Courier"/>
+              </a:rPr>
+              <a:t>personRows</a:t>
+            </a:r>
+            <a:r>
+              <a:rPr lang="en-US" sz="1600" b="1" dirty="0">
+                <a:latin typeface="Courier"/>
+                <a:cs typeface="Courier"/>
+              </a:rPr>
+              <a:t>[it] }</a:t>
+            </a:r>
+          </a:p>
+          <a:p>
+            <a:pPr marL="0" indent="0">
+              <a:buNone/>
+            </a:pPr>
+            <a:r>
+              <a:rPr lang="en-US" sz="1600" b="1" dirty="0">
+                <a:latin typeface="Courier"/>
+                <a:cs typeface="Courier"/>
+              </a:rPr>
+              <a:t>    </a:t>
+            </a:r>
+            <a:r>
+              <a:rPr lang="en-US" sz="1600" b="1" dirty="0" err="1">
+                <a:latin typeface="Courier"/>
+                <a:cs typeface="Courier"/>
+              </a:rPr>
+              <a:t>personRows</a:t>
+            </a:r>
+            <a:r>
+              <a:rPr lang="en-US" sz="1600" b="1" dirty="0">
+                <a:latin typeface="Courier"/>
+                <a:cs typeface="Courier"/>
+              </a:rPr>
+              <a:t>(required: false</a:t>
+            </a:r>
+            <a:r>
+              <a:rPr lang="en-US" sz="1600" b="1" dirty="0" smtClean="0">
+                <a:latin typeface="Courier"/>
+                <a:cs typeface="Courier"/>
+              </a:rPr>
+              <a:t>)</a:t>
+            </a:r>
+          </a:p>
+          <a:p>
+            <a:pPr marL="0" indent="0">
+              <a:buNone/>
+            </a:pPr>
+            <a:r>
+              <a:rPr lang="en-US" sz="1600" b="1" dirty="0">
+                <a:latin typeface="Courier"/>
+                <a:cs typeface="Courier"/>
+              </a:rPr>
+              <a:t> </a:t>
+            </a:r>
+            <a:r>
+              <a:rPr lang="en-US" sz="1600" b="1" dirty="0" smtClean="0">
+                <a:latin typeface="Courier"/>
+                <a:cs typeface="Courier"/>
+              </a:rPr>
+              <a:t>       { </a:t>
+            </a:r>
+            <a:r>
+              <a:rPr lang="en-US" sz="1600" b="1" dirty="0" err="1">
+                <a:latin typeface="Courier"/>
+                <a:cs typeface="Courier"/>
+              </a:rPr>
+              <a:t>peopleTable.find</a:t>
+            </a:r>
+            <a:r>
+              <a:rPr lang="en-US" sz="1600" b="1" dirty="0">
+                <a:latin typeface="Courier"/>
+                <a:cs typeface="Courier"/>
+              </a:rPr>
+              <a:t>("</a:t>
+            </a:r>
+            <a:r>
+              <a:rPr lang="en-US" sz="1600" b="1" dirty="0" err="1">
+                <a:latin typeface="Courier"/>
+                <a:cs typeface="Courier"/>
+              </a:rPr>
+              <a:t>tbody</a:t>
+            </a:r>
+            <a:r>
+              <a:rPr lang="en-US" sz="1600" b="1" dirty="0">
+                <a:latin typeface="Courier"/>
+                <a:cs typeface="Courier"/>
+              </a:rPr>
+              <a:t>").find("</a:t>
+            </a:r>
+            <a:r>
+              <a:rPr lang="en-US" sz="1600" b="1" dirty="0" err="1">
+                <a:latin typeface="Courier"/>
+                <a:cs typeface="Courier"/>
+              </a:rPr>
+              <a:t>tr</a:t>
+            </a:r>
+            <a:r>
+              <a:rPr lang="en-US" sz="1600" b="1" dirty="0">
+                <a:latin typeface="Courier"/>
+                <a:cs typeface="Courier"/>
+              </a:rPr>
+              <a:t>") }</a:t>
+            </a:r>
+          </a:p>
+          <a:p>
+            <a:pPr marL="0" indent="0">
+              <a:buNone/>
+            </a:pPr>
+            <a:r>
+              <a:rPr lang="en-US" sz="1600" b="1" dirty="0">
+                <a:latin typeface="Courier"/>
+                <a:cs typeface="Courier"/>
+              </a:rPr>
+              <a:t>    </a:t>
+            </a:r>
+            <a:r>
+              <a:rPr lang="en-US" sz="1600" b="1" dirty="0" err="1">
+                <a:latin typeface="Courier"/>
+                <a:cs typeface="Courier"/>
+              </a:rPr>
+              <a:t>personListEmpty</a:t>
+            </a:r>
+            <a:r>
+              <a:rPr lang="en-US" sz="1600" b="1" dirty="0">
+                <a:latin typeface="Courier"/>
+                <a:cs typeface="Courier"/>
+              </a:rPr>
+              <a:t> { </a:t>
+            </a:r>
+            <a:r>
+              <a:rPr lang="en-US" sz="1600" b="1" dirty="0" err="1">
+                <a:latin typeface="Courier"/>
+                <a:cs typeface="Courier"/>
+              </a:rPr>
+              <a:t>personRows.size</a:t>
+            </a:r>
+            <a:r>
+              <a:rPr lang="en-US" sz="1600" b="1" dirty="0">
+                <a:latin typeface="Courier"/>
+                <a:cs typeface="Courier"/>
+              </a:rPr>
+              <a:t>() == 0 }</a:t>
+            </a:r>
+          </a:p>
+          <a:p>
+            <a:pPr marL="0" indent="0">
+              <a:buNone/>
+            </a:pPr>
+            <a:r>
+              <a:rPr lang="en-US" sz="1600" b="1" dirty="0">
+                <a:latin typeface="Courier"/>
+                <a:cs typeface="Courier"/>
+              </a:rPr>
+              <a:t>  }</a:t>
+            </a:r>
+          </a:p>
+          <a:p>
+            <a:pPr marL="0" indent="0">
+              <a:buNone/>
+            </a:pPr>
+            <a:r>
+              <a:rPr lang="en-US" sz="1600" b="1" dirty="0" smtClean="0">
                 <a:latin typeface="Courier"/>
                 <a:cs typeface="Courier"/>
               </a:rPr>
               <a:t>}</a:t>
             </a:r>
-          </a:p>
-          <a:p>
-            <a:pPr marL="0" indent="0">
-              <a:buNone/>
-            </a:pPr>
-            <a:endParaRPr lang="en-US" dirty="0"/>
+            <a:endParaRPr lang="da-DK" sz="1600" b="1" dirty="0" smtClean="0">
+              <a:latin typeface="Courier"/>
+              <a:cs typeface="Courier"/>
+            </a:endParaRPr>
           </a:p>
         </p:txBody>
       </p:sp>
@@ -7761,14 +7856,21 @@
                 <a:latin typeface="Courier"/>
                 <a:cs typeface="Courier"/>
               </a:rPr>
-              <a:t>to(</a:t>
+              <a:t>to</a:t>
+            </a:r>
+            <a:r>
+              <a:rPr lang="en-US" sz="2400" b="1" dirty="0" smtClean="0">
+                <a:latin typeface="Courier"/>
+                <a:cs typeface="Courier"/>
+              </a:rPr>
+              <a:t>(</a:t>
             </a:r>
             <a:r>
               <a:rPr lang="en-US" sz="2400" b="1" dirty="0" err="1" smtClean="0">
                 <a:latin typeface="Courier"/>
                 <a:cs typeface="Courier"/>
               </a:rPr>
-              <a:t>HomePage</a:t>
+              <a:t>ListPage</a:t>
             </a:r>
             <a:r>
               <a:rPr lang="en-US" sz="2400" b="1" dirty="0" smtClean="0">
@@ -7787,45 +7889,16 @@
               <a:buNone/>
             </a:pPr>
             <a:r>
-              <a:rPr lang="en-US" sz="2400" b="1" dirty="0">
-                <a:latin typeface="Courier"/>
-                <a:cs typeface="Courier"/>
-              </a:rPr>
-              <a:t>	assert </a:t>
-            </a:r>
-            <a:r>
-              <a:rPr lang="en-US" sz="2400" b="1" dirty="0" err="1" smtClean="0">
-                <a:latin typeface="Courier"/>
-                <a:cs typeface="Courier"/>
-              </a:rPr>
-              <a:t>headerText</a:t>
-            </a:r>
-            <a:r>
               <a:rPr lang="en-US" sz="2400" b="1" dirty="0" smtClean="0">
                 <a:latin typeface="Courier"/>
                 <a:cs typeface="Courier"/>
               </a:rPr>
-              <a:t> </a:t>
-            </a:r>
-            <a:r>
-              <a:rPr lang="en-US" sz="2400" b="1" dirty="0">
-                <a:latin typeface="Courier"/>
-                <a:cs typeface="Courier"/>
-              </a:rPr>
-              <a:t>== “Welcome”</a:t>
-            </a:r>
-          </a:p>
-          <a:p>
-            <a:pPr marL="0" indent="0">
-              <a:buNone/>
-            </a:pPr>
-            <a:r>
-              <a:rPr lang="en-US" sz="2400" b="1" dirty="0">
-                <a:latin typeface="Courier"/>
-                <a:cs typeface="Courier"/>
-              </a:rPr>
               <a:t>}</a:t>
             </a:r>
+            <a:endParaRPr lang="en-US" sz="2400" b="1" dirty="0">
+              <a:latin typeface="Courier"/>
+              <a:cs typeface="Courier"/>
+            </a:endParaRPr>
           </a:p>
           <a:p>
             <a:r>
@@ -8673,19 +8746,7 @@
           <a:p>
             <a:r>
               <a:rPr lang="en-US" dirty="0" smtClean="0"/>
-              <a:t>A </a:t>
-            </a:r>
-            <a:r>
-              <a:rPr lang="en-US" dirty="0" smtClean="0"/>
-              <a:t>Page </a:t>
-            </a:r>
-            <a:r>
-              <a:rPr lang="en-US" dirty="0" smtClean="0"/>
-              <a:t>in </a:t>
-            </a:r>
-            <a:r>
-              <a:rPr lang="en-US" dirty="0" smtClean="0"/>
-              <a:t>HTML</a:t>
+              <a:t>A Page in HTML</a:t>
             </a:r>
             <a:endParaRPr lang="en-US" dirty="0"/>
           </a:p>
@@ -8704,7 +8765,7 @@
         <p:spPr/>
         <p:txBody>
           <a:bodyPr>
-            <a:normAutofit fontScale="47500" lnSpcReduction="20000"/>
+            <a:noAutofit/>
           </a:bodyPr>
           <a:lstStyle/>
           <a:p>
@@ -8712,7 +8773,10 @@
               <a:buNone/>
             </a:pPr>
             <a:r>
-              <a:rPr lang="en-US" dirty="0"/>
+              <a:rPr lang="en-US" sz="1800" b="1" dirty="0">
+                <a:latin typeface="Courier"/>
+                <a:cs typeface="Courier"/>
+              </a:rPr>
               <a:t>&lt;html&gt;</a:t>
             </a:r>
           </a:p>
@@ -8721,12 +8785,53 @@
               <a:buNone/>
             </a:pPr>
             <a:r>
-              <a:rPr lang="en-US" dirty="0"/>
-              <a:t>	&lt;head&gt; . . </a:t>
-            </a:r>
-            <a:r>
-              <a:rPr lang="en-US" dirty="0" smtClean="0"/>
-              <a:t>.</a:t>
+              <a:rPr lang="en-US" sz="1800" b="1" dirty="0">
+                <a:latin typeface="Courier"/>
+                <a:cs typeface="Courier"/>
+              </a:rPr>
+              <a:t> </a:t>
+            </a:r>
+            <a:r>
+              <a:rPr lang="en-US" sz="1800" b="1" dirty="0" smtClean="0">
+                <a:latin typeface="Courier"/>
+                <a:cs typeface="Courier"/>
+              </a:rPr>
+              <a:t> &lt;</a:t>
+            </a:r>
+            <a:r>
+              <a:rPr lang="en-US" sz="1800" b="1" dirty="0">
+                <a:latin typeface="Courier"/>
+                <a:cs typeface="Courier"/>
+              </a:rPr>
+              <a:t>head</a:t>
+            </a:r>
+            <a:r>
+              <a:rPr lang="en-US" sz="1800" b="1" dirty="0" smtClean="0">
+                <a:latin typeface="Courier"/>
+                <a:cs typeface="Courier"/>
+              </a:rPr>
+              <a:t>&gt; &lt;</a:t>
+            </a:r>
+            <a:r>
+              <a:rPr lang="en-US" sz="1800" b="1" dirty="0">
+                <a:latin typeface="Courier"/>
+                <a:cs typeface="Courier"/>
+              </a:rPr>
+              <a:t>title&gt;Person List&lt;/title</a:t>
+            </a:r>
+            <a:r>
+              <a:rPr lang="en-US" sz="1800" b="1" dirty="0" smtClean="0">
+                <a:latin typeface="Courier"/>
+                <a:cs typeface="Courier"/>
+              </a:rPr>
+              <a:t>&gt; &lt;</a:t>
+            </a:r>
+            <a:r>
+              <a:rPr lang="en-US" sz="1800" b="1" dirty="0">
+                <a:latin typeface="Courier"/>
+                <a:cs typeface="Courier"/>
+              </a:rPr>
+              <a:t>/head&gt;</a:t>
             </a:r>
           </a:p>
           <a:p>
@@ -8734,8 +8839,25 @@
               <a:buNone/>
             </a:pPr>
             <a:r>
-              <a:rPr lang="en-US" dirty="0"/>
-              <a:t>	&lt;title&gt;Welcome&lt;/title&gt;</a:t>
+              <a:rPr lang="en-US" sz="1800" b="1" dirty="0">
+                <a:latin typeface="Courier"/>
+                <a:cs typeface="Courier"/>
+              </a:rPr>
+              <a:t> </a:t>
+            </a:r>
+            <a:r>
+              <a:rPr lang="en-US" sz="1800" b="1" dirty="0" smtClean="0">
+                <a:latin typeface="Courier"/>
+                <a:cs typeface="Courier"/>
+              </a:rPr>
+              <a:t> &lt;</a:t>
+            </a:r>
+            <a:r>
+              <a:rPr lang="en-US" sz="1800" b="1" dirty="0">
+                <a:latin typeface="Courier"/>
+                <a:cs typeface="Courier"/>
+              </a:rPr>
+              <a:t>body&gt;</a:t>
             </a:r>
           </a:p>
           <a:p>
@@ -8743,8 +8865,32 @@
               <a:buNone/>
             </a:pPr>
             <a:r>
-              <a:rPr lang="en-US" dirty="0"/>
-              <a:t>	&lt;/head&gt;</a:t>
+              <a:rPr lang="en-US" sz="1800" b="1" dirty="0" smtClean="0">
+                <a:latin typeface="Courier"/>
+                <a:cs typeface="Courier"/>
+              </a:rPr>
+              <a:t>  </a:t>
+            </a:r>
+            <a:r>
+              <a:rPr lang="en-US" sz="1800" b="1" dirty="0">
+                <a:latin typeface="Courier"/>
+                <a:cs typeface="Courier"/>
+              </a:rPr>
+              <a:t> </a:t>
+            </a:r>
+            <a:r>
+              <a:rPr lang="en-US" sz="1800" b="1" dirty="0" smtClean="0">
+                <a:latin typeface="Courier"/>
+                <a:cs typeface="Courier"/>
+              </a:rPr>
+              <a:t> &lt;</a:t>
+            </a:r>
+            <a:r>
+              <a:rPr lang="en-US" sz="1800" b="1" dirty="0">
+                <a:latin typeface="Courier"/>
+                <a:cs typeface="Courier"/>
+              </a:rPr>
+              <a:t>header stuff \&gt;</a:t>
             </a:r>
           </a:p>
           <a:p>
@@ -8752,22 +8898,58 @@
               <a:buNone/>
             </a:pPr>
             <a:r>
-              <a:rPr lang="en-US" dirty="0"/>
-              <a:t>	&lt;</a:t>
-            </a:r>
-            <a:r>
-              <a:rPr lang="en-US" dirty="0" smtClean="0"/>
-              <a:t>body&gt;</a:t>
-            </a:r>
-            <a:endParaRPr lang="en-US" dirty="0"/>
+              <a:rPr lang="en-US" sz="1800" b="1" dirty="0" smtClean="0">
+                <a:latin typeface="Courier"/>
+                <a:cs typeface="Courier"/>
+              </a:rPr>
+              <a:t>    &lt;</a:t>
+            </a:r>
+            <a:r>
+              <a:rPr lang="en-US" sz="1800" b="1" dirty="0">
+                <a:latin typeface="Courier"/>
+                <a:cs typeface="Courier"/>
+              </a:rPr>
+              <a:t>div class="</a:t>
+            </a:r>
+            <a:r>
+              <a:rPr lang="en-US" sz="1800" b="1" dirty="0" err="1">
+                <a:latin typeface="Courier"/>
+                <a:cs typeface="Courier"/>
+              </a:rPr>
+              <a:t>nav</a:t>
+            </a:r>
+            <a:r>
+              <a:rPr lang="en-US" sz="1800" b="1" dirty="0">
+                <a:latin typeface="Courier"/>
+                <a:cs typeface="Courier"/>
+              </a:rPr>
+              <a:t>" role="navigation"&gt;</a:t>
+            </a:r>
           </a:p>
           <a:p>
             <a:pPr marL="0" indent="0">
               <a:buNone/>
             </a:pPr>
             <a:r>
-              <a:rPr lang="en-US" dirty="0" smtClean="0"/>
-              <a:t>		&lt;header&gt; . . . &lt;/header&gt;</a:t>
+              <a:rPr lang="en-US" sz="1800" b="1" dirty="0" smtClean="0">
+                <a:latin typeface="Courier"/>
+                <a:cs typeface="Courier"/>
+              </a:rPr>
+              <a:t>      &lt;</a:t>
+            </a:r>
+            <a:r>
+              <a:rPr lang="en-US" sz="1800" b="1" dirty="0" err="1">
+                <a:latin typeface="Courier"/>
+                <a:cs typeface="Courier"/>
+              </a:rPr>
+              <a:t>ul</a:t>
+            </a:r>
+            <a:r>
+              <a:rPr lang="en-US" sz="1800" b="1" dirty="0" smtClean="0">
+                <a:latin typeface="Courier"/>
+                <a:cs typeface="Courier"/>
+              </a:rPr>
+              <a:t>&gt; . . .</a:t>
             </a:r>
           </a:p>
           <a:p>
@@ -8775,8 +8957,46 @@
               <a:buNone/>
             </a:pPr>
             <a:r>
-              <a:rPr lang="en-US" dirty="0"/>
-              <a:t>		&lt;div id="main"&gt;</a:t>
+              <a:rPr lang="en-US" sz="1800" b="1" dirty="0">
+                <a:latin typeface="Courier"/>
+                <a:cs typeface="Courier"/>
+              </a:rPr>
+              <a:t> </a:t>
+            </a:r>
+            <a:r>
+              <a:rPr lang="en-US" sz="1800" b="1" dirty="0" smtClean="0">
+                <a:latin typeface="Courier"/>
+                <a:cs typeface="Courier"/>
+              </a:rPr>
+              <a:t>       &lt;</a:t>
+            </a:r>
+            <a:r>
+              <a:rPr lang="en-US" sz="1800" b="1" dirty="0">
+                <a:latin typeface="Courier"/>
+                <a:cs typeface="Courier"/>
+              </a:rPr>
+              <a:t>li&gt;&lt;a </a:t>
+            </a:r>
+            <a:r>
+              <a:rPr lang="en-US" sz="1800" b="1" dirty="0" err="1">
+                <a:latin typeface="Courier"/>
+                <a:cs typeface="Courier"/>
+              </a:rPr>
+              <a:t>href</a:t>
+            </a:r>
+            <a:r>
+              <a:rPr lang="en-US" sz="1800" b="1" dirty="0">
+                <a:latin typeface="Courier"/>
+                <a:cs typeface="Courier"/>
+              </a:rPr>
+              <a:t>="/grails-people-example/person/create" </a:t>
+            </a:r>
+            <a:r>
+              <a:rPr lang="en-US" sz="1800" b="1" dirty="0" smtClean="0">
+                <a:latin typeface="Courier"/>
+                <a:cs typeface="Courier"/>
+              </a:rPr>
+              <a:t>   </a:t>
             </a:r>
           </a:p>
           <a:p>
@@ -8784,16 +9004,25 @@
               <a:buNone/>
             </a:pPr>
             <a:r>
-              <a:rPr lang="en-US" dirty="0"/>
-              <a:t>		&lt;h2 id="</a:t>
-            </a:r>
-            <a:r>
-              <a:rPr lang="en-US" dirty="0" smtClean="0"/>
-              <a:t>header”&gt;Welcome</a:t>
-            </a:r>
-            <a:r>
-              <a:rPr lang="en-US" dirty="0"/>
-              <a:t>&lt;/h2&gt;</a:t>
+              <a:rPr lang="en-US" sz="1800" b="1" dirty="0">
+                <a:latin typeface="Courier"/>
+                <a:cs typeface="Courier"/>
+              </a:rPr>
+              <a:t> </a:t>
+            </a:r>
+            <a:r>
+              <a:rPr lang="en-US" sz="1800" b="1" dirty="0" smtClean="0">
+                <a:latin typeface="Courier"/>
+                <a:cs typeface="Courier"/>
+              </a:rPr>
+              <a:t>                  class</a:t>
+            </a:r>
+            <a:r>
+              <a:rPr lang="en-US" sz="1800" b="1" dirty="0">
+                <a:latin typeface="Courier"/>
+                <a:cs typeface="Courier"/>
+              </a:rPr>
+              <a:t>="create"&gt;New Person&lt;/a&gt;&lt;/li&gt;</a:t>
             </a:r>
           </a:p>
           <a:p>
@@ -8801,15 +9030,31 @@
               <a:buNone/>
             </a:pPr>
             <a:r>
-              <a:rPr lang="en-US" dirty="0"/>
-              <a:t>		&lt;</a:t>
-            </a:r>
-            <a:r>
-              <a:rPr lang="en-US" dirty="0" err="1"/>
+              <a:rPr lang="en-US" sz="1800" b="1" dirty="0" smtClean="0">
+                <a:latin typeface="Courier"/>
+                <a:cs typeface="Courier"/>
+              </a:rPr>
+              <a:t>      &lt;</a:t>
+            </a:r>
+            <a:r>
+              <a:rPr lang="en-US" sz="1800" b="1" dirty="0">
+                <a:latin typeface="Courier"/>
+                <a:cs typeface="Courier"/>
+              </a:rPr>
+              <a:t>/</a:t>
+            </a:r>
+            <a:r>
+              <a:rPr lang="en-US" sz="1800" b="1" dirty="0" err="1">
+                <a:latin typeface="Courier"/>
+                <a:cs typeface="Courier"/>
+              </a:rPr>
               <a:t>ul</a:t>
             </a:r>
             <a:r>
-              <a:rPr lang="en-US" dirty="0"/>
+              <a:rPr lang="en-US" sz="1800" b="1" dirty="0">
+                <a:latin typeface="Courier"/>
+                <a:cs typeface="Courier"/>
+              </a:rPr>
               <a:t>&gt;</a:t>
             </a:r>
           </a:p>
@@ -8818,24 +9063,25 @@
               <a:buNone/>
             </a:pPr>
             <a:r>
-              <a:rPr lang="en-US" dirty="0"/>
-              <a:t>			&lt;li id="owner"&gt;&lt;a </a:t>
-            </a:r>
-            <a:r>
-              <a:rPr lang="en-US" dirty="0" err="1"/>
-              <a:t>href</a:t>
-            </a:r>
-            <a:r>
-              <a:rPr lang="en-US" dirty="0"/>
-              <a:t>="/</a:t>
-            </a:r>
-            <a:r>
-              <a:rPr lang="en-US" dirty="0" err="1"/>
-              <a:t>petclinic</a:t>
-            </a:r>
-            <a:r>
-              <a:rPr lang="en-US" dirty="0"/>
-              <a:t>/owner/find"&gt;Find owner&lt;/a&gt;&lt;/li&gt;</a:t>
+              <a:rPr lang="en-US" sz="1800" b="1" dirty="0" smtClean="0">
+                <a:latin typeface="Courier"/>
+                <a:cs typeface="Courier"/>
+              </a:rPr>
+              <a:t>    &lt;</a:t>
+            </a:r>
+            <a:r>
+              <a:rPr lang="en-US" sz="1800" b="1" dirty="0">
+                <a:latin typeface="Courier"/>
+                <a:cs typeface="Courier"/>
+              </a:rPr>
+              <a:t>/div</a:t>
+            </a:r>
+            <a:r>
+              <a:rPr lang="en-US" sz="1800" b="1" dirty="0" smtClean="0">
+                <a:latin typeface="Courier"/>
+                <a:cs typeface="Courier"/>
+              </a:rPr>
+              <a:t>&gt;</a:t>
             </a:r>
           </a:p>
           <a:p>
@@ -8843,24 +9089,11 @@
               <a:buNone/>
             </a:pPr>
             <a:r>
-              <a:rPr lang="en-US" dirty="0"/>
-              <a:t>			&lt;li id="owners"&gt;&lt;a </a:t>
-            </a:r>
-            <a:r>
-              <a:rPr lang="en-US" dirty="0" err="1"/>
-              <a:t>href</a:t>
-            </a:r>
-            <a:r>
-              <a:rPr lang="en-US" dirty="0"/>
-              <a:t>="/</a:t>
-            </a:r>
-            <a:r>
-              <a:rPr lang="en-US" dirty="0" err="1"/>
-              <a:t>petclinic</a:t>
-            </a:r>
-            <a:r>
-              <a:rPr lang="en-US" dirty="0"/>
-              <a:t>/clinic/owners"&gt;Display all owners&lt;/a&gt;&lt;/li&gt;</a:t>
+              <a:rPr lang="en-US" sz="1800" b="1" i="1" dirty="0" smtClean="0">
+                <a:latin typeface="Courier"/>
+                <a:cs typeface="Courier"/>
+              </a:rPr>
+              <a:t>(continued)</a:t>
             </a:r>
           </a:p>
           <a:p>
@@ -8868,104 +9101,23 @@
               <a:buNone/>
             </a:pPr>
             <a:r>
-              <a:rPr lang="en-US" dirty="0"/>
-              <a:t>			&lt;li id="vets"&gt;&lt;a </a:t>
-            </a:r>
-            <a:r>
-              <a:rPr lang="en-US" dirty="0" err="1"/>
-              <a:t>href</a:t>
-            </a:r>
-            <a:r>
-              <a:rPr lang="en-US" dirty="0"/>
-              <a:t>="/</a:t>
-            </a:r>
-            <a:r>
-              <a:rPr lang="en-US" dirty="0" err="1"/>
-              <a:t>petclinic</a:t>
-            </a:r>
-            <a:r>
-              <a:rPr lang="en-US" dirty="0"/>
-              <a:t>/clinic/vets"&gt;Display all veterinarians&lt;/a&gt;&lt;/li&gt;</a:t>
-            </a:r>
-          </a:p>
-          <a:p>
-            <a:pPr marL="0" indent="0">
-              <a:buNone/>
-            </a:pPr>
-            <a:r>
-              <a:rPr lang="en-US" dirty="0"/>
-              <a:t>			&lt;li id="tutorial"&gt;&lt;a </a:t>
-            </a:r>
-            <a:r>
-              <a:rPr lang="en-US" dirty="0" err="1"/>
-              <a:t>href</a:t>
-            </a:r>
-            <a:r>
-              <a:rPr lang="en-US" dirty="0"/>
-              <a:t>="/</a:t>
-            </a:r>
-            <a:r>
-              <a:rPr lang="en-US" dirty="0" err="1"/>
-              <a:t>petclinic</a:t>
-            </a:r>
-            <a:r>
-              <a:rPr lang="en-US" dirty="0"/>
-              <a:t>/clinic/tutorial"&gt;Tutorial&lt;/a&gt;&lt;/li&gt;</a:t>
-            </a:r>
-          </a:p>
-          <a:p>
-            <a:pPr marL="0" indent="0">
-              <a:buNone/>
-            </a:pPr>
-            <a:r>
-              <a:rPr lang="en-US" dirty="0"/>
-              <a:t>		&lt;/</a:t>
-            </a:r>
-            <a:r>
-              <a:rPr lang="en-US" dirty="0" err="1"/>
-              <a:t>ul</a:t>
-            </a:r>
-            <a:r>
-              <a:rPr lang="en-US" dirty="0"/>
-              <a:t>&gt;</a:t>
-            </a:r>
-          </a:p>
-          <a:p>
-            <a:pPr marL="0" indent="0">
-              <a:buNone/>
-            </a:pPr>
-            <a:r>
-              <a:rPr lang="en-US" dirty="0"/>
-              <a:t>		&lt;/div&gt;</a:t>
-            </a:r>
-          </a:p>
-          <a:p>
-            <a:pPr marL="0" indent="0">
-              <a:buNone/>
-            </a:pPr>
-            <a:r>
-              <a:rPr lang="en-US" dirty="0"/>
-              <a:t>		&lt;footer&gt; . . . &lt;/footer&gt;</a:t>
-            </a:r>
-          </a:p>
-          <a:p>
-            <a:pPr marL="0" indent="0">
-              <a:buNone/>
-            </a:pPr>
-            <a:r>
-              <a:rPr lang="en-US" dirty="0"/>
-              <a:t>	&lt;/body&gt;</a:t>
-            </a:r>
-          </a:p>
-          <a:p>
-            <a:pPr marL="0" indent="0">
-              <a:buNone/>
-            </a:pPr>
-            <a:r>
-              <a:rPr lang="en-US" dirty="0"/>
-              <a:t>&lt;/html&gt;</a:t>
-            </a:r>
-            <a:endParaRPr lang="en-US" dirty="0"/>
+              <a:rPr lang="en-US" sz="1800" b="1" dirty="0">
+                <a:latin typeface="Courier"/>
+                <a:cs typeface="Courier"/>
+              </a:rPr>
+              <a:t> </a:t>
+            </a:r>
+            <a:r>
+              <a:rPr lang="en-US" sz="1800" b="1" dirty="0" smtClean="0">
+                <a:latin typeface="Courier"/>
+                <a:cs typeface="Courier"/>
+              </a:rPr>
+              <a:t>   </a:t>
+            </a:r>
+            <a:endParaRPr lang="en-US" sz="1800" b="1" dirty="0">
+              <a:latin typeface="Courier"/>
+              <a:cs typeface="Courier"/>
+            </a:endParaRPr>
           </a:p>
         </p:txBody>
       </p:sp>
@@ -9001,455 +9153,503 @@
       </p:grpSpPr>
       <p:sp>
         <p:nvSpPr>
-          <p:cNvPr id="2" name="Title 1"/>
-          <p:cNvSpPr>
-            <a:spLocks noGrp="1"/>
-          </p:cNvSpPr>
-          <p:nvPr>
-            <p:ph type="title"/>
-          </p:nvPr>
-        </p:nvSpPr>
-        <p:spPr/>
-        <p:txBody>
-          <a:bodyPr/>
-          <a:lstStyle/>
-          <a:p>
-            <a:r>
-              <a:rPr lang="en-US" dirty="0" smtClean="0"/>
-              <a:t>Page Example</a:t>
-            </a:r>
-            <a:endParaRPr lang="en-US" dirty="0"/>
-          </a:p>
-        </p:txBody>
-      </p:sp>
-      <p:sp>
-        <p:nvSpPr>
-          <p:cNvPr id="3" name="Content Placeholder 2"/>
-          <p:cNvSpPr>
-            <a:spLocks noGrp="1"/>
-          </p:cNvSpPr>
-          <p:nvPr>
-            <p:ph idx="1"/>
-          </p:nvPr>
-        </p:nvSpPr>
-        <p:spPr/>
-        <p:txBody>
-          <a:bodyPr>
-            <a:normAutofit fontScale="62500" lnSpcReduction="20000"/>
+          <p:cNvPr id="4" name="TextBox 3"/>
+          <p:cNvSpPr txBox="1"/>
+          <p:nvPr/>
+        </p:nvSpPr>
+        <p:spPr>
+          <a:xfrm>
+            <a:off x="436236" y="765905"/>
+            <a:ext cx="8094609" cy="5355313"/>
+          </a:xfrm>
+          <a:prstGeom prst="rect">
+            <a:avLst/>
+          </a:prstGeom>
+          <a:noFill/>
+        </p:spPr>
+        <p:txBody>
+          <a:bodyPr wrap="square" rtlCol="0">
+            <a:spAutoFit/>
           </a:bodyPr>
           <a:lstStyle/>
           <a:p>
-            <a:pPr marL="0" indent="0">
-              <a:buNone/>
-            </a:pPr>
+            <a:r>
+              <a:rPr lang="en-US" b="1" dirty="0" smtClean="0">
+                <a:latin typeface="Courier"/>
+                <a:cs typeface="Courier"/>
+              </a:rPr>
+              <a:t>    &lt;</a:t>
+            </a:r>
             <a:r>
               <a:rPr lang="en-US" b="1" dirty="0">
                 <a:latin typeface="Courier"/>
                 <a:cs typeface="Courier"/>
               </a:rPr>
-              <a:t>import </a:t>
+              <a:t>div id="list-</a:t>
+            </a:r>
+            <a:r>
+              <a:rPr lang="en-US" b="1" dirty="0" smtClean="0">
+                <a:latin typeface="Courier"/>
+                <a:cs typeface="Courier"/>
+              </a:rPr>
+              <a:t>person”</a:t>
+            </a:r>
+          </a:p>
+          <a:p>
+            <a:r>
+              <a:rPr lang="en-US" b="1" dirty="0">
+                <a:latin typeface="Courier"/>
+                <a:cs typeface="Courier"/>
+              </a:rPr>
+              <a:t> </a:t>
+            </a:r>
+            <a:r>
+              <a:rPr lang="en-US" b="1" dirty="0" smtClean="0">
+                <a:latin typeface="Courier"/>
+                <a:cs typeface="Courier"/>
+              </a:rPr>
+              <a:t>        class</a:t>
+            </a:r>
+            <a:r>
+              <a:rPr lang="en-US" b="1" dirty="0">
+                <a:latin typeface="Courier"/>
+                <a:cs typeface="Courier"/>
+              </a:rPr>
+              <a:t>="content scaffold-list" role="</a:t>
+            </a:r>
+            <a:r>
+              <a:rPr lang="en-US" b="1" dirty="0" smtClean="0">
+                <a:latin typeface="Courier"/>
+                <a:cs typeface="Courier"/>
+              </a:rPr>
+              <a:t>main”&gt;</a:t>
+            </a:r>
+          </a:p>
+          <a:p>
+            <a:r>
+              <a:rPr lang="en-US" b="1" dirty="0">
+                <a:latin typeface="Courier"/>
+                <a:cs typeface="Courier"/>
+              </a:rPr>
+              <a:t> </a:t>
+            </a:r>
+            <a:r>
+              <a:rPr lang="en-US" b="1" dirty="0" smtClean="0">
+                <a:latin typeface="Courier"/>
+                <a:cs typeface="Courier"/>
+              </a:rPr>
+              <a:t>     &lt;</a:t>
+            </a:r>
+            <a:r>
+              <a:rPr lang="en-US" b="1" dirty="0">
+                <a:latin typeface="Courier"/>
+                <a:cs typeface="Courier"/>
+              </a:rPr>
+              <a:t>h1&gt;Person List&lt;/h1&gt;</a:t>
+            </a:r>
+          </a:p>
+          <a:p>
+            <a:r>
+              <a:rPr lang="en-US" b="1" dirty="0" smtClean="0">
+                <a:latin typeface="Courier"/>
+                <a:cs typeface="Courier"/>
+              </a:rPr>
+              <a:t>      &lt;</a:t>
+            </a:r>
+            <a:r>
+              <a:rPr lang="en-US" b="1" dirty="0">
+                <a:latin typeface="Courier"/>
+                <a:cs typeface="Courier"/>
+              </a:rPr>
+              <a:t>table&gt;</a:t>
+            </a:r>
+          </a:p>
+          <a:p>
+            <a:r>
+              <a:rPr lang="en-US" b="1" dirty="0" smtClean="0">
+                <a:latin typeface="Courier"/>
+                <a:cs typeface="Courier"/>
+              </a:rPr>
+              <a:t>        &lt;</a:t>
             </a:r>
             <a:r>
               <a:rPr lang="en-US" b="1" dirty="0" err="1">
                 <a:latin typeface="Courier"/>
                 <a:cs typeface="Courier"/>
               </a:rPr>
-              <a:t>geb.Page</a:t>
-            </a:r>
-            <a:endParaRPr lang="en-US" b="1" dirty="0">
-              <a:latin typeface="Courier"/>
-              <a:cs typeface="Courier"/>
-            </a:endParaRPr>
-          </a:p>
-          <a:p>
-            <a:pPr marL="0" indent="0">
-              <a:buNone/>
-            </a:pPr>
-            <a:endParaRPr lang="en-US" b="1" dirty="0">
-              <a:latin typeface="Courier"/>
-              <a:cs typeface="Courier"/>
-            </a:endParaRPr>
-          </a:p>
-          <a:p>
-            <a:pPr marL="0" indent="0">
-              <a:buNone/>
-            </a:pPr>
+              <a:t>thead</a:t>
+            </a:r>
             <a:r>
               <a:rPr lang="en-US" b="1" dirty="0">
                 <a:latin typeface="Courier"/>
                 <a:cs typeface="Courier"/>
               </a:rPr>
-              <a:t>class </a:t>
+              <a:t>&gt;</a:t>
+            </a:r>
+          </a:p>
+          <a:p>
+            <a:r>
+              <a:rPr lang="en-US" b="1" dirty="0" smtClean="0">
+                <a:latin typeface="Courier"/>
+                <a:cs typeface="Courier"/>
+              </a:rPr>
+              <a:t>          &lt;</a:t>
             </a:r>
             <a:r>
               <a:rPr lang="en-US" b="1" dirty="0" err="1">
                 <a:latin typeface="Courier"/>
                 <a:cs typeface="Courier"/>
               </a:rPr>
-              <a:t>HomePage</a:t>
+              <a:t>tr</a:t>
+            </a:r>
+            <a:r>
+              <a:rPr lang="en-US" b="1" dirty="0" smtClean="0">
+                <a:latin typeface="Courier"/>
+                <a:cs typeface="Courier"/>
+              </a:rPr>
+              <a:t>&gt;</a:t>
+            </a:r>
+          </a:p>
+          <a:p>
+            <a:r>
+              <a:rPr lang="en-US" b="1" dirty="0" smtClean="0">
+                <a:latin typeface="Courier"/>
+                <a:cs typeface="Courier"/>
+              </a:rPr>
+              <a:t>            &lt;</a:t>
+            </a:r>
+            <a:r>
+              <a:rPr lang="en-US" b="1" dirty="0" err="1">
+                <a:latin typeface="Courier"/>
+                <a:cs typeface="Courier"/>
+              </a:rPr>
+              <a:t>th</a:t>
             </a:r>
             <a:r>
               <a:rPr lang="en-US" b="1" dirty="0">
                 <a:latin typeface="Courier"/>
                 <a:cs typeface="Courier"/>
               </a:rPr>
-              <a:t> extends Page </a:t>
+              <a:t>&gt;&lt;a . . .&gt; Enabled&lt;/a&gt;&lt;/</a:t>
+            </a:r>
+            <a:r>
+              <a:rPr lang="en-US" b="1" dirty="0" err="1">
+                <a:latin typeface="Courier"/>
+                <a:cs typeface="Courier"/>
+              </a:rPr>
+              <a:t>th</a:t>
             </a:r>
             <a:r>
               <a:rPr lang="en-US" b="1" dirty="0" smtClean="0">
                 <a:latin typeface="Courier"/>
                 <a:cs typeface="Courier"/>
               </a:rPr>
-              <a:t>{</a:t>
-            </a:r>
-            <a:endParaRPr lang="en-US" b="1" dirty="0">
-              <a:latin typeface="Courier"/>
-              <a:cs typeface="Courier"/>
-            </a:endParaRPr>
-          </a:p>
-          <a:p>
-            <a:pPr marL="0" indent="0">
-              <a:buNone/>
-            </a:pPr>
+              <a:t>&gt;</a:t>
+            </a:r>
+          </a:p>
+          <a:p>
             <a:r>
               <a:rPr lang="en-US" b="1" dirty="0">
                 <a:latin typeface="Courier"/>
                 <a:cs typeface="Courier"/>
               </a:rPr>
-              <a:t>	static </a:t>
+              <a:t> </a:t>
+            </a:r>
+            <a:r>
+              <a:rPr lang="en-US" b="1" dirty="0" smtClean="0">
+                <a:latin typeface="Courier"/>
+                <a:cs typeface="Courier"/>
+              </a:rPr>
+              <a:t>           &lt;</a:t>
             </a:r>
             <a:r>
               <a:rPr lang="en-US" b="1" dirty="0" err="1">
                 <a:latin typeface="Courier"/>
                 <a:cs typeface="Courier"/>
               </a:rPr>
-              <a:t>url</a:t>
+              <a:t>th</a:t>
             </a:r>
             <a:r>
               <a:rPr lang="en-US" b="1" dirty="0">
                 <a:latin typeface="Courier"/>
                 <a:cs typeface="Courier"/>
               </a:rPr>
-              <a:t> = ""</a:t>
-            </a:r>
-          </a:p>
-          <a:p>
-            <a:pPr marL="0" indent="0">
-              <a:buNone/>
-            </a:pPr>
+              <a:t>&gt;&lt;a . . .&gt;First Name&lt;/a&gt;&lt;/</a:t>
+            </a:r>
+            <a:r>
+              <a:rPr lang="en-US" b="1" dirty="0" err="1">
+                <a:latin typeface="Courier"/>
+                <a:cs typeface="Courier"/>
+              </a:rPr>
+              <a:t>th</a:t>
+            </a:r>
+            <a:r>
+              <a:rPr lang="en-US" b="1" dirty="0" smtClean="0">
+                <a:latin typeface="Courier"/>
+                <a:cs typeface="Courier"/>
+              </a:rPr>
+              <a:t>&gt;</a:t>
+            </a:r>
+          </a:p>
+          <a:p>
             <a:r>
               <a:rPr lang="en-US" b="1" dirty="0">
                 <a:latin typeface="Courier"/>
                 <a:cs typeface="Courier"/>
               </a:rPr>
-              <a:t>	static at = </a:t>
+              <a:t> </a:t>
             </a:r>
             <a:r>
               <a:rPr lang="en-US" b="1" dirty="0" smtClean="0">
                 <a:latin typeface="Courier"/>
                 <a:cs typeface="Courier"/>
               </a:rPr>
-              <a:t>{</a:t>
-            </a:r>
-            <a:r>
-              <a:rPr lang="en-US" b="1" u="sng" dirty="0" smtClean="0">
-                <a:latin typeface="Courier"/>
-                <a:cs typeface="Courier"/>
-              </a:rPr>
-              <a:t>title </a:t>
-            </a:r>
-            <a:r>
-              <a:rPr lang="en-US" b="1" u="sng" dirty="0" smtClean="0">
-                <a:latin typeface="Courier"/>
-                <a:cs typeface="Courier"/>
-              </a:rPr>
-              <a:t>=</a:t>
-            </a:r>
-            <a:r>
-              <a:rPr lang="en-US" b="1" u="sng" dirty="0">
-                <a:latin typeface="Courier"/>
-                <a:cs typeface="Courier"/>
-              </a:rPr>
-              <a:t>= </a:t>
-            </a:r>
-            <a:r>
-              <a:rPr lang="en-US" b="1" u="sng" dirty="0" smtClean="0">
-                <a:latin typeface="Courier"/>
-                <a:cs typeface="Courier"/>
-              </a:rPr>
-              <a:t>“Welcome</a:t>
-            </a:r>
-            <a:r>
-              <a:rPr lang="en-US" b="1" u="sng" dirty="0">
-                <a:latin typeface="Courier"/>
-                <a:cs typeface="Courier"/>
-              </a:rPr>
-              <a:t>"}</a:t>
-            </a:r>
-          </a:p>
-          <a:p>
-            <a:pPr marL="0" indent="0">
-              <a:buNone/>
-            </a:pPr>
+              <a:t>           &lt;</a:t>
+            </a:r>
+            <a:r>
+              <a:rPr lang="en-US" b="1" dirty="0" err="1">
+                <a:latin typeface="Courier"/>
+                <a:cs typeface="Courier"/>
+              </a:rPr>
+              <a:t>th</a:t>
+            </a:r>
             <a:r>
               <a:rPr lang="en-US" b="1" dirty="0">
                 <a:latin typeface="Courier"/>
                 <a:cs typeface="Courier"/>
               </a:rPr>
-              <a:t>	static content = {</a:t>
-            </a:r>
-          </a:p>
-          <a:p>
-            <a:pPr marL="0" indent="0">
-              <a:buNone/>
-            </a:pPr>
+              <a:t>&gt;&lt;a . . .&gt;Last Name&lt;/a&gt;&lt;/</a:t>
+            </a:r>
+            <a:r>
+              <a:rPr lang="en-US" b="1" dirty="0" err="1">
+                <a:latin typeface="Courier"/>
+                <a:cs typeface="Courier"/>
+              </a:rPr>
+              <a:t>th</a:t>
+            </a:r>
+            <a:r>
+              <a:rPr lang="en-US" b="1" dirty="0" smtClean="0">
+                <a:latin typeface="Courier"/>
+                <a:cs typeface="Courier"/>
+              </a:rPr>
+              <a:t>&gt;</a:t>
+            </a:r>
+          </a:p>
+          <a:p>
             <a:r>
               <a:rPr lang="en-US" b="1" dirty="0">
                 <a:latin typeface="Courier"/>
                 <a:cs typeface="Courier"/>
               </a:rPr>
-              <a:t>		</a:t>
-            </a:r>
-            <a:r>
-              <a:rPr lang="en-US" b="1" u="sng" dirty="0" err="1" smtClean="0">
-                <a:latin typeface="Courier"/>
-                <a:cs typeface="Courier"/>
-              </a:rPr>
-              <a:t>mainHeader</a:t>
-            </a:r>
-            <a:r>
-              <a:rPr lang="en-US" b="1" u="sng" dirty="0" smtClean="0">
-                <a:latin typeface="Courier"/>
-                <a:cs typeface="Courier"/>
-              </a:rPr>
-              <a:t>{ </a:t>
-            </a:r>
-            <a:r>
-              <a:rPr lang="en-US" b="1" u="sng" dirty="0">
-                <a:latin typeface="Courier"/>
-                <a:cs typeface="Courier"/>
-              </a:rPr>
-              <a:t>$("h2#header") </a:t>
-            </a:r>
-          </a:p>
-          <a:p>
-            <a:pPr marL="0" indent="0">
-              <a:buNone/>
-            </a:pPr>
+              <a:t> </a:t>
+            </a:r>
+            <a:r>
+              <a:rPr lang="en-US" b="1" dirty="0" smtClean="0">
+                <a:latin typeface="Courier"/>
+                <a:cs typeface="Courier"/>
+              </a:rPr>
+              <a:t>         &lt;</a:t>
+            </a:r>
             <a:r>
               <a:rPr lang="en-US" b="1" dirty="0">
                 <a:latin typeface="Courier"/>
                 <a:cs typeface="Courier"/>
               </a:rPr>
-              <a:t>		</a:t>
-            </a:r>
-            <a:r>
-              <a:rPr lang="en-US" b="1" u="sng" dirty="0" err="1" smtClean="0">
-                <a:latin typeface="Courier"/>
-                <a:cs typeface="Courier"/>
-              </a:rPr>
-              <a:t>mainHeaderText</a:t>
-            </a:r>
-            <a:r>
-              <a:rPr lang="en-US" b="1" u="sng" dirty="0" smtClean="0">
+              <a:t>/</a:t>
+            </a:r>
+            <a:r>
+              <a:rPr lang="en-US" b="1" dirty="0" err="1">
+                <a:latin typeface="Courier"/>
+                <a:cs typeface="Courier"/>
+              </a:rPr>
+              <a:t>tr</a:t>
+            </a:r>
+            <a:r>
+              <a:rPr lang="en-US" b="1" dirty="0" smtClean="0">
+                <a:latin typeface="Courier"/>
+                <a:cs typeface="Courier"/>
+              </a:rPr>
+              <a:t>&gt;</a:t>
+            </a:r>
+          </a:p>
+          <a:p>
+            <a:r>
+              <a:rPr lang="en-US" b="1" dirty="0">
                 <a:latin typeface="Courier"/>
                 <a:cs typeface="Courier"/>
               </a:rPr>
               <a:t> </a:t>
             </a:r>
             <a:r>
-              <a:rPr lang="en-US" b="1" u="sng" dirty="0">
-                <a:latin typeface="Courier"/>
-                <a:cs typeface="Courier"/>
-              </a:rPr>
-              <a:t>{ </a:t>
-            </a:r>
-            <a:r>
-              <a:rPr lang="en-US" b="1" u="sng" dirty="0" err="1">
-                <a:latin typeface="Courier"/>
-                <a:cs typeface="Courier"/>
-              </a:rPr>
-              <a:t>header.text</a:t>
-            </a:r>
-            <a:r>
-              <a:rPr lang="en-US" b="1" u="sng" dirty="0">
-                <a:latin typeface="Courier"/>
-                <a:cs typeface="Courier"/>
-              </a:rPr>
-              <a:t>() }</a:t>
-            </a:r>
-          </a:p>
-          <a:p>
-            <a:pPr marL="0" indent="0">
-              <a:buNone/>
-            </a:pPr>
+              <a:rPr lang="en-US" b="1" dirty="0" smtClean="0">
+                <a:latin typeface="Courier"/>
+                <a:cs typeface="Courier"/>
+              </a:rPr>
+              <a:t>       &lt;</a:t>
+            </a:r>
             <a:r>
               <a:rPr lang="en-US" b="1" dirty="0">
                 <a:latin typeface="Courier"/>
                 <a:cs typeface="Courier"/>
               </a:rPr>
-              <a:t>		</a:t>
-            </a:r>
-            <a:r>
-              <a:rPr lang="en-US" b="1" u="sng" dirty="0" err="1">
-                <a:latin typeface="Courier"/>
-                <a:cs typeface="Courier"/>
-              </a:rPr>
-              <a:t>ownerLink</a:t>
-            </a:r>
-            <a:r>
-              <a:rPr lang="en-US" b="1" u="sng" dirty="0">
-                <a:latin typeface="Courier"/>
-                <a:cs typeface="Courier"/>
-              </a:rPr>
-              <a:t> { $("</a:t>
-            </a:r>
-            <a:r>
-              <a:rPr lang="en-US" b="1" u="sng" dirty="0" err="1">
-                <a:latin typeface="Courier"/>
-                <a:cs typeface="Courier"/>
-              </a:rPr>
-              <a:t>li#owner</a:t>
-            </a:r>
-            <a:r>
-              <a:rPr lang="en-US" b="1" u="sng" dirty="0">
-                <a:latin typeface="Courier"/>
-                <a:cs typeface="Courier"/>
-              </a:rPr>
-              <a:t>").find("a") }</a:t>
-            </a:r>
-          </a:p>
-          <a:p>
-            <a:pPr marL="0" indent="0">
-              <a:buNone/>
-            </a:pPr>
+              <a:t>/</a:t>
+            </a:r>
+            <a:r>
+              <a:rPr lang="en-US" b="1" dirty="0" err="1">
+                <a:latin typeface="Courier"/>
+                <a:cs typeface="Courier"/>
+              </a:rPr>
+              <a:t>thead</a:t>
+            </a:r>
+            <a:r>
+              <a:rPr lang="en-US" b="1" dirty="0" smtClean="0">
+                <a:latin typeface="Courier"/>
+                <a:cs typeface="Courier"/>
+              </a:rPr>
+              <a:t>&gt;</a:t>
+            </a:r>
+          </a:p>
+          <a:p>
             <a:r>
               <a:rPr lang="en-US" b="1" dirty="0">
                 <a:latin typeface="Courier"/>
                 <a:cs typeface="Courier"/>
               </a:rPr>
-              <a:t>		</a:t>
-            </a:r>
-            <a:r>
-              <a:rPr lang="en-US" b="1" u="sng" dirty="0" err="1">
-                <a:latin typeface="Courier"/>
-                <a:cs typeface="Courier"/>
-              </a:rPr>
-              <a:t>ownersLink</a:t>
-            </a:r>
-            <a:r>
-              <a:rPr lang="en-US" b="1" u="sng" dirty="0">
-                <a:latin typeface="Courier"/>
-                <a:cs typeface="Courier"/>
-              </a:rPr>
-              <a:t> { $("</a:t>
-            </a:r>
-            <a:r>
-              <a:rPr lang="en-US" b="1" u="sng" dirty="0" err="1">
-                <a:latin typeface="Courier"/>
-                <a:cs typeface="Courier"/>
-              </a:rPr>
-              <a:t>li#owners</a:t>
-            </a:r>
-            <a:r>
-              <a:rPr lang="en-US" b="1" u="sng" dirty="0">
-                <a:latin typeface="Courier"/>
-                <a:cs typeface="Courier"/>
-              </a:rPr>
-              <a:t>").find("a") }</a:t>
-            </a:r>
-          </a:p>
-          <a:p>
-            <a:pPr marL="0" indent="0">
-              <a:buNone/>
-            </a:pPr>
-            <a:r>
-              <a:rPr lang="da-DK" b="1" dirty="0">
-                <a:latin typeface="Courier"/>
-                <a:cs typeface="Courier"/>
-              </a:rPr>
-              <a:t>		</a:t>
-            </a:r>
-            <a:r>
-              <a:rPr lang="da-DK" b="1" u="sng" dirty="0" err="1">
-                <a:latin typeface="Courier"/>
-                <a:cs typeface="Courier"/>
-              </a:rPr>
-              <a:t>vetsLink</a:t>
-            </a:r>
-            <a:r>
-              <a:rPr lang="da-DK" b="1" u="sng" dirty="0">
-                <a:latin typeface="Courier"/>
-                <a:cs typeface="Courier"/>
-              </a:rPr>
-              <a:t> { $("</a:t>
-            </a:r>
-            <a:r>
-              <a:rPr lang="da-DK" b="1" u="sng" dirty="0" err="1">
-                <a:latin typeface="Courier"/>
-                <a:cs typeface="Courier"/>
-              </a:rPr>
-              <a:t>li#vets</a:t>
-            </a:r>
-            <a:r>
-              <a:rPr lang="da-DK" b="1" u="sng" dirty="0">
-                <a:latin typeface="Courier"/>
-                <a:cs typeface="Courier"/>
-              </a:rPr>
-              <a:t>").find("a") }</a:t>
-            </a:r>
-          </a:p>
-          <a:p>
-            <a:pPr marL="0" indent="0">
-              <a:buNone/>
-            </a:pPr>
-            <a:r>
-              <a:rPr lang="da-DK" b="1" dirty="0">
-                <a:latin typeface="Courier"/>
-                <a:cs typeface="Courier"/>
-              </a:rPr>
-              <a:t>		}</a:t>
-            </a:r>
-          </a:p>
-          <a:p>
-            <a:pPr marL="0" indent="0">
-              <a:buNone/>
-            </a:pPr>
-            <a:r>
-              <a:rPr lang="da-DK" b="1" dirty="0">
-                <a:latin typeface="Courier"/>
-                <a:cs typeface="Courier"/>
-              </a:rPr>
-              <a:t>	</a:t>
-            </a:r>
-            <a:r>
-              <a:rPr lang="da-DK" b="1" dirty="0" smtClean="0">
-                <a:latin typeface="Courier"/>
-                <a:cs typeface="Courier"/>
-              </a:rPr>
-              <a:t>}</a:t>
-            </a:r>
-            <a:endParaRPr lang="da-DK" b="1" dirty="0">
-              <a:latin typeface="Courier"/>
-              <a:cs typeface="Courier"/>
-            </a:endParaRPr>
-          </a:p>
-          <a:p>
-            <a:pPr marL="0" indent="0">
-              <a:buNone/>
-            </a:pPr>
-            <a:r>
-              <a:rPr lang="da-DK" b="1" dirty="0">
-                <a:latin typeface="Courier"/>
-                <a:cs typeface="Courier"/>
-              </a:rPr>
-              <a:t>}</a:t>
-            </a:r>
-          </a:p>
-          <a:p>
-            <a:pPr marL="0" indent="0">
-              <a:buNone/>
-            </a:pPr>
+              <a:t> </a:t>
+            </a:r>
+            <a:r>
+              <a:rPr lang="en-US" b="1" dirty="0" smtClean="0">
+                <a:latin typeface="Courier"/>
+                <a:cs typeface="Courier"/>
+              </a:rPr>
+              <a:t>       &lt;</a:t>
+            </a:r>
+            <a:r>
+              <a:rPr lang="en-US" b="1" dirty="0" err="1">
+                <a:latin typeface="Courier"/>
+                <a:cs typeface="Courier"/>
+              </a:rPr>
+              <a:t>tbody</a:t>
+            </a:r>
+            <a:r>
+              <a:rPr lang="en-US" b="1" dirty="0" smtClean="0">
+                <a:latin typeface="Courier"/>
+                <a:cs typeface="Courier"/>
+              </a:rPr>
+              <a:t>&gt;</a:t>
+            </a:r>
+          </a:p>
+          <a:p>
+            <a:r>
+              <a:rPr lang="en-US" b="1" dirty="0">
+                <a:latin typeface="Courier"/>
+                <a:cs typeface="Courier"/>
+              </a:rPr>
+              <a:t> </a:t>
+            </a:r>
+            <a:r>
+              <a:rPr lang="en-US" b="1" dirty="0" smtClean="0">
+                <a:latin typeface="Courier"/>
+                <a:cs typeface="Courier"/>
+              </a:rPr>
+              <a:t>       &lt;</a:t>
+            </a:r>
+            <a:r>
+              <a:rPr lang="en-US" b="1" dirty="0">
+                <a:latin typeface="Courier"/>
+                <a:cs typeface="Courier"/>
+              </a:rPr>
+              <a:t>/</a:t>
+            </a:r>
+            <a:r>
+              <a:rPr lang="en-US" b="1" dirty="0" err="1">
+                <a:latin typeface="Courier"/>
+                <a:cs typeface="Courier"/>
+              </a:rPr>
+              <a:t>tbody</a:t>
+            </a:r>
+            <a:r>
+              <a:rPr lang="en-US" b="1" dirty="0">
+                <a:latin typeface="Courier"/>
+                <a:cs typeface="Courier"/>
+              </a:rPr>
+              <a:t>&gt;</a:t>
+            </a:r>
+          </a:p>
+          <a:p>
+            <a:r>
+              <a:rPr lang="en-US" b="1" dirty="0" smtClean="0">
+                <a:latin typeface="Courier"/>
+                <a:cs typeface="Courier"/>
+              </a:rPr>
+              <a:t>      &lt;</a:t>
+            </a:r>
+            <a:r>
+              <a:rPr lang="en-US" b="1" dirty="0">
+                <a:latin typeface="Courier"/>
+                <a:cs typeface="Courier"/>
+              </a:rPr>
+              <a:t>/table&gt;</a:t>
+            </a:r>
+          </a:p>
+          <a:p>
+            <a:r>
+              <a:rPr lang="en-US" b="1" dirty="0" smtClean="0">
+                <a:latin typeface="Courier"/>
+                <a:cs typeface="Courier"/>
+              </a:rPr>
+              <a:t>    &lt;</a:t>
+            </a:r>
+            <a:r>
+              <a:rPr lang="en-US" b="1" dirty="0">
+                <a:latin typeface="Courier"/>
+                <a:cs typeface="Courier"/>
+              </a:rPr>
+              <a:t>/div&gt;</a:t>
+            </a:r>
+          </a:p>
+          <a:p>
+            <a:r>
+              <a:rPr lang="en-US" b="1" dirty="0" smtClean="0">
+                <a:latin typeface="Courier"/>
+                <a:cs typeface="Courier"/>
+              </a:rPr>
+              <a:t>    &lt;</a:t>
+            </a:r>
+            <a:r>
+              <a:rPr lang="en-US" b="1" dirty="0">
+                <a:latin typeface="Courier"/>
+                <a:cs typeface="Courier"/>
+              </a:rPr>
+              <a:t>footer stuff /&gt;</a:t>
+            </a:r>
+          </a:p>
+          <a:p>
+            <a:r>
+              <a:rPr lang="en-US" b="1" dirty="0" smtClean="0">
+                <a:latin typeface="Courier"/>
+                <a:cs typeface="Courier"/>
+              </a:rPr>
+              <a:t>  &lt;</a:t>
+            </a:r>
+            <a:r>
+              <a:rPr lang="en-US" b="1" dirty="0">
+                <a:latin typeface="Courier"/>
+                <a:cs typeface="Courier"/>
+              </a:rPr>
+              <a:t>/body&gt;</a:t>
+            </a:r>
+          </a:p>
+          <a:p>
+            <a:r>
+              <a:rPr lang="en-US" b="1" dirty="0">
+                <a:latin typeface="Courier"/>
+                <a:cs typeface="Courier"/>
+              </a:rPr>
+              <a:t>&lt;/html&gt;</a:t>
+            </a:r>
+          </a:p>
+          <a:p>
             <a:endParaRPr lang="en-US" dirty="0"/>
           </a:p>
         </p:txBody>
@@ -9457,7 +9657,7 @@
     </p:spTree>
     <p:extLst>
       <p:ext uri="{BB962C8B-B14F-4D97-AF65-F5344CB8AC3E}">
-        <p14:creationId xmlns:p14="http://schemas.microsoft.com/office/powerpoint/2010/main" val="1616056854"/>
+        <p14:creationId xmlns:p14="http://schemas.microsoft.com/office/powerpoint/2010/main" val="3353009891"/>
       </p:ext>
     </p:extLst>
   </p:cSld>
@@ -9501,7 +9701,7 @@
           <a:p>
             <a:r>
               <a:rPr lang="en-US" dirty="0" smtClean="0"/>
-              <a:t>Module</a:t>
+              <a:t>Page Example</a:t>
             </a:r>
             <a:endParaRPr lang="en-US" dirty="0"/>
           </a:p>
@@ -9517,72 +9717,473 @@
             <p:ph idx="1"/>
           </p:nvPr>
         </p:nvSpPr>
-        <p:spPr/>
-        <p:txBody>
-          <a:bodyPr/>
-          <a:lstStyle/>
-          <a:p>
-            <a:r>
-              <a:rPr lang="en-US" dirty="0" smtClean="0"/>
-              <a:t>Same parameters and options as a page</a:t>
-            </a:r>
-          </a:p>
-          <a:p>
-            <a:r>
-              <a:rPr lang="en-US" dirty="0" smtClean="0"/>
-              <a:t>Defined as: extends module</a:t>
-            </a:r>
-          </a:p>
-          <a:p>
-            <a:r>
-              <a:rPr lang="en-US" dirty="0" smtClean="0"/>
-              <a:t>Useful for </a:t>
-            </a:r>
-          </a:p>
-          <a:p>
-            <a:pPr lvl="1"/>
-            <a:r>
-              <a:rPr lang="en-US" dirty="0"/>
-              <a:t>D</a:t>
-            </a:r>
-            <a:r>
-              <a:rPr lang="en-US" dirty="0" smtClean="0"/>
-              <a:t>uplicate page parts (like header and footer)</a:t>
-            </a:r>
-          </a:p>
-          <a:p>
-            <a:pPr lvl="1"/>
-            <a:r>
-              <a:rPr lang="en-US" dirty="0" smtClean="0"/>
-              <a:t>Repeated structures (elements of a list)</a:t>
-            </a:r>
-          </a:p>
-          <a:p>
-            <a:pPr lvl="1"/>
-            <a:r>
-              <a:rPr lang="en-US" dirty="0"/>
-              <a:t>A</a:t>
-            </a:r>
-            <a:r>
-              <a:rPr lang="en-US" dirty="0" smtClean="0"/>
-              <a:t>dditional abstractions</a:t>
-            </a:r>
-          </a:p>
-          <a:p>
-            <a:r>
-              <a:rPr lang="en-US" dirty="0" smtClean="0"/>
-              <a:t>Example in a minute</a:t>
-            </a:r>
-          </a:p>
-          <a:p>
-            <a:endParaRPr lang="en-US" dirty="0"/>
+        <p:spPr>
+          <a:xfrm>
+            <a:off x="457200" y="1532335"/>
+            <a:ext cx="8229600" cy="4525963"/>
+          </a:xfrm>
+        </p:spPr>
+        <p:txBody>
+          <a:bodyPr>
+            <a:noAutofit/>
+          </a:bodyPr>
+          <a:lstStyle/>
+          <a:p>
+            <a:pPr marL="0" indent="0">
+              <a:buNone/>
+            </a:pPr>
+            <a:r>
+              <a:rPr lang="en-US" sz="1600" b="1" dirty="0">
+                <a:latin typeface="Courier"/>
+                <a:cs typeface="Courier"/>
+              </a:rPr>
+              <a:t>import </a:t>
+            </a:r>
+            <a:r>
+              <a:rPr lang="en-US" sz="1600" b="1" dirty="0" err="1">
+                <a:latin typeface="Courier"/>
+                <a:cs typeface="Courier"/>
+              </a:rPr>
+              <a:t>geb.Page</a:t>
+            </a:r>
+            <a:endParaRPr lang="en-US" sz="1600" b="1" dirty="0">
+              <a:latin typeface="Courier"/>
+              <a:cs typeface="Courier"/>
+            </a:endParaRPr>
+          </a:p>
+          <a:p>
+            <a:pPr marL="0" indent="0">
+              <a:buNone/>
+            </a:pPr>
+            <a:endParaRPr lang="en-US" sz="1600" b="1" dirty="0">
+              <a:latin typeface="Courier"/>
+              <a:cs typeface="Courier"/>
+            </a:endParaRPr>
+          </a:p>
+          <a:p>
+            <a:pPr marL="0" indent="0">
+              <a:buNone/>
+            </a:pPr>
+            <a:r>
+              <a:rPr lang="en-US" sz="1600" b="1" dirty="0">
+                <a:latin typeface="Courier"/>
+                <a:cs typeface="Courier"/>
+              </a:rPr>
+              <a:t>class </a:t>
+            </a:r>
+            <a:r>
+              <a:rPr lang="en-US" sz="1600" b="1" dirty="0" err="1">
+                <a:latin typeface="Courier"/>
+                <a:cs typeface="Courier"/>
+              </a:rPr>
+              <a:t>ListPage</a:t>
+            </a:r>
+            <a:r>
+              <a:rPr lang="en-US" sz="1600" b="1" dirty="0">
+                <a:latin typeface="Courier"/>
+                <a:cs typeface="Courier"/>
+              </a:rPr>
+              <a:t> extends page {</a:t>
+            </a:r>
+          </a:p>
+          <a:p>
+            <a:pPr marL="0" indent="0">
+              <a:buNone/>
+            </a:pPr>
+            <a:r>
+              <a:rPr lang="en-US" sz="1600" b="1" dirty="0">
+                <a:latin typeface="Courier"/>
+                <a:cs typeface="Courier"/>
+              </a:rPr>
+              <a:t>  static </a:t>
+            </a:r>
+            <a:r>
+              <a:rPr lang="en-US" sz="1600" b="1" dirty="0" err="1">
+                <a:latin typeface="Courier"/>
+                <a:cs typeface="Courier"/>
+              </a:rPr>
+              <a:t>url</a:t>
+            </a:r>
+            <a:r>
+              <a:rPr lang="en-US" sz="1600" b="1" dirty="0">
+                <a:latin typeface="Courier"/>
+                <a:cs typeface="Courier"/>
+              </a:rPr>
+              <a:t> = "person/</a:t>
+            </a:r>
+            <a:r>
+              <a:rPr lang="en-US" sz="1600" b="1" dirty="0" smtClean="0">
+                <a:latin typeface="Courier"/>
+                <a:cs typeface="Courier"/>
+              </a:rPr>
+              <a:t>list”</a:t>
+            </a:r>
+            <a:endParaRPr lang="en-US" sz="1600" b="1" dirty="0">
+              <a:latin typeface="Courier"/>
+              <a:cs typeface="Courier"/>
+            </a:endParaRPr>
+          </a:p>
+          <a:p>
+            <a:pPr marL="0" indent="0">
+              <a:buNone/>
+            </a:pPr>
+            <a:r>
+              <a:rPr lang="en-US" sz="1600" b="1" dirty="0">
+                <a:latin typeface="Courier"/>
+                <a:cs typeface="Courier"/>
+              </a:rPr>
+              <a:t>  static at = {</a:t>
+            </a:r>
+          </a:p>
+          <a:p>
+            <a:pPr marL="0" indent="0">
+              <a:buNone/>
+            </a:pPr>
+            <a:r>
+              <a:rPr lang="en-US" sz="1600" b="1" dirty="0">
+                <a:latin typeface="Courier"/>
+                <a:cs typeface="Courier"/>
+              </a:rPr>
+              <a:t>    title ==~ /Person List/</a:t>
+            </a:r>
+          </a:p>
+          <a:p>
+            <a:pPr marL="0" indent="0">
+              <a:buNone/>
+            </a:pPr>
+            <a:r>
+              <a:rPr lang="en-US" sz="1600" b="1" dirty="0">
+                <a:latin typeface="Courier"/>
+                <a:cs typeface="Courier"/>
+              </a:rPr>
+              <a:t>  </a:t>
+            </a:r>
+            <a:r>
+              <a:rPr lang="en-US" sz="1600" b="1" dirty="0" smtClean="0">
+                <a:latin typeface="Courier"/>
+                <a:cs typeface="Courier"/>
+              </a:rPr>
+              <a:t>}</a:t>
+            </a:r>
+            <a:endParaRPr lang="en-US" sz="1600" b="1" dirty="0">
+              <a:latin typeface="Courier"/>
+              <a:cs typeface="Courier"/>
+            </a:endParaRPr>
+          </a:p>
+          <a:p>
+            <a:pPr marL="0" indent="0">
+              <a:buNone/>
+            </a:pPr>
+            <a:r>
+              <a:rPr lang="en-US" sz="1600" b="1" dirty="0">
+                <a:latin typeface="Courier"/>
+                <a:cs typeface="Courier"/>
+              </a:rPr>
+              <a:t>  static content = {</a:t>
+            </a:r>
+          </a:p>
+          <a:p>
+            <a:pPr marL="0" indent="0">
+              <a:buNone/>
+            </a:pPr>
+            <a:r>
+              <a:rPr lang="en-US" sz="1600" b="1" dirty="0">
+                <a:latin typeface="Courier"/>
+                <a:cs typeface="Courier"/>
+              </a:rPr>
+              <a:t>    </a:t>
+            </a:r>
+            <a:r>
+              <a:rPr lang="en-US" sz="1600" b="1" dirty="0" err="1">
+                <a:latin typeface="Courier"/>
+                <a:cs typeface="Courier"/>
+              </a:rPr>
+              <a:t>newPersonButton</a:t>
+            </a:r>
+            <a:r>
+              <a:rPr lang="en-US" sz="1600" b="1" dirty="0">
+                <a:latin typeface="Courier"/>
+                <a:cs typeface="Courier"/>
+              </a:rPr>
+              <a:t>(to: </a:t>
+            </a:r>
+            <a:r>
+              <a:rPr lang="en-US" sz="1600" b="1" dirty="0" err="1">
+                <a:latin typeface="Courier"/>
+                <a:cs typeface="Courier"/>
+              </a:rPr>
+              <a:t>CreatePage</a:t>
+            </a:r>
+            <a:r>
+              <a:rPr lang="en-US" sz="1600" b="1" dirty="0">
+                <a:latin typeface="Courier"/>
+                <a:cs typeface="Courier"/>
+              </a:rPr>
+              <a:t>) { $("a", text: "New Person") }</a:t>
+            </a:r>
+          </a:p>
+          <a:p>
+            <a:pPr marL="0" indent="0">
+              <a:buNone/>
+            </a:pPr>
+            <a:r>
+              <a:rPr lang="en-US" sz="1600" b="1" dirty="0">
+                <a:latin typeface="Courier"/>
+                <a:cs typeface="Courier"/>
+              </a:rPr>
+              <a:t>    </a:t>
+            </a:r>
+            <a:r>
+              <a:rPr lang="en-US" sz="1600" b="1" dirty="0" err="1">
+                <a:latin typeface="Courier"/>
+                <a:cs typeface="Courier"/>
+              </a:rPr>
+              <a:t>peopleTable</a:t>
+            </a:r>
+            <a:r>
+              <a:rPr lang="en-US" sz="1600" b="1" dirty="0">
+                <a:latin typeface="Courier"/>
+                <a:cs typeface="Courier"/>
+              </a:rPr>
+              <a:t> { $("</a:t>
+            </a:r>
+            <a:r>
+              <a:rPr lang="en-US" sz="1600" b="1" dirty="0" err="1">
+                <a:latin typeface="Courier"/>
+                <a:cs typeface="Courier"/>
+              </a:rPr>
+              <a:t>div.content</a:t>
+            </a:r>
+            <a:r>
+              <a:rPr lang="en-US" sz="1600" b="1" dirty="0">
+                <a:latin typeface="Courier"/>
+                <a:cs typeface="Courier"/>
+              </a:rPr>
+              <a:t> table", 0) }</a:t>
+            </a:r>
+          </a:p>
+          <a:p>
+            <a:pPr marL="0" indent="0">
+              <a:buNone/>
+            </a:pPr>
+            <a:r>
+              <a:rPr lang="en-US" sz="1600" b="1" dirty="0">
+                <a:latin typeface="Courier"/>
+                <a:cs typeface="Courier"/>
+              </a:rPr>
+              <a:t>    </a:t>
+            </a:r>
+            <a:r>
+              <a:rPr lang="en-US" sz="1600" b="1" dirty="0" err="1">
+                <a:latin typeface="Courier"/>
+                <a:cs typeface="Courier"/>
+              </a:rPr>
+              <a:t>personRow</a:t>
+            </a:r>
+            <a:r>
+              <a:rPr lang="en-US" sz="1600" b="1" dirty="0">
+                <a:latin typeface="Courier"/>
+                <a:cs typeface="Courier"/>
+              </a:rPr>
+              <a:t> { module </a:t>
+            </a:r>
+            <a:r>
+              <a:rPr lang="en-US" sz="1600" b="1" dirty="0" err="1">
+                <a:latin typeface="Courier"/>
+                <a:cs typeface="Courier"/>
+              </a:rPr>
+              <a:t>PersonRow</a:t>
+            </a:r>
+            <a:r>
+              <a:rPr lang="en-US" sz="1600" b="1" dirty="0">
+                <a:latin typeface="Courier"/>
+                <a:cs typeface="Courier"/>
+              </a:rPr>
+              <a:t>, </a:t>
+            </a:r>
+            <a:r>
+              <a:rPr lang="en-US" sz="1600" b="1" dirty="0" err="1">
+                <a:latin typeface="Courier"/>
+                <a:cs typeface="Courier"/>
+              </a:rPr>
+              <a:t>personRows</a:t>
+            </a:r>
+            <a:r>
+              <a:rPr lang="en-US" sz="1600" b="1" dirty="0">
+                <a:latin typeface="Courier"/>
+                <a:cs typeface="Courier"/>
+              </a:rPr>
+              <a:t>[it] }</a:t>
+            </a:r>
+          </a:p>
+          <a:p>
+            <a:pPr marL="0" indent="0">
+              <a:buNone/>
+            </a:pPr>
+            <a:r>
+              <a:rPr lang="en-US" sz="1600" b="1" dirty="0">
+                <a:latin typeface="Courier"/>
+                <a:cs typeface="Courier"/>
+              </a:rPr>
+              <a:t>    </a:t>
+            </a:r>
+            <a:r>
+              <a:rPr lang="en-US" sz="1600" b="1" dirty="0" err="1">
+                <a:latin typeface="Courier"/>
+                <a:cs typeface="Courier"/>
+              </a:rPr>
+              <a:t>personRows</a:t>
+            </a:r>
+            <a:r>
+              <a:rPr lang="en-US" sz="1600" b="1" dirty="0">
+                <a:latin typeface="Courier"/>
+                <a:cs typeface="Courier"/>
+              </a:rPr>
+              <a:t>(required: false</a:t>
+            </a:r>
+            <a:r>
+              <a:rPr lang="en-US" sz="1600" b="1" dirty="0" smtClean="0">
+                <a:latin typeface="Courier"/>
+                <a:cs typeface="Courier"/>
+              </a:rPr>
+              <a:t>)</a:t>
+            </a:r>
+          </a:p>
+          <a:p>
+            <a:pPr marL="0" indent="0">
+              <a:buNone/>
+            </a:pPr>
+            <a:r>
+              <a:rPr lang="en-US" sz="1600" b="1" dirty="0">
+                <a:latin typeface="Courier"/>
+                <a:cs typeface="Courier"/>
+              </a:rPr>
+              <a:t> </a:t>
+            </a:r>
+            <a:r>
+              <a:rPr lang="en-US" sz="1600" b="1" dirty="0" smtClean="0">
+                <a:latin typeface="Courier"/>
+                <a:cs typeface="Courier"/>
+              </a:rPr>
+              <a:t>       { </a:t>
+            </a:r>
+            <a:r>
+              <a:rPr lang="en-US" sz="1600" b="1" dirty="0" err="1">
+                <a:latin typeface="Courier"/>
+                <a:cs typeface="Courier"/>
+              </a:rPr>
+              <a:t>peopleTable.find</a:t>
+            </a:r>
+            <a:r>
+              <a:rPr lang="en-US" sz="1600" b="1" dirty="0">
+                <a:latin typeface="Courier"/>
+                <a:cs typeface="Courier"/>
+              </a:rPr>
+              <a:t>("</a:t>
+            </a:r>
+            <a:r>
+              <a:rPr lang="en-US" sz="1600" b="1" dirty="0" err="1">
+                <a:latin typeface="Courier"/>
+                <a:cs typeface="Courier"/>
+              </a:rPr>
+              <a:t>tbody</a:t>
+            </a:r>
+            <a:r>
+              <a:rPr lang="en-US" sz="1600" b="1" dirty="0">
+                <a:latin typeface="Courier"/>
+                <a:cs typeface="Courier"/>
+              </a:rPr>
+              <a:t>").find("</a:t>
+            </a:r>
+            <a:r>
+              <a:rPr lang="en-US" sz="1600" b="1" dirty="0" err="1">
+                <a:latin typeface="Courier"/>
+                <a:cs typeface="Courier"/>
+              </a:rPr>
+              <a:t>tr</a:t>
+            </a:r>
+            <a:r>
+              <a:rPr lang="en-US" sz="1600" b="1" dirty="0">
+                <a:latin typeface="Courier"/>
+                <a:cs typeface="Courier"/>
+              </a:rPr>
+              <a:t>") }</a:t>
+            </a:r>
+          </a:p>
+          <a:p>
+            <a:pPr marL="0" indent="0">
+              <a:buNone/>
+            </a:pPr>
+            <a:r>
+              <a:rPr lang="en-US" sz="1600" b="1" dirty="0">
+                <a:latin typeface="Courier"/>
+                <a:cs typeface="Courier"/>
+              </a:rPr>
+              <a:t>    </a:t>
+            </a:r>
+            <a:r>
+              <a:rPr lang="en-US" sz="1600" b="1" dirty="0" err="1">
+                <a:latin typeface="Courier"/>
+                <a:cs typeface="Courier"/>
+              </a:rPr>
+              <a:t>personListEmpty</a:t>
+            </a:r>
+            <a:r>
+              <a:rPr lang="en-US" sz="1600" b="1" dirty="0">
+                <a:latin typeface="Courier"/>
+                <a:cs typeface="Courier"/>
+              </a:rPr>
+              <a:t> { </a:t>
+            </a:r>
+            <a:r>
+              <a:rPr lang="en-US" sz="1600" b="1" dirty="0" err="1">
+                <a:latin typeface="Courier"/>
+                <a:cs typeface="Courier"/>
+              </a:rPr>
+              <a:t>personRows.size</a:t>
+            </a:r>
+            <a:r>
+              <a:rPr lang="en-US" sz="1600" b="1" dirty="0">
+                <a:latin typeface="Courier"/>
+                <a:cs typeface="Courier"/>
+              </a:rPr>
+              <a:t>() == 0 }</a:t>
+            </a:r>
+          </a:p>
+          <a:p>
+            <a:pPr marL="0" indent="0">
+              <a:buNone/>
+            </a:pPr>
+            <a:r>
+              <a:rPr lang="en-US" sz="1600" b="1" dirty="0">
+                <a:latin typeface="Courier"/>
+                <a:cs typeface="Courier"/>
+              </a:rPr>
+              <a:t>  }</a:t>
+            </a:r>
+          </a:p>
+          <a:p>
+            <a:pPr marL="0" indent="0">
+              <a:buNone/>
+            </a:pPr>
+            <a:r>
+              <a:rPr lang="en-US" sz="1600" b="1" dirty="0" smtClean="0">
+                <a:latin typeface="Courier"/>
+                <a:cs typeface="Courier"/>
+              </a:rPr>
+              <a:t>}</a:t>
+            </a:r>
+            <a:endParaRPr lang="da-DK" sz="1600" b="1" dirty="0" smtClean="0">
+              <a:latin typeface="Courier"/>
+              <a:cs typeface="Courier"/>
+            </a:endParaRPr>
           </a:p>
         </p:txBody>
       </p:sp>
     </p:spTree>
     <p:extLst>
       <p:ext uri="{BB962C8B-B14F-4D97-AF65-F5344CB8AC3E}">
-        <p14:creationId xmlns:p14="http://schemas.microsoft.com/office/powerpoint/2010/main" val="3506432180"/>
+        <p14:creationId xmlns:p14="http://schemas.microsoft.com/office/powerpoint/2010/main" val="3091852006"/>
       </p:ext>
     </p:extLst>
   </p:cSld>
@@ -9656,56 +10257,80 @@
             <a:pPr lvl="1"/>
             <a:r>
               <a:rPr lang="en-US" dirty="0" smtClean="0"/>
-              <a:t>From the outside in – test what the user sees</a:t>
+              <a:t>From the outside </a:t>
+            </a:r>
+            <a:r>
+              <a:rPr lang="en-US" dirty="0" smtClean="0"/>
+              <a:t>looking in </a:t>
             </a:r>
           </a:p>
           <a:p>
             <a:pPr lvl="1"/>
             <a:r>
               <a:rPr lang="en-US" dirty="0" smtClean="0"/>
+              <a:t>Test </a:t>
+            </a:r>
+            <a:r>
+              <a:rPr lang="en-US" dirty="0" smtClean="0"/>
+              <a:t>what the user sees</a:t>
+            </a:r>
+          </a:p>
+          <a:p>
+            <a:pPr lvl="1"/>
+            <a:r>
+              <a:rPr lang="en-US" dirty="0" smtClean="0"/>
               <a:t>Behavior Driven Development</a:t>
             </a:r>
           </a:p>
           <a:p>
             <a:r>
-              <a:rPr lang="en-US" dirty="0" smtClean="0">
+              <a:rPr lang="en-US" sz="2400" dirty="0" smtClean="0">
                 <a:hlinkClick r:id="rId2"/>
               </a:rPr>
               <a:t>http://en.wikipedia.org/wiki/Behavior-</a:t>
             </a:r>
             <a:r>
-              <a:rPr lang="en-US" dirty="0" smtClean="0">
+              <a:rPr lang="en-US" sz="2400" dirty="0" smtClean="0">
                 <a:hlinkClick r:id="rId2"/>
               </a:rPr>
               <a:t>driven_development</a:t>
             </a:r>
-            <a:endParaRPr lang="en-US" dirty="0" smtClean="0"/>
-          </a:p>
-          <a:p>
-            <a:r>
-              <a:rPr lang="en-US" dirty="0" smtClean="0"/>
-              <a:t>Example for testing: Pet Clinic Site</a:t>
+            <a:endParaRPr lang="en-US" sz="2400" dirty="0" smtClean="0"/>
+          </a:p>
+          <a:p>
+            <a:r>
+              <a:rPr lang="en-US" sz="2400" dirty="0" smtClean="0"/>
+              <a:t>A form of Test Driven Development</a:t>
             </a:r>
           </a:p>
           <a:p>
             <a:pPr lvl="1"/>
             <a:r>
-              <a:rPr lang="en-US" dirty="0"/>
-              <a:t> https://</a:t>
-            </a:r>
-            <a:r>
-              <a:rPr lang="en-US" dirty="0" err="1"/>
-              <a:t>github.com</a:t>
-            </a:r>
-            <a:r>
-              <a:rPr lang="en-US" dirty="0"/>
-              <a:t>/grails-samples/grails-</a:t>
-            </a:r>
-            <a:r>
-              <a:rPr lang="en-US" dirty="0" err="1"/>
-              <a:t>petclinic</a:t>
-            </a:r>
-            <a:endParaRPr lang="en-US" dirty="0" smtClean="0"/>
+              <a:rPr lang="en-US" sz="2000" dirty="0" smtClean="0"/>
+              <a:t>For a feature, class, function, behavior. . .</a:t>
+            </a:r>
+          </a:p>
+          <a:p>
+            <a:pPr lvl="1"/>
+            <a:r>
+              <a:rPr lang="en-US" sz="2000" dirty="0" smtClean="0"/>
+              <a:t>Write a test that fails (Red)</a:t>
+            </a:r>
+          </a:p>
+          <a:p>
+            <a:pPr lvl="1"/>
+            <a:r>
+              <a:rPr lang="en-US" sz="2000" dirty="0" smtClean="0"/>
+              <a:t>Make the test pass (Green)</a:t>
+            </a:r>
+          </a:p>
+          <a:p>
+            <a:pPr lvl="1"/>
+            <a:r>
+              <a:rPr lang="en-US" sz="2000" dirty="0" smtClean="0"/>
+              <a:t>Refactor</a:t>
+            </a:r>
+            <a:endParaRPr lang="en-US" sz="2000" dirty="0" smtClean="0"/>
           </a:p>
         </p:txBody>
       </p:sp>
@@ -9756,7 +10381,7 @@
           <a:p>
             <a:r>
               <a:rPr lang="en-US" dirty="0" smtClean="0"/>
-              <a:t>Using Spock!</a:t>
+              <a:t>Module</a:t>
             </a:r>
             <a:endParaRPr lang="en-US" dirty="0"/>
           </a:p>
@@ -9777,191 +10402,64 @@
           <a:bodyPr/>
           <a:lstStyle/>
           <a:p>
+            <a:r>
+              <a:rPr lang="en-US" dirty="0" smtClean="0"/>
+              <a:t>Same parameters and options as a page</a:t>
+            </a:r>
+          </a:p>
+          <a:p>
+            <a:r>
+              <a:rPr lang="en-US" dirty="0" smtClean="0"/>
+              <a:t>Defined as: extends module</a:t>
+            </a:r>
+          </a:p>
+          <a:p>
+            <a:r>
+              <a:rPr lang="en-US" dirty="0" smtClean="0"/>
+              <a:t>Useful for </a:t>
+            </a:r>
+          </a:p>
+          <a:p>
+            <a:pPr lvl="1"/>
+            <a:r>
+              <a:rPr lang="en-US" dirty="0"/>
+              <a:t>D</a:t>
+            </a:r>
+            <a:r>
+              <a:rPr lang="en-US" dirty="0" smtClean="0"/>
+              <a:t>uplicate page parts (like header and footer)</a:t>
+            </a:r>
+          </a:p>
+          <a:p>
+            <a:pPr lvl="1"/>
+            <a:r>
+              <a:rPr lang="en-US" dirty="0" smtClean="0"/>
+              <a:t>Repeated structures (elements of a list)</a:t>
+            </a:r>
+          </a:p>
+          <a:p>
+            <a:pPr lvl="1"/>
+            <a:r>
+              <a:rPr lang="en-US" dirty="0"/>
+              <a:t>A</a:t>
+            </a:r>
+            <a:r>
+              <a:rPr lang="en-US" dirty="0" smtClean="0"/>
+              <a:t>dditional abstractions</a:t>
+            </a:r>
+          </a:p>
+          <a:p>
             <a:pPr marL="0" indent="0">
               <a:buNone/>
             </a:pPr>
-            <a:r>
-              <a:rPr lang="en-US" b="1" dirty="0" err="1" smtClean="0">
-                <a:latin typeface="Courier"/>
-                <a:cs typeface="Courier"/>
-              </a:rPr>
-              <a:t>def</a:t>
-            </a:r>
-            <a:r>
-              <a:rPr lang="en-US" b="1" dirty="0" smtClean="0">
-                <a:latin typeface="Courier"/>
-                <a:cs typeface="Courier"/>
-              </a:rPr>
-              <a:t> </a:t>
-            </a:r>
-            <a:r>
-              <a:rPr lang="en-US" b="1" dirty="0">
-                <a:latin typeface="Courier"/>
-                <a:cs typeface="Courier"/>
-              </a:rPr>
-              <a:t>"add a person"() </a:t>
-            </a:r>
-            <a:r>
-              <a:rPr lang="en-US" b="1" dirty="0" smtClean="0">
-                <a:latin typeface="Courier"/>
-                <a:cs typeface="Courier"/>
-              </a:rPr>
-              <a:t>{</a:t>
-            </a:r>
-          </a:p>
-          <a:p>
-            <a:pPr marL="0" indent="0">
-              <a:buNone/>
-            </a:pPr>
-            <a:r>
-              <a:rPr lang="en-US" b="1" dirty="0">
-                <a:latin typeface="Courier"/>
-                <a:cs typeface="Courier"/>
-              </a:rPr>
-              <a:t>	</a:t>
-            </a:r>
-            <a:r>
-              <a:rPr lang="en-US" b="1" dirty="0" smtClean="0">
-                <a:latin typeface="Courier"/>
-                <a:cs typeface="Courier"/>
-              </a:rPr>
-              <a:t>// Given: on </a:t>
-            </a:r>
-            <a:r>
-              <a:rPr lang="en-US" b="1" dirty="0" err="1" smtClean="0">
-                <a:latin typeface="Courier"/>
-                <a:cs typeface="Courier"/>
-              </a:rPr>
-              <a:t>listPage</a:t>
-            </a:r>
-            <a:endParaRPr lang="en-US" b="1" dirty="0" smtClean="0">
-              <a:latin typeface="Courier"/>
-              <a:cs typeface="Courier"/>
-            </a:endParaRPr>
-          </a:p>
-          <a:p>
-            <a:pPr marL="0" indent="0">
-              <a:buNone/>
-            </a:pPr>
-            <a:r>
-              <a:rPr lang="en-US" b="1" dirty="0" smtClean="0">
-                <a:latin typeface="Courier"/>
-                <a:cs typeface="Courier"/>
-              </a:rPr>
-              <a:t>	when</a:t>
-            </a:r>
-            <a:r>
-              <a:rPr lang="en-US" b="1" dirty="0">
-                <a:latin typeface="Courier"/>
-                <a:cs typeface="Courier"/>
-              </a:rPr>
-              <a:t>:</a:t>
-            </a:r>
-          </a:p>
-          <a:p>
-            <a:pPr marL="0" indent="0">
-              <a:buNone/>
-            </a:pPr>
-            <a:r>
-              <a:rPr lang="en-US" b="1" dirty="0">
-                <a:latin typeface="Courier"/>
-                <a:cs typeface="Courier"/>
-              </a:rPr>
-              <a:t>		</a:t>
-            </a:r>
-            <a:r>
-              <a:rPr lang="en-US" b="1" u="sng" dirty="0" err="1">
-                <a:latin typeface="Courier"/>
-                <a:cs typeface="Courier"/>
-              </a:rPr>
-              <a:t>newPersonButton.click</a:t>
-            </a:r>
-            <a:r>
-              <a:rPr lang="en-US" b="1" u="sng" dirty="0">
-                <a:latin typeface="Courier"/>
-                <a:cs typeface="Courier"/>
-              </a:rPr>
-              <a:t>()</a:t>
-            </a:r>
-          </a:p>
-          <a:p>
-            <a:pPr marL="0" indent="0">
-              <a:buNone/>
-            </a:pPr>
-            <a:r>
-              <a:rPr lang="en-US" b="1" dirty="0">
-                <a:latin typeface="Courier"/>
-                <a:cs typeface="Courier"/>
-              </a:rPr>
-              <a:t>	</a:t>
-            </a:r>
-            <a:r>
-              <a:rPr lang="en-US" b="1" dirty="0" smtClean="0">
-                <a:latin typeface="Courier"/>
-                <a:cs typeface="Courier"/>
-              </a:rPr>
-              <a:t>then</a:t>
-            </a:r>
-            <a:r>
-              <a:rPr lang="en-US" b="1" dirty="0">
-                <a:latin typeface="Courier"/>
-                <a:cs typeface="Courier"/>
-              </a:rPr>
-              <a:t>:</a:t>
-            </a:r>
-          </a:p>
-          <a:p>
-            <a:pPr marL="0" indent="0">
-              <a:buNone/>
-            </a:pPr>
-            <a:r>
-              <a:rPr lang="en-US" b="1" dirty="0">
-                <a:latin typeface="Courier"/>
-                <a:cs typeface="Courier"/>
-              </a:rPr>
-              <a:t>		</a:t>
-            </a:r>
-            <a:r>
-              <a:rPr lang="en-US" b="1" u="sng" dirty="0">
-                <a:latin typeface="Courier"/>
-                <a:cs typeface="Courier"/>
-              </a:rPr>
-              <a:t>at </a:t>
-            </a:r>
-            <a:r>
-              <a:rPr lang="en-US" b="1" u="sng" dirty="0" err="1">
-                <a:latin typeface="Courier"/>
-                <a:cs typeface="Courier"/>
-              </a:rPr>
-              <a:t>CreatePage</a:t>
-            </a:r>
-            <a:endParaRPr lang="en-US" b="1" u="sng" dirty="0">
-              <a:latin typeface="Courier"/>
-              <a:cs typeface="Courier"/>
-            </a:endParaRPr>
-          </a:p>
-          <a:p>
-            <a:pPr marL="0" indent="0">
-              <a:buNone/>
-            </a:pPr>
-            <a:r>
-              <a:rPr lang="en-US" b="1" dirty="0" smtClean="0">
-                <a:latin typeface="Courier"/>
-                <a:cs typeface="Courier"/>
-              </a:rPr>
-              <a:t>}</a:t>
-            </a:r>
-            <a:endParaRPr lang="en-US" b="1" dirty="0">
-              <a:latin typeface="Courier"/>
-              <a:cs typeface="Courier"/>
-            </a:endParaRPr>
+            <a:endParaRPr lang="en-US" dirty="0"/>
           </a:p>
         </p:txBody>
       </p:sp>
     </p:spTree>
     <p:extLst>
       <p:ext uri="{BB962C8B-B14F-4D97-AF65-F5344CB8AC3E}">
-        <p14:creationId xmlns:p14="http://schemas.microsoft.com/office/powerpoint/2010/main" val="513811288"/>
+        <p14:creationId xmlns:p14="http://schemas.microsoft.com/office/powerpoint/2010/main" val="3506432180"/>
       </p:ext>
     </p:extLst>
   </p:cSld>
@@ -10005,7 +10503,7 @@
           <a:p>
             <a:r>
               <a:rPr lang="en-US" dirty="0" smtClean="0"/>
-              <a:t>Workflow</a:t>
+              <a:t>Module – people row element</a:t>
             </a:r>
             <a:endParaRPr lang="en-US" dirty="0"/>
           </a:p>
@@ -10023,60 +10521,472 @@
         </p:nvSpPr>
         <p:spPr/>
         <p:txBody>
-          <a:bodyPr/>
-          <a:lstStyle/>
-          <a:p>
-            <a:r>
-              <a:rPr lang="en-US" dirty="0" smtClean="0"/>
-              <a:t>For each element</a:t>
-            </a:r>
-          </a:p>
-          <a:p>
-            <a:pPr lvl="1"/>
-            <a:r>
-              <a:rPr lang="en-US" dirty="0" smtClean="0"/>
-              <a:t>Write a failing unit test for the unit or one of its features</a:t>
-            </a:r>
-          </a:p>
-          <a:p>
-            <a:pPr lvl="1"/>
-            <a:r>
-              <a:rPr lang="en-US" dirty="0" smtClean="0"/>
-              <a:t>Make the test past</a:t>
-            </a:r>
-          </a:p>
-          <a:p>
-            <a:r>
-              <a:rPr lang="en-US" dirty="0" smtClean="0"/>
-              <a:t>For each user features</a:t>
-            </a:r>
-          </a:p>
-          <a:p>
-            <a:pPr lvl="1"/>
-            <a:r>
-              <a:rPr lang="en-US" dirty="0" smtClean="0"/>
-              <a:t>Write a failing behavioral test</a:t>
-            </a:r>
-          </a:p>
-          <a:p>
-            <a:pPr lvl="1"/>
-            <a:r>
-              <a:rPr lang="en-US" dirty="0" smtClean="0"/>
-              <a:t>Make the test past</a:t>
-            </a:r>
-          </a:p>
-          <a:p>
-            <a:r>
-              <a:rPr lang="en-US" dirty="0" smtClean="0"/>
-              <a:t>What is the “least change” path</a:t>
-            </a:r>
+          <a:bodyPr>
+            <a:normAutofit fontScale="55000" lnSpcReduction="20000"/>
+          </a:bodyPr>
+          <a:lstStyle/>
+          <a:p>
+            <a:pPr marL="0" indent="0">
+              <a:buNone/>
+            </a:pPr>
+            <a:r>
+              <a:rPr lang="en-US" b="1" dirty="0">
+                <a:latin typeface="Courier"/>
+                <a:cs typeface="Courier"/>
+              </a:rPr>
+              <a:t>package modules</a:t>
+            </a:r>
+          </a:p>
+          <a:p>
+            <a:endParaRPr lang="en-US" b="1" dirty="0">
+              <a:latin typeface="Courier"/>
+              <a:cs typeface="Courier"/>
+            </a:endParaRPr>
+          </a:p>
+          <a:p>
+            <a:pPr marL="0" indent="0">
+              <a:buNone/>
+            </a:pPr>
+            <a:r>
+              <a:rPr lang="en-US" b="1" dirty="0">
+                <a:latin typeface="Courier"/>
+                <a:cs typeface="Courier"/>
+              </a:rPr>
+              <a:t>import </a:t>
+            </a:r>
+            <a:r>
+              <a:rPr lang="en-US" b="1" dirty="0" err="1">
+                <a:latin typeface="Courier"/>
+                <a:cs typeface="Courier"/>
+              </a:rPr>
+              <a:t>geb.Module</a:t>
+            </a:r>
+            <a:r>
+              <a:rPr lang="en-US" b="1" dirty="0">
+                <a:latin typeface="Courier"/>
+                <a:cs typeface="Courier"/>
+              </a:rPr>
+              <a:t>;</a:t>
+            </a:r>
+          </a:p>
+          <a:p>
+            <a:endParaRPr lang="en-US" b="1" dirty="0">
+              <a:latin typeface="Courier"/>
+              <a:cs typeface="Courier"/>
+            </a:endParaRPr>
+          </a:p>
+          <a:p>
+            <a:pPr marL="0" indent="0">
+              <a:buNone/>
+            </a:pPr>
+            <a:r>
+              <a:rPr lang="en-US" b="1" dirty="0">
+                <a:latin typeface="Courier"/>
+                <a:cs typeface="Courier"/>
+              </a:rPr>
+              <a:t>class </a:t>
+            </a:r>
+            <a:r>
+              <a:rPr lang="en-US" b="1" dirty="0" err="1">
+                <a:latin typeface="Courier"/>
+                <a:cs typeface="Courier"/>
+              </a:rPr>
+              <a:t>PersonRow</a:t>
+            </a:r>
+            <a:r>
+              <a:rPr lang="en-US" b="1" dirty="0">
+                <a:latin typeface="Courier"/>
+                <a:cs typeface="Courier"/>
+              </a:rPr>
+              <a:t> extends Module {</a:t>
+            </a:r>
+          </a:p>
+          <a:p>
+            <a:pPr marL="0" indent="0">
+              <a:buNone/>
+            </a:pPr>
+            <a:r>
+              <a:rPr lang="en-US" b="1" dirty="0">
+                <a:latin typeface="Courier"/>
+                <a:cs typeface="Courier"/>
+              </a:rPr>
+              <a:t> </a:t>
+            </a:r>
+            <a:r>
+              <a:rPr lang="en-US" b="1" dirty="0" smtClean="0">
+                <a:latin typeface="Courier"/>
+                <a:cs typeface="Courier"/>
+              </a:rPr>
+              <a:t> static </a:t>
+            </a:r>
+            <a:r>
+              <a:rPr lang="en-US" b="1" dirty="0">
+                <a:latin typeface="Courier"/>
+                <a:cs typeface="Courier"/>
+              </a:rPr>
+              <a:t>content = {</a:t>
+            </a:r>
+          </a:p>
+          <a:p>
+            <a:pPr marL="0" indent="0">
+              <a:buNone/>
+            </a:pPr>
+            <a:r>
+              <a:rPr lang="en-US" b="1" dirty="0">
+                <a:latin typeface="Courier"/>
+                <a:cs typeface="Courier"/>
+              </a:rPr>
+              <a:t> </a:t>
+            </a:r>
+            <a:r>
+              <a:rPr lang="en-US" b="1" dirty="0" smtClean="0">
+                <a:latin typeface="Courier"/>
+                <a:cs typeface="Courier"/>
+              </a:rPr>
+              <a:t> </a:t>
+            </a:r>
+            <a:r>
+              <a:rPr lang="en-US" b="1" dirty="0">
+                <a:latin typeface="Courier"/>
+                <a:cs typeface="Courier"/>
+              </a:rPr>
+              <a:t> </a:t>
+            </a:r>
+            <a:r>
+              <a:rPr lang="en-US" b="1" dirty="0" smtClean="0">
+                <a:latin typeface="Courier"/>
+                <a:cs typeface="Courier"/>
+              </a:rPr>
+              <a:t> cell </a:t>
+            </a:r>
+            <a:r>
+              <a:rPr lang="en-US" b="1" dirty="0">
+                <a:latin typeface="Courier"/>
+                <a:cs typeface="Courier"/>
+              </a:rPr>
+              <a:t>{ $("td", it) }</a:t>
+            </a:r>
+          </a:p>
+          <a:p>
+            <a:pPr marL="0" indent="0">
+              <a:buNone/>
+            </a:pPr>
+            <a:r>
+              <a:rPr lang="en-US" b="1" dirty="0">
+                <a:latin typeface="Courier"/>
+                <a:cs typeface="Courier"/>
+              </a:rPr>
+              <a:t> </a:t>
+            </a:r>
+            <a:r>
+              <a:rPr lang="en-US" b="1" dirty="0" smtClean="0">
+                <a:latin typeface="Courier"/>
+                <a:cs typeface="Courier"/>
+              </a:rPr>
+              <a:t>   </a:t>
+            </a:r>
+            <a:r>
+              <a:rPr lang="en-US" b="1" dirty="0" err="1" smtClean="0">
+                <a:latin typeface="Courier"/>
+                <a:cs typeface="Courier"/>
+              </a:rPr>
+              <a:t>cellText</a:t>
+            </a:r>
+            <a:r>
+              <a:rPr lang="en-US" b="1" dirty="0" smtClean="0">
+                <a:latin typeface="Courier"/>
+                <a:cs typeface="Courier"/>
+              </a:rPr>
+              <a:t> </a:t>
+            </a:r>
+            <a:r>
+              <a:rPr lang="en-US" b="1" dirty="0">
+                <a:latin typeface="Courier"/>
+                <a:cs typeface="Courier"/>
+              </a:rPr>
+              <a:t>{ cell(it).text() }</a:t>
+            </a:r>
+          </a:p>
+          <a:p>
+            <a:pPr marL="0" indent="0">
+              <a:buNone/>
+            </a:pPr>
+            <a:r>
+              <a:rPr lang="en-US" b="1" dirty="0" smtClean="0">
+                <a:latin typeface="Courier"/>
+                <a:cs typeface="Courier"/>
+              </a:rPr>
+              <a:t>    </a:t>
+            </a:r>
+            <a:r>
+              <a:rPr lang="en-US" b="1" dirty="0" err="1" smtClean="0">
+                <a:latin typeface="Courier"/>
+                <a:cs typeface="Courier"/>
+              </a:rPr>
+              <a:t>cellHrefText</a:t>
+            </a:r>
+            <a:r>
+              <a:rPr lang="en-US" b="1" dirty="0">
+                <a:latin typeface="Courier"/>
+                <a:cs typeface="Courier"/>
+              </a:rPr>
+              <a:t>{ cell(it).find('a').text() }</a:t>
+            </a:r>
+          </a:p>
+          <a:p>
+            <a:pPr marL="0" indent="0">
+              <a:buNone/>
+            </a:pPr>
+            <a:r>
+              <a:rPr lang="en-US" b="1" dirty="0">
+                <a:latin typeface="Courier"/>
+                <a:cs typeface="Courier"/>
+              </a:rPr>
+              <a:t> </a:t>
+            </a:r>
+            <a:r>
+              <a:rPr lang="en-US" b="1" dirty="0" smtClean="0">
+                <a:latin typeface="Courier"/>
+                <a:cs typeface="Courier"/>
+              </a:rPr>
+              <a:t>   enabled </a:t>
+            </a:r>
+            <a:r>
+              <a:rPr lang="en-US" b="1" dirty="0">
+                <a:latin typeface="Courier"/>
+                <a:cs typeface="Courier"/>
+              </a:rPr>
+              <a:t>{ </a:t>
+            </a:r>
+            <a:r>
+              <a:rPr lang="en-US" b="1" dirty="0" err="1">
+                <a:latin typeface="Courier"/>
+                <a:cs typeface="Courier"/>
+              </a:rPr>
+              <a:t>Boolean.valueOf</a:t>
+            </a:r>
+            <a:r>
+              <a:rPr lang="en-US" b="1" dirty="0">
+                <a:latin typeface="Courier"/>
+                <a:cs typeface="Courier"/>
+              </a:rPr>
+              <a:t>(</a:t>
+            </a:r>
+            <a:r>
+              <a:rPr lang="en-US" b="1" dirty="0" err="1">
+                <a:latin typeface="Courier"/>
+                <a:cs typeface="Courier"/>
+              </a:rPr>
+              <a:t>cellHrefText</a:t>
+            </a:r>
+            <a:r>
+              <a:rPr lang="en-US" b="1" dirty="0">
+                <a:latin typeface="Courier"/>
+                <a:cs typeface="Courier"/>
+              </a:rPr>
+              <a:t>(0)) }</a:t>
+            </a:r>
+          </a:p>
+          <a:p>
+            <a:pPr marL="0" indent="0">
+              <a:buNone/>
+            </a:pPr>
+            <a:r>
+              <a:rPr lang="en-US" b="1" dirty="0">
+                <a:latin typeface="Courier"/>
+                <a:cs typeface="Courier"/>
+              </a:rPr>
+              <a:t> </a:t>
+            </a:r>
+            <a:r>
+              <a:rPr lang="en-US" b="1" dirty="0" smtClean="0">
+                <a:latin typeface="Courier"/>
+                <a:cs typeface="Courier"/>
+              </a:rPr>
+              <a:t>   </a:t>
+            </a:r>
+            <a:r>
+              <a:rPr lang="en-US" b="1" dirty="0" err="1" smtClean="0">
+                <a:latin typeface="Courier"/>
+                <a:cs typeface="Courier"/>
+              </a:rPr>
+              <a:t>firstName</a:t>
+            </a:r>
+            <a:r>
+              <a:rPr lang="en-US" b="1" dirty="0" smtClean="0">
+                <a:latin typeface="Courier"/>
+                <a:cs typeface="Courier"/>
+              </a:rPr>
+              <a:t> </a:t>
+            </a:r>
+            <a:r>
+              <a:rPr lang="en-US" b="1" dirty="0">
+                <a:latin typeface="Courier"/>
+                <a:cs typeface="Courier"/>
+              </a:rPr>
+              <a:t>{ </a:t>
+            </a:r>
+            <a:r>
+              <a:rPr lang="en-US" b="1" dirty="0" err="1">
+                <a:latin typeface="Courier"/>
+                <a:cs typeface="Courier"/>
+              </a:rPr>
+              <a:t>cellText</a:t>
+            </a:r>
+            <a:r>
+              <a:rPr lang="en-US" b="1" dirty="0">
+                <a:latin typeface="Courier"/>
+                <a:cs typeface="Courier"/>
+              </a:rPr>
+              <a:t>(1) }</a:t>
+            </a:r>
+          </a:p>
+          <a:p>
+            <a:pPr marL="0" indent="0">
+              <a:buNone/>
+            </a:pPr>
+            <a:r>
+              <a:rPr lang="en-US" b="1" dirty="0">
+                <a:latin typeface="Courier"/>
+                <a:cs typeface="Courier"/>
+              </a:rPr>
+              <a:t> </a:t>
+            </a:r>
+            <a:r>
+              <a:rPr lang="en-US" b="1" dirty="0" smtClean="0">
+                <a:latin typeface="Courier"/>
+                <a:cs typeface="Courier"/>
+              </a:rPr>
+              <a:t>   </a:t>
+            </a:r>
+            <a:r>
+              <a:rPr lang="en-US" b="1" dirty="0" err="1" smtClean="0">
+                <a:latin typeface="Courier"/>
+                <a:cs typeface="Courier"/>
+              </a:rPr>
+              <a:t>lastName</a:t>
+            </a:r>
+            <a:r>
+              <a:rPr lang="en-US" b="1" dirty="0" smtClean="0">
+                <a:latin typeface="Courier"/>
+                <a:cs typeface="Courier"/>
+              </a:rPr>
+              <a:t> </a:t>
+            </a:r>
+            <a:r>
+              <a:rPr lang="en-US" b="1" dirty="0">
+                <a:latin typeface="Courier"/>
+                <a:cs typeface="Courier"/>
+              </a:rPr>
+              <a:t>{ </a:t>
+            </a:r>
+            <a:r>
+              <a:rPr lang="en-US" b="1" dirty="0" err="1">
+                <a:latin typeface="Courier"/>
+                <a:cs typeface="Courier"/>
+              </a:rPr>
+              <a:t>cellText</a:t>
+            </a:r>
+            <a:r>
+              <a:rPr lang="en-US" b="1" dirty="0">
+                <a:latin typeface="Courier"/>
+                <a:cs typeface="Courier"/>
+              </a:rPr>
+              <a:t>(2) }</a:t>
+            </a:r>
+          </a:p>
+          <a:p>
+            <a:pPr marL="0" indent="0">
+              <a:buNone/>
+            </a:pPr>
+            <a:r>
+              <a:rPr lang="en-US" b="1" dirty="0">
+                <a:latin typeface="Courier"/>
+                <a:cs typeface="Courier"/>
+              </a:rPr>
+              <a:t> </a:t>
+            </a:r>
+            <a:r>
+              <a:rPr lang="en-US" b="1" dirty="0" smtClean="0">
+                <a:latin typeface="Courier"/>
+                <a:cs typeface="Courier"/>
+              </a:rPr>
+              <a:t>   </a:t>
+            </a:r>
+            <a:r>
+              <a:rPr lang="en-US" b="1" dirty="0" err="1" smtClean="0">
+                <a:latin typeface="Courier"/>
+                <a:cs typeface="Courier"/>
+              </a:rPr>
+              <a:t>showLink</a:t>
+            </a:r>
+            <a:r>
+              <a:rPr lang="en-US" b="1" dirty="0">
+                <a:latin typeface="Courier"/>
+                <a:cs typeface="Courier"/>
+              </a:rPr>
+              <a:t>(to: </a:t>
+            </a:r>
+            <a:r>
+              <a:rPr lang="en-US" b="1" dirty="0" err="1">
+                <a:latin typeface="Courier"/>
+                <a:cs typeface="Courier"/>
+              </a:rPr>
+              <a:t>ShowPage</a:t>
+            </a:r>
+            <a:r>
+              <a:rPr lang="en-US" b="1" dirty="0">
+                <a:latin typeface="Courier"/>
+                <a:cs typeface="Courier"/>
+              </a:rPr>
+              <a:t>) { cell(0).find("a") }</a:t>
+            </a:r>
+          </a:p>
+          <a:p>
+            <a:pPr marL="0" indent="0">
+              <a:buNone/>
+            </a:pPr>
+            <a:r>
+              <a:rPr lang="en-US" b="1" dirty="0">
+                <a:latin typeface="Courier"/>
+                <a:cs typeface="Courier"/>
+              </a:rPr>
+              <a:t> </a:t>
+            </a:r>
+            <a:r>
+              <a:rPr lang="en-US" b="1" dirty="0" smtClean="0">
+                <a:latin typeface="Courier"/>
+                <a:cs typeface="Courier"/>
+              </a:rPr>
+              <a:t> }</a:t>
+            </a:r>
+            <a:endParaRPr lang="en-US" b="1" dirty="0">
+              <a:latin typeface="Courier"/>
+              <a:cs typeface="Courier"/>
+            </a:endParaRPr>
+          </a:p>
+          <a:p>
+            <a:pPr marL="0" indent="0">
+              <a:buNone/>
+            </a:pPr>
+            <a:r>
+              <a:rPr lang="en-US" b="1" dirty="0">
+                <a:latin typeface="Courier"/>
+                <a:cs typeface="Courier"/>
+              </a:rPr>
+              <a:t>}</a:t>
+            </a:r>
+            <a:endParaRPr lang="en-US" b="1" dirty="0">
+              <a:latin typeface="Courier"/>
+              <a:cs typeface="Courier"/>
+            </a:endParaRPr>
           </a:p>
         </p:txBody>
       </p:sp>
     </p:spTree>
     <p:extLst>
       <p:ext uri="{BB962C8B-B14F-4D97-AF65-F5344CB8AC3E}">
-        <p14:creationId xmlns:p14="http://schemas.microsoft.com/office/powerpoint/2010/main" val="867708534"/>
+        <p14:creationId xmlns:p14="http://schemas.microsoft.com/office/powerpoint/2010/main" val="3727246245"/>
       </p:ext>
     </p:extLst>
   </p:cSld>
@@ -10120,9 +11030,17 @@
           <a:p>
             <a:r>
               <a:rPr lang="en-US" dirty="0" smtClean="0"/>
-              <a:t>Extended Example</a:t>
-            </a:r>
-            <a:endParaRPr lang="en-US" dirty="0"/>
+              <a:t>Using Spock</a:t>
+            </a:r>
+            <a:r>
+              <a:rPr lang="en-US" dirty="0" smtClean="0"/>
+              <a:t>! </a:t>
+            </a:r>
+            <a:r>
+              <a:rPr lang="en-US" baseline="30000" dirty="0" smtClean="0"/>
+              <a:t>[3]</a:t>
+            </a:r>
+            <a:endParaRPr lang="en-US" baseline="30000" dirty="0"/>
           </a:p>
         </p:txBody>
       </p:sp>
@@ -10138,149 +11056,194 @@
         </p:nvSpPr>
         <p:spPr/>
         <p:txBody>
-          <a:bodyPr>
-            <a:normAutofit fontScale="92500"/>
-          </a:bodyPr>
-          <a:lstStyle/>
-          <a:p>
-            <a:r>
-              <a:rPr lang="en-US" dirty="0" smtClean="0"/>
-              <a:t>Using example from </a:t>
-            </a:r>
-            <a:r>
-              <a:rPr lang="en-US" dirty="0" err="1" smtClean="0"/>
-              <a:t>geb</a:t>
-            </a:r>
-            <a:r>
-              <a:rPr lang="en-US" dirty="0" smtClean="0"/>
+          <a:bodyPr/>
+          <a:lstStyle/>
+          <a:p>
+            <a:pPr marL="0" indent="0">
+              <a:buNone/>
+            </a:pPr>
+            <a:r>
+              <a:rPr lang="en-US" b="1" dirty="0" err="1" smtClean="0">
+                <a:latin typeface="Courier"/>
+                <a:cs typeface="Courier"/>
+              </a:rPr>
+              <a:t>def</a:t>
+            </a:r>
+            <a:r>
+              <a:rPr lang="en-US" b="1" dirty="0" smtClean="0">
+                <a:latin typeface="Courier"/>
+                <a:cs typeface="Courier"/>
+              </a:rPr>
               <a:t> </a:t>
             </a:r>
             <a:r>
-              <a:rPr lang="en-US" b="1" dirty="0" err="1" smtClean="0"/>
-              <a:t>github</a:t>
-            </a:r>
-            <a:endParaRPr lang="en-US" dirty="0"/>
-          </a:p>
-          <a:p>
-            <a:r>
-              <a:rPr lang="en-US" dirty="0" smtClean="0"/>
-              <a:t>A </a:t>
-            </a:r>
-            <a:r>
-              <a:rPr lang="en-US" dirty="0"/>
-              <a:t>combination of </a:t>
-            </a:r>
-            <a:endParaRPr lang="en-US" dirty="0" smtClean="0"/>
-          </a:p>
-          <a:p>
-            <a:pPr lvl="1"/>
-            <a:r>
-              <a:rPr lang="en-US" dirty="0" err="1" smtClean="0"/>
-              <a:t>geb</a:t>
-            </a:r>
-            <a:r>
-              <a:rPr lang="en-US" dirty="0" smtClean="0"/>
-              <a:t>-</a:t>
-            </a:r>
-            <a:r>
-              <a:rPr lang="en-US" dirty="0"/>
-              <a:t>example-</a:t>
-            </a:r>
-            <a:r>
-              <a:rPr lang="en-US" dirty="0" smtClean="0"/>
-              <a:t>grails: </a:t>
-            </a:r>
-            <a:r>
-              <a:rPr lang="en-US" dirty="0" smtClean="0">
-                <a:hlinkClick r:id="rId2"/>
-              </a:rPr>
-              <a:t>https</a:t>
-            </a:r>
-            <a:r>
-              <a:rPr lang="en-US" dirty="0">
-                <a:hlinkClick r:id="rId2"/>
-              </a:rPr>
-              <a:t>://github.com/geb/geb-example-</a:t>
-            </a:r>
-            <a:r>
-              <a:rPr lang="en-US" dirty="0" smtClean="0">
-                <a:hlinkClick r:id="rId2"/>
-              </a:rPr>
-              <a:t>grails</a:t>
-            </a:r>
-            <a:endParaRPr lang="en-US" dirty="0" smtClean="0"/>
-          </a:p>
-          <a:p>
-            <a:pPr lvl="1"/>
-            <a:r>
-              <a:rPr lang="en-US" dirty="0" err="1" smtClean="0"/>
-              <a:t>geb</a:t>
-            </a:r>
-            <a:r>
-              <a:rPr lang="en-US" dirty="0"/>
-              <a:t>-example-</a:t>
-            </a:r>
-            <a:r>
-              <a:rPr lang="en-US" dirty="0" smtClean="0"/>
-              <a:t>maven: </a:t>
-            </a:r>
-            <a:r>
-              <a:rPr lang="en-US" dirty="0" smtClean="0">
-                <a:hlinkClick r:id="rId3"/>
-              </a:rPr>
-              <a:t>https</a:t>
-            </a:r>
-            <a:r>
-              <a:rPr lang="en-US" dirty="0">
-                <a:hlinkClick r:id="rId3"/>
-              </a:rPr>
-              <a:t>://github.com/geb/geb-example-</a:t>
-            </a:r>
-            <a:r>
-              <a:rPr lang="en-US" dirty="0" smtClean="0">
-                <a:hlinkClick r:id="rId3"/>
-              </a:rPr>
-              <a:t>maven</a:t>
-            </a:r>
-            <a:endParaRPr lang="en-US" dirty="0" smtClean="0"/>
-          </a:p>
-          <a:p>
-            <a:r>
-              <a:rPr lang="en-US" dirty="0" smtClean="0"/>
-              <a:t>Separated into two subprojects: a grails web-site and a maven-based test set.</a:t>
-            </a:r>
-          </a:p>
-          <a:p>
-            <a:pPr lvl="1"/>
-            <a:r>
-              <a:rPr lang="en-US" dirty="0">
-                <a:hlinkClick r:id="rId4"/>
-              </a:rPr>
-              <a:t>https://github.com/Weymouth-Dev/example-</a:t>
-            </a:r>
-            <a:r>
-              <a:rPr lang="en-US" dirty="0" smtClean="0">
-                <a:hlinkClick r:id="rId4"/>
-              </a:rPr>
-              <a:t>geb.git</a:t>
-            </a:r>
-            <a:endParaRPr lang="en-US" dirty="0" smtClean="0"/>
-          </a:p>
-          <a:p>
-            <a:endParaRPr lang="en-US" dirty="0" smtClean="0"/>
+              <a:rPr lang="en-US" b="1" dirty="0">
+                <a:latin typeface="Courier"/>
+                <a:cs typeface="Courier"/>
+              </a:rPr>
+              <a:t>"add a person"() </a:t>
+            </a:r>
+            <a:r>
+              <a:rPr lang="en-US" b="1" dirty="0" smtClean="0">
+                <a:latin typeface="Courier"/>
+                <a:cs typeface="Courier"/>
+              </a:rPr>
+              <a:t>{</a:t>
+            </a:r>
           </a:p>
           <a:p>
             <a:pPr marL="0" indent="0">
               <a:buNone/>
             </a:pPr>
-            <a:endParaRPr lang="en-US" dirty="0"/>
+            <a:r>
+              <a:rPr lang="en-US" b="1" dirty="0">
+                <a:latin typeface="Courier"/>
+                <a:cs typeface="Courier"/>
+              </a:rPr>
+              <a:t>	</a:t>
+            </a:r>
+            <a:r>
+              <a:rPr lang="en-US" b="1" dirty="0" smtClean="0">
+                <a:latin typeface="Courier"/>
+                <a:cs typeface="Courier"/>
+              </a:rPr>
+              <a:t>// Given: on </a:t>
+            </a:r>
+            <a:r>
+              <a:rPr lang="en-US" b="1" dirty="0" err="1" smtClean="0">
+                <a:latin typeface="Courier"/>
+                <a:cs typeface="Courier"/>
+              </a:rPr>
+              <a:t>listPage</a:t>
+            </a:r>
+            <a:endParaRPr lang="en-US" b="1" dirty="0" smtClean="0">
+              <a:latin typeface="Courier"/>
+              <a:cs typeface="Courier"/>
+            </a:endParaRPr>
+          </a:p>
+          <a:p>
+            <a:pPr marL="0" indent="0">
+              <a:buNone/>
+            </a:pPr>
+            <a:r>
+              <a:rPr lang="en-US" b="1" dirty="0" smtClean="0">
+                <a:latin typeface="Courier"/>
+                <a:cs typeface="Courier"/>
+              </a:rPr>
+              <a:t>	when</a:t>
+            </a:r>
+            <a:r>
+              <a:rPr lang="en-US" b="1" dirty="0">
+                <a:latin typeface="Courier"/>
+                <a:cs typeface="Courier"/>
+              </a:rPr>
+              <a:t>:</a:t>
+            </a:r>
+          </a:p>
+          <a:p>
+            <a:pPr marL="0" indent="0">
+              <a:buNone/>
+            </a:pPr>
+            <a:r>
+              <a:rPr lang="en-US" b="1" dirty="0">
+                <a:latin typeface="Courier"/>
+                <a:cs typeface="Courier"/>
+              </a:rPr>
+              <a:t>		</a:t>
+            </a:r>
+            <a:r>
+              <a:rPr lang="en-US" b="1" u="sng" dirty="0" err="1">
+                <a:latin typeface="Courier"/>
+                <a:cs typeface="Courier"/>
+              </a:rPr>
+              <a:t>newPersonButton.click</a:t>
+            </a:r>
+            <a:r>
+              <a:rPr lang="en-US" b="1" u="sng" dirty="0">
+                <a:latin typeface="Courier"/>
+                <a:cs typeface="Courier"/>
+              </a:rPr>
+              <a:t>()</a:t>
+            </a:r>
+          </a:p>
+          <a:p>
+            <a:pPr marL="0" indent="0">
+              <a:buNone/>
+            </a:pPr>
+            <a:r>
+              <a:rPr lang="en-US" b="1" dirty="0">
+                <a:latin typeface="Courier"/>
+                <a:cs typeface="Courier"/>
+              </a:rPr>
+              <a:t>	</a:t>
+            </a:r>
+            <a:r>
+              <a:rPr lang="en-US" b="1" dirty="0" smtClean="0">
+                <a:latin typeface="Courier"/>
+                <a:cs typeface="Courier"/>
+              </a:rPr>
+              <a:t>then</a:t>
+            </a:r>
+            <a:r>
+              <a:rPr lang="en-US" b="1" dirty="0">
+                <a:latin typeface="Courier"/>
+                <a:cs typeface="Courier"/>
+              </a:rPr>
+              <a:t>:</a:t>
+            </a:r>
+          </a:p>
+          <a:p>
+            <a:pPr marL="0" indent="0">
+              <a:buNone/>
+            </a:pPr>
+            <a:r>
+              <a:rPr lang="en-US" b="1" dirty="0">
+                <a:latin typeface="Courier"/>
+                <a:cs typeface="Courier"/>
+              </a:rPr>
+              <a:t>		</a:t>
+            </a:r>
+            <a:r>
+              <a:rPr lang="en-US" b="1" u="sng" dirty="0">
+                <a:latin typeface="Courier"/>
+                <a:cs typeface="Courier"/>
+              </a:rPr>
+              <a:t>at </a:t>
+            </a:r>
+            <a:r>
+              <a:rPr lang="en-US" b="1" u="sng" dirty="0" err="1">
+                <a:latin typeface="Courier"/>
+                <a:cs typeface="Courier"/>
+              </a:rPr>
+              <a:t>CreatePage</a:t>
+            </a:r>
+            <a:endParaRPr lang="en-US" b="1" u="sng" dirty="0">
+              <a:latin typeface="Courier"/>
+              <a:cs typeface="Courier"/>
+            </a:endParaRPr>
+          </a:p>
+          <a:p>
+            <a:pPr marL="0" indent="0">
+              <a:buNone/>
+            </a:pPr>
+            <a:r>
+              <a:rPr lang="en-US" b="1" dirty="0" smtClean="0">
+                <a:latin typeface="Courier"/>
+                <a:cs typeface="Courier"/>
+              </a:rPr>
+              <a:t>}</a:t>
+            </a:r>
+            <a:endParaRPr lang="en-US" b="1" dirty="0">
+              <a:latin typeface="Courier"/>
+              <a:cs typeface="Courier"/>
+            </a:endParaRPr>
           </a:p>
         </p:txBody>
       </p:sp>
     </p:spTree>
     <p:extLst>
       <p:ext uri="{BB962C8B-B14F-4D97-AF65-F5344CB8AC3E}">
-        <p14:creationId xmlns:p14="http://schemas.microsoft.com/office/powerpoint/2010/main" val="1028497614"/>
+        <p14:creationId xmlns:p14="http://schemas.microsoft.com/office/powerpoint/2010/main" val="513811288"/>
       </p:ext>
     </p:extLst>
   </p:cSld>
@@ -10324,7 +11287,7 @@
           <a:p>
             <a:r>
               <a:rPr lang="en-US" dirty="0" smtClean="0"/>
-              <a:t>Wrap up</a:t>
+              <a:t>Workflow</a:t>
             </a:r>
             <a:endParaRPr lang="en-US" dirty="0"/>
           </a:p>
@@ -10347,128 +11310,47 @@
           <a:p>
             <a:r>
               <a:rPr lang="en-US" dirty="0" smtClean="0"/>
-              <a:t>Selenium/</a:t>
-            </a:r>
-            <a:r>
-              <a:rPr lang="en-US" dirty="0" err="1" smtClean="0"/>
-              <a:t>Geb</a:t>
-            </a:r>
-            <a:r>
-              <a:rPr lang="en-US" dirty="0" smtClean="0"/>
-              <a:t>/Spock</a:t>
-            </a:r>
-            <a:endParaRPr lang="en-US" dirty="0" smtClean="0"/>
+              <a:t>For each element</a:t>
+            </a:r>
           </a:p>
           <a:p>
             <a:pPr lvl="1"/>
             <a:r>
               <a:rPr lang="en-US" dirty="0" smtClean="0"/>
-              <a:t>A </a:t>
-            </a:r>
-            <a:r>
-              <a:rPr lang="en-US" dirty="0" smtClean="0"/>
-              <a:t>framework of </a:t>
-            </a:r>
-            <a:r>
-              <a:rPr lang="en-US" dirty="0" err="1" smtClean="0"/>
-              <a:t>behaivor</a:t>
-            </a:r>
-            <a:r>
-              <a:rPr lang="en-US" dirty="0" smtClean="0"/>
-              <a:t> driven development…</a:t>
+              <a:t>Write a failing unit test for the unit or one of its features</a:t>
             </a:r>
           </a:p>
           <a:p>
             <a:pPr lvl="1"/>
             <a:r>
               <a:rPr lang="en-US" dirty="0" smtClean="0"/>
-              <a:t>A </a:t>
-            </a:r>
-            <a:r>
-              <a:rPr lang="en-US" dirty="0" smtClean="0"/>
-              <a:t>language and tool for web access…</a:t>
+              <a:t>Make the test past</a:t>
+            </a:r>
+          </a:p>
+          <a:p>
+            <a:r>
+              <a:rPr lang="en-US" dirty="0" smtClean="0"/>
+              <a:t>For each user features</a:t>
             </a:r>
           </a:p>
           <a:p>
             <a:pPr lvl="1"/>
             <a:r>
               <a:rPr lang="en-US" dirty="0" smtClean="0"/>
-              <a:t>Functional </a:t>
-            </a:r>
-            <a:r>
-              <a:rPr lang="en-US" dirty="0" smtClean="0"/>
-              <a:t>testing of web sites</a:t>
-            </a:r>
-          </a:p>
-          <a:p>
-            <a:r>
-              <a:rPr lang="en-US" dirty="0" smtClean="0"/>
-              <a:t>Resources (</a:t>
-            </a:r>
-            <a:r>
-              <a:rPr lang="en-US" sz="2800" dirty="0" smtClean="0"/>
-              <a:t>me: </a:t>
-            </a:r>
-            <a:r>
-              <a:rPr lang="en-US" sz="2800" dirty="0" smtClean="0">
-                <a:hlinkClick r:id="rId2"/>
-              </a:rPr>
-              <a:t>terry.weymouth@gmail.com</a:t>
-            </a:r>
-            <a:r>
-              <a:rPr lang="en-US" dirty="0" smtClean="0"/>
-              <a:t>)</a:t>
+              <a:t>Write a failing behavioral test</a:t>
             </a:r>
           </a:p>
           <a:p>
             <a:pPr lvl="1"/>
             <a:r>
               <a:rPr lang="en-US" dirty="0" smtClean="0"/>
-              <a:t>All things </a:t>
-            </a:r>
-            <a:r>
-              <a:rPr lang="en-US" dirty="0" err="1" smtClean="0"/>
-              <a:t>gebish</a:t>
-            </a:r>
-            <a:r>
-              <a:rPr lang="en-US" dirty="0" smtClean="0"/>
-              <a:t>: </a:t>
-            </a:r>
-            <a:r>
-              <a:rPr lang="en-US" dirty="0" smtClean="0">
-                <a:hlinkClick r:id="rId3"/>
-              </a:rPr>
-              <a:t>http://www.gebish.org/</a:t>
-            </a:r>
-            <a:r>
-              <a:rPr lang="en-US" dirty="0" smtClean="0"/>
-              <a:t> [1]</a:t>
-            </a:r>
-          </a:p>
-          <a:p>
-            <a:pPr lvl="1"/>
-            <a:r>
-              <a:rPr lang="en-US" dirty="0" smtClean="0">
-                <a:hlinkClick r:id="rId4"/>
-              </a:rPr>
-              <a:t>http://www.gebish.org/manual/current/</a:t>
-            </a:r>
-            <a:r>
-              <a:rPr lang="en-US" dirty="0" smtClean="0"/>
-              <a:t> [2]</a:t>
-            </a:r>
-          </a:p>
-          <a:p>
-            <a:pPr lvl="1"/>
-            <a:r>
-              <a:rPr lang="en-US" dirty="0" smtClean="0">
-                <a:hlinkClick r:id="rId5"/>
-              </a:rPr>
-              <a:t>https://code.google.com/p/spock/</a:t>
-            </a:r>
-            <a:r>
-              <a:rPr lang="en-US" dirty="0" smtClean="0"/>
-              <a:t> [3]</a:t>
+              <a:t>Make the test past</a:t>
+            </a:r>
+          </a:p>
+          <a:p>
+            <a:r>
+              <a:rPr lang="en-US" dirty="0" smtClean="0"/>
+              <a:t>What is the “least change” path</a:t>
             </a:r>
           </a:p>
         </p:txBody>
@@ -10476,7 +11358,7 @@
     </p:spTree>
     <p:extLst>
       <p:ext uri="{BB962C8B-B14F-4D97-AF65-F5344CB8AC3E}">
-        <p14:creationId xmlns:p14="http://schemas.microsoft.com/office/powerpoint/2010/main" val="1048965869"/>
+        <p14:creationId xmlns:p14="http://schemas.microsoft.com/office/powerpoint/2010/main" val="867708534"/>
       </p:ext>
     </p:extLst>
   </p:cSld>
@@ -10520,7 +11402,223 @@
           <a:p>
             <a:r>
               <a:rPr lang="en-US" dirty="0" smtClean="0"/>
-              <a:t>Links to Tutorials</a:t>
+              <a:t>Extended Example</a:t>
+            </a:r>
+            <a:endParaRPr lang="en-US" dirty="0"/>
+          </a:p>
+        </p:txBody>
+      </p:sp>
+      <p:sp>
+        <p:nvSpPr>
+          <p:cNvPr id="3" name="Content Placeholder 2"/>
+          <p:cNvSpPr>
+            <a:spLocks noGrp="1"/>
+          </p:cNvSpPr>
+          <p:nvPr>
+            <p:ph idx="1"/>
+          </p:nvPr>
+        </p:nvSpPr>
+        <p:spPr/>
+        <p:txBody>
+          <a:bodyPr>
+            <a:normAutofit fontScale="92500"/>
+          </a:bodyPr>
+          <a:lstStyle/>
+          <a:p>
+            <a:r>
+              <a:rPr lang="en-US" dirty="0" smtClean="0"/>
+              <a:t>Using </a:t>
+            </a:r>
+            <a:r>
+              <a:rPr lang="en-US" dirty="0" smtClean="0"/>
+              <a:t>examples </a:t>
+            </a:r>
+            <a:r>
+              <a:rPr lang="en-US" dirty="0" smtClean="0"/>
+              <a:t>from </a:t>
+            </a:r>
+            <a:r>
+              <a:rPr lang="en-US" dirty="0" smtClean="0"/>
+              <a:t>the </a:t>
+            </a:r>
+            <a:r>
+              <a:rPr lang="en-US" dirty="0" err="1" smtClean="0"/>
+              <a:t>geb</a:t>
+            </a:r>
+            <a:r>
+              <a:rPr lang="en-US" dirty="0" smtClean="0"/>
+              <a:t> archive on </a:t>
+            </a:r>
+            <a:r>
+              <a:rPr lang="en-US" b="1" dirty="0" err="1" smtClean="0"/>
+              <a:t>github</a:t>
+            </a:r>
+            <a:endParaRPr lang="en-US" dirty="0"/>
+          </a:p>
+          <a:p>
+            <a:r>
+              <a:rPr lang="en-US" dirty="0" smtClean="0"/>
+              <a:t>A </a:t>
+            </a:r>
+            <a:r>
+              <a:rPr lang="en-US" dirty="0"/>
+              <a:t>combination of </a:t>
+            </a:r>
+            <a:endParaRPr lang="en-US" dirty="0" smtClean="0"/>
+          </a:p>
+          <a:p>
+            <a:pPr lvl="1"/>
+            <a:r>
+              <a:rPr lang="en-US" dirty="0" err="1" smtClean="0"/>
+              <a:t>geb</a:t>
+            </a:r>
+            <a:r>
+              <a:rPr lang="en-US" dirty="0" smtClean="0"/>
+              <a:t>-</a:t>
+            </a:r>
+            <a:r>
+              <a:rPr lang="en-US" dirty="0"/>
+              <a:t>example-</a:t>
+            </a:r>
+            <a:r>
+              <a:rPr lang="en-US" dirty="0" smtClean="0"/>
+              <a:t>grails: </a:t>
+            </a:r>
+            <a:r>
+              <a:rPr lang="en-US" dirty="0" smtClean="0">
+                <a:hlinkClick r:id="rId2"/>
+              </a:rPr>
+              <a:t>https</a:t>
+            </a:r>
+            <a:r>
+              <a:rPr lang="en-US" dirty="0">
+                <a:hlinkClick r:id="rId2"/>
+              </a:rPr>
+              <a:t>://github.com/geb/geb-example-</a:t>
+            </a:r>
+            <a:r>
+              <a:rPr lang="en-US" dirty="0" smtClean="0">
+                <a:hlinkClick r:id="rId2"/>
+              </a:rPr>
+              <a:t>grails</a:t>
+            </a:r>
+            <a:endParaRPr lang="en-US" dirty="0" smtClean="0"/>
+          </a:p>
+          <a:p>
+            <a:pPr lvl="1"/>
+            <a:r>
+              <a:rPr lang="en-US" dirty="0" err="1" smtClean="0"/>
+              <a:t>geb</a:t>
+            </a:r>
+            <a:r>
+              <a:rPr lang="en-US" dirty="0"/>
+              <a:t>-example-</a:t>
+            </a:r>
+            <a:r>
+              <a:rPr lang="en-US" dirty="0" smtClean="0"/>
+              <a:t>maven: </a:t>
+            </a:r>
+            <a:r>
+              <a:rPr lang="en-US" dirty="0" smtClean="0">
+                <a:hlinkClick r:id="rId3"/>
+              </a:rPr>
+              <a:t>https</a:t>
+            </a:r>
+            <a:r>
+              <a:rPr lang="en-US" dirty="0">
+                <a:hlinkClick r:id="rId3"/>
+              </a:rPr>
+              <a:t>://github.com/geb/geb-example-</a:t>
+            </a:r>
+            <a:r>
+              <a:rPr lang="en-US" dirty="0" smtClean="0">
+                <a:hlinkClick r:id="rId3"/>
+              </a:rPr>
+              <a:t>maven</a:t>
+            </a:r>
+            <a:endParaRPr lang="en-US" dirty="0" smtClean="0"/>
+          </a:p>
+          <a:p>
+            <a:r>
+              <a:rPr lang="en-US" dirty="0" smtClean="0"/>
+              <a:t>Separated into two subprojects: a grails web-site and a maven-based test set.</a:t>
+            </a:r>
+          </a:p>
+          <a:p>
+            <a:pPr lvl="1"/>
+            <a:r>
+              <a:rPr lang="en-US" dirty="0">
+                <a:hlinkClick r:id="rId4"/>
+              </a:rPr>
+              <a:t>https://github.com/Weymouth-Dev/example-</a:t>
+            </a:r>
+            <a:r>
+              <a:rPr lang="en-US" dirty="0" smtClean="0">
+                <a:hlinkClick r:id="rId4"/>
+              </a:rPr>
+              <a:t>geb.git</a:t>
+            </a:r>
+            <a:endParaRPr lang="en-US" dirty="0" smtClean="0"/>
+          </a:p>
+          <a:p>
+            <a:endParaRPr lang="en-US" dirty="0" smtClean="0"/>
+          </a:p>
+          <a:p>
+            <a:pPr marL="0" indent="0">
+              <a:buNone/>
+            </a:pPr>
+            <a:endParaRPr lang="en-US" dirty="0"/>
+          </a:p>
+        </p:txBody>
+      </p:sp>
+    </p:spTree>
+    <p:extLst>
+      <p:ext uri="{BB962C8B-B14F-4D97-AF65-F5344CB8AC3E}">
+        <p14:creationId xmlns:p14="http://schemas.microsoft.com/office/powerpoint/2010/main" val="1028497614"/>
+      </p:ext>
+    </p:extLst>
+  </p:cSld>
+  <p:clrMapOvr>
+    <a:masterClrMapping/>
+  </p:clrMapOvr>
+</p:sld>
+</file>
+
+<file path=ppt/slides/slide45.xml><?xml version="1.0" encoding="utf-8"?>
+<p:sld xmlns:a="http://schemas.openxmlformats.org/drawingml/2006/main" xmlns:r="http://schemas.openxmlformats.org/officeDocument/2006/relationships" xmlns:p="http://schemas.openxmlformats.org/presentationml/2006/main">
+  <p:cSld>
+    <p:spTree>
+      <p:nvGrpSpPr>
+        <p:cNvPr id="1" name=""/>
+        <p:cNvGrpSpPr/>
+        <p:nvPr/>
+      </p:nvGrpSpPr>
+      <p:grpSpPr>
+        <a:xfrm>
+          <a:off x="0" y="0"/>
+          <a:ext cx="0" cy="0"/>
+          <a:chOff x="0" y="0"/>
+          <a:chExt cx="0" cy="0"/>
+        </a:xfrm>
+      </p:grpSpPr>
+      <p:sp>
+        <p:nvSpPr>
+          <p:cNvPr id="2" name="Title 1"/>
+          <p:cNvSpPr>
+            <a:spLocks noGrp="1"/>
+          </p:cNvSpPr>
+          <p:nvPr>
+            <p:ph type="title"/>
+          </p:nvPr>
+        </p:nvSpPr>
+        <p:spPr/>
+        <p:txBody>
+          <a:bodyPr/>
+          <a:lstStyle/>
+          <a:p>
+            <a:r>
+              <a:rPr lang="en-US" dirty="0" smtClean="0"/>
+              <a:t>Wrap up</a:t>
             </a:r>
             <a:endParaRPr lang="en-US" dirty="0"/>
           </a:p>
@@ -10544,38 +11642,279 @@
           <a:lstStyle/>
           <a:p>
             <a:r>
+              <a:rPr lang="en-US" dirty="0" smtClean="0"/>
+              <a:t>Selenium/</a:t>
+            </a:r>
+            <a:r>
+              <a:rPr lang="en-US" dirty="0" err="1" smtClean="0"/>
+              <a:t>Geb</a:t>
+            </a:r>
+            <a:r>
+              <a:rPr lang="en-US" dirty="0" smtClean="0"/>
+              <a:t>/Spock</a:t>
+            </a:r>
+          </a:p>
+          <a:p>
+            <a:pPr lvl="1"/>
+            <a:r>
+              <a:rPr lang="en-US" dirty="0" smtClean="0"/>
+              <a:t>A framework of </a:t>
+            </a:r>
+            <a:r>
+              <a:rPr lang="en-US" dirty="0" err="1" smtClean="0"/>
+              <a:t>behaivor</a:t>
+            </a:r>
+            <a:r>
+              <a:rPr lang="en-US" dirty="0" smtClean="0"/>
+              <a:t> driven development…</a:t>
+            </a:r>
+          </a:p>
+          <a:p>
+            <a:pPr lvl="1"/>
+            <a:r>
+              <a:rPr lang="en-US" dirty="0" smtClean="0"/>
+              <a:t>A language and tool for web access…</a:t>
+            </a:r>
+          </a:p>
+          <a:p>
+            <a:pPr lvl="1"/>
+            <a:r>
+              <a:rPr lang="en-US" dirty="0" smtClean="0"/>
+              <a:t>Functional testing of web sites</a:t>
+            </a:r>
+          </a:p>
+          <a:p>
+            <a:r>
+              <a:rPr lang="en-US" dirty="0" smtClean="0"/>
+              <a:t>Resources</a:t>
+            </a:r>
+            <a:endParaRPr lang="en-US" dirty="0" smtClean="0"/>
+          </a:p>
+          <a:p>
+            <a:pPr lvl="1"/>
+            <a:r>
+              <a:rPr lang="en-US" sz="2400" dirty="0" smtClean="0">
+                <a:hlinkClick r:id="rId2"/>
+              </a:rPr>
+              <a:t>http</a:t>
+            </a:r>
+            <a:r>
+              <a:rPr lang="en-US" sz="2400" dirty="0" smtClean="0">
+                <a:hlinkClick r:id="rId2"/>
+              </a:rPr>
+              <a:t>://www.gebish.org/</a:t>
+            </a:r>
+            <a:r>
+              <a:rPr lang="en-US" sz="2400" dirty="0" smtClean="0"/>
+              <a:t> [1</a:t>
+            </a:r>
+            <a:r>
+              <a:rPr lang="en-US" sz="2400" dirty="0" smtClean="0"/>
+              <a:t>]</a:t>
+            </a:r>
+          </a:p>
+          <a:p>
+            <a:pPr lvl="1"/>
+            <a:r>
+              <a:rPr lang="en-US" sz="2400" dirty="0">
+                <a:hlinkClick r:id="rId3"/>
+              </a:rPr>
+              <a:t>http://docs.seleniumhq.org/projects/webdriver</a:t>
+            </a:r>
+            <a:r>
+              <a:rPr lang="en-US" sz="2400" dirty="0" smtClean="0">
+                <a:hlinkClick r:id="rId3"/>
+              </a:rPr>
+              <a:t>/</a:t>
+            </a:r>
+            <a:r>
+              <a:rPr lang="en-US" sz="2400" dirty="0" smtClean="0"/>
+              <a:t> [2]</a:t>
+            </a:r>
+            <a:endParaRPr lang="en-US" sz="2400" dirty="0" smtClean="0"/>
+          </a:p>
+          <a:p>
+            <a:pPr lvl="1"/>
+            <a:r>
+              <a:rPr lang="en-US" sz="2400" dirty="0" smtClean="0">
+                <a:hlinkClick r:id="rId4"/>
+              </a:rPr>
+              <a:t>https</a:t>
+            </a:r>
+            <a:r>
+              <a:rPr lang="en-US" sz="2400" dirty="0" smtClean="0">
+                <a:hlinkClick r:id="rId4"/>
+              </a:rPr>
+              <a:t>://code.google.com/p/spock/</a:t>
+            </a:r>
+            <a:r>
+              <a:rPr lang="en-US" sz="2400" dirty="0" smtClean="0"/>
+              <a:t> </a:t>
+            </a:r>
+            <a:r>
+              <a:rPr lang="en-US" sz="2400" dirty="0" smtClean="0"/>
+              <a:t>[3]</a:t>
+            </a:r>
+          </a:p>
+        </p:txBody>
+      </p:sp>
+    </p:spTree>
+    <p:extLst>
+      <p:ext uri="{BB962C8B-B14F-4D97-AF65-F5344CB8AC3E}">
+        <p14:creationId xmlns:p14="http://schemas.microsoft.com/office/powerpoint/2010/main" val="1048965869"/>
+      </p:ext>
+    </p:extLst>
+  </p:cSld>
+  <p:clrMapOvr>
+    <a:masterClrMapping/>
+  </p:clrMapOvr>
+</p:sld>
+</file>
+
+<file path=ppt/slides/slide46.xml><?xml version="1.0" encoding="utf-8"?>
+<p:sld xmlns:a="http://schemas.openxmlformats.org/drawingml/2006/main" xmlns:r="http://schemas.openxmlformats.org/officeDocument/2006/relationships" xmlns:p="http://schemas.openxmlformats.org/presentationml/2006/main">
+  <p:cSld>
+    <p:spTree>
+      <p:nvGrpSpPr>
+        <p:cNvPr id="1" name=""/>
+        <p:cNvGrpSpPr/>
+        <p:nvPr/>
+      </p:nvGrpSpPr>
+      <p:grpSpPr>
+        <a:xfrm>
+          <a:off x="0" y="0"/>
+          <a:ext cx="0" cy="0"/>
+          <a:chOff x="0" y="0"/>
+          <a:chExt cx="0" cy="0"/>
+        </a:xfrm>
+      </p:grpSpPr>
+      <p:sp>
+        <p:nvSpPr>
+          <p:cNvPr id="2" name="Title 1"/>
+          <p:cNvSpPr>
+            <a:spLocks noGrp="1"/>
+          </p:cNvSpPr>
+          <p:nvPr>
+            <p:ph type="title"/>
+          </p:nvPr>
+        </p:nvSpPr>
+        <p:spPr/>
+        <p:txBody>
+          <a:bodyPr/>
+          <a:lstStyle/>
+          <a:p>
+            <a:r>
+              <a:rPr lang="en-US" dirty="0" smtClean="0"/>
+              <a:t>Final Word</a:t>
+            </a:r>
+            <a:endParaRPr lang="en-US" dirty="0"/>
+          </a:p>
+        </p:txBody>
+      </p:sp>
+      <p:sp>
+        <p:nvSpPr>
+          <p:cNvPr id="3" name="Content Placeholder 2"/>
+          <p:cNvSpPr>
+            <a:spLocks noGrp="1"/>
+          </p:cNvSpPr>
+          <p:nvPr>
+            <p:ph idx="1"/>
+          </p:nvPr>
+        </p:nvSpPr>
+        <p:spPr/>
+        <p:txBody>
+          <a:bodyPr>
+            <a:normAutofit lnSpcReduction="10000"/>
+          </a:bodyPr>
+          <a:lstStyle/>
+          <a:p>
+            <a:r>
+              <a:rPr lang="en-US" dirty="0" smtClean="0"/>
+              <a:t>A Feel free to contact me: </a:t>
+            </a:r>
+            <a:r>
               <a:rPr lang="en-US" dirty="0" smtClean="0">
                 <a:hlinkClick r:id="rId2"/>
               </a:rPr>
-              <a:t>Automated Browser Testing with Geb </a:t>
-            </a:r>
-            <a:r>
-              <a:rPr lang="en-US" dirty="0" smtClean="0"/>
-              <a:t>– Aug 2013</a:t>
-            </a:r>
-          </a:p>
-          <a:p>
-            <a:r>
-              <a:rPr lang="en-US" dirty="0" smtClean="0">
+              <a:t>terry.weymouth@gmail.com</a:t>
+            </a:r>
+            <a:endParaRPr lang="en-US" dirty="0" smtClean="0"/>
+          </a:p>
+          <a:p>
+            <a:r>
+              <a:rPr lang="en-US" dirty="0" smtClean="0"/>
+              <a:t>Slides on the example </a:t>
+            </a:r>
+            <a:r>
+              <a:rPr lang="en-US" dirty="0"/>
+              <a:t>site: </a:t>
+            </a:r>
+            <a:r>
+              <a:rPr lang="en-US" sz="2800" dirty="0">
                 <a:hlinkClick r:id="rId3"/>
               </a:rPr>
-              <a:t>Functional Testing With </a:t>
-            </a:r>
-            <a:r>
-              <a:rPr lang="en-US" dirty="0" err="1" smtClean="0">
+              <a:t>https://github.com/Weymouth-Dev/example-</a:t>
+            </a:r>
+            <a:r>
+              <a:rPr lang="en-US" sz="2800" dirty="0" smtClean="0">
                 <a:hlinkClick r:id="rId3"/>
               </a:rPr>
-              <a:t>Geb</a:t>
-            </a:r>
-            <a:r>
-              <a:rPr lang="en-US" dirty="0" smtClean="0"/>
-              <a:t> – April, 2012</a:t>
-            </a:r>
-          </a:p>
-          <a:p>
+              <a:t>geb</a:t>
+            </a:r>
+            <a:endParaRPr lang="en-US" dirty="0" smtClean="0"/>
+          </a:p>
+          <a:p>
+            <a:r>
+              <a:rPr lang="en-US" dirty="0" smtClean="0"/>
+              <a:t>Additional resources - tutorials:</a:t>
+            </a:r>
+            <a:endParaRPr lang="en-US" dirty="0" smtClean="0">
+              <a:hlinkClick r:id="rId4"/>
+            </a:endParaRPr>
+          </a:p>
+          <a:p>
+            <a:pPr lvl="1"/>
             <a:r>
               <a:rPr lang="en-US" dirty="0" smtClean="0">
                 <a:hlinkClick r:id="rId4"/>
+              </a:rPr>
+              <a:t>Automated </a:t>
+            </a:r>
+            <a:r>
+              <a:rPr lang="en-US" dirty="0" smtClean="0">
+                <a:hlinkClick r:id="rId4"/>
+              </a:rPr>
+              <a:t>Browser Testing with Geb </a:t>
+            </a:r>
+            <a:r>
+              <a:rPr lang="en-US" dirty="0" smtClean="0"/>
+              <a:t>– Aug 2013</a:t>
+            </a:r>
+          </a:p>
+          <a:p>
+            <a:pPr lvl="1"/>
+            <a:r>
+              <a:rPr lang="en-US" dirty="0" smtClean="0">
+                <a:hlinkClick r:id="rId5"/>
+              </a:rPr>
+              <a:t>Functional Testing With </a:t>
+            </a:r>
+            <a:r>
+              <a:rPr lang="en-US" dirty="0" err="1" smtClean="0">
+                <a:hlinkClick r:id="rId5"/>
+              </a:rPr>
+              <a:t>Geb</a:t>
+            </a:r>
+            <a:r>
+              <a:rPr lang="en-US" dirty="0" smtClean="0"/>
+              <a:t> – April, 2012</a:t>
+            </a:r>
+          </a:p>
+          <a:p>
+            <a:pPr lvl="1"/>
+            <a:r>
+              <a:rPr lang="en-US" dirty="0" smtClean="0">
+                <a:hlinkClick r:id="rId6"/>
               </a:rPr>
               <a:t>Browser Automation and Acceptance Testing with Geb</a:t>
             </a:r>
@@ -10634,31 +11973,23 @@
           <a:p>
             <a:r>
               <a:rPr lang="en-US" dirty="0" smtClean="0"/>
-              <a:t>It </a:t>
+              <a:t>A </a:t>
+            </a:r>
+            <a:r>
+              <a:rPr lang="en-US" dirty="0" smtClean="0"/>
+              <a:t>T</a:t>
+            </a:r>
+            <a:r>
+              <a:rPr lang="en-US" dirty="0" smtClean="0"/>
+              <a:t>est – A Person-List </a:t>
             </a:r>
             <a:r>
               <a:rPr lang="en-US" dirty="0"/>
-              <a:t>L</a:t>
-            </a:r>
-            <a:r>
-              <a:rPr lang="en-US" dirty="0" smtClean="0"/>
-              <a:t>ooks </a:t>
-            </a:r>
-            <a:r>
-              <a:rPr lang="en-US" dirty="0"/>
-              <a:t>L</a:t>
-            </a:r>
-            <a:r>
-              <a:rPr lang="en-US" dirty="0" smtClean="0"/>
-              <a:t>ike </a:t>
-            </a:r>
-            <a:r>
-              <a:rPr lang="en-US" dirty="0"/>
-              <a:t>T</a:t>
-            </a:r>
-            <a:r>
-              <a:rPr lang="en-US" dirty="0" smtClean="0"/>
-              <a:t>his</a:t>
+              <a:t>S</a:t>
+            </a:r>
+            <a:r>
+              <a:rPr lang="en-US" dirty="0" smtClean="0"/>
+              <a:t>ite</a:t>
             </a:r>
             <a:endParaRPr lang="en-US" dirty="0"/>
           </a:p>
@@ -10677,7 +12008,7 @@
         <p:spPr/>
         <p:txBody>
           <a:bodyPr>
-            <a:normAutofit fontScale="92500" lnSpcReduction="20000"/>
+            <a:normAutofit/>
           </a:bodyPr>
           <a:lstStyle/>
           <a:p>
@@ -10687,8 +12018,13 @@
             </a:r>
             <a:r>
               <a:rPr lang="en-US" dirty="0" smtClean="0"/>
-              <a:t> – that there is only one owner with the last name “Anderson”(Alex Anderson) and that the list of that owner’s pets is empty</a:t>
-            </a:r>
+              <a:t> – </a:t>
+            </a:r>
+            <a:r>
+              <a:rPr lang="en-US" dirty="0" smtClean="0"/>
+              <a:t>that you have just started a new site…</a:t>
+            </a:r>
+            <a:endParaRPr lang="en-US" dirty="0" smtClean="0"/>
           </a:p>
           <a:p>
             <a:r>
@@ -10697,8 +12033,13 @@
             </a:r>
             <a:r>
               <a:rPr lang="en-US" dirty="0" smtClean="0"/>
-              <a:t> – you search for an owner with the last name “Anderson”</a:t>
-            </a:r>
+              <a:t> – </a:t>
+            </a:r>
+            <a:r>
+              <a:rPr lang="en-US" dirty="0" smtClean="0"/>
+              <a:t>you examine the list of people</a:t>
+            </a:r>
+            <a:endParaRPr lang="en-US" dirty="0" smtClean="0"/>
           </a:p>
           <a:p>
             <a:r>
@@ -10707,8 +12048,13 @@
             </a:r>
             <a:r>
               <a:rPr lang="en-US" dirty="0" smtClean="0"/>
-              <a:t> – you will see “Alex Anderson” displayed with no pets displayed </a:t>
-            </a:r>
+              <a:t> – </a:t>
+            </a:r>
+            <a:r>
+              <a:rPr lang="en-US" dirty="0" smtClean="0"/>
+              <a:t>you find the list empty</a:t>
+            </a:r>
+            <a:endParaRPr lang="en-US" dirty="0" smtClean="0"/>
           </a:p>
           <a:p>
             <a:r>
@@ -10717,8 +12063,13 @@
             </a:r>
             <a:r>
               <a:rPr lang="en-US" dirty="0" smtClean="0"/>
-              <a:t> – you add a cat named “Ginger”, born on 12/1/2013</a:t>
-            </a:r>
+              <a:t> – </a:t>
+            </a:r>
+            <a:r>
+              <a:rPr lang="en-US" dirty="0" smtClean="0"/>
+              <a:t>you add a person, “Alice Anderson”, to the list</a:t>
+            </a:r>
+            <a:endParaRPr lang="en-US" dirty="0" smtClean="0"/>
           </a:p>
           <a:p>
             <a:r>
@@ -10727,8 +12078,13 @@
             </a:r>
             <a:r>
               <a:rPr lang="en-US" dirty="0" smtClean="0"/>
-              <a:t> – you will see that cat in the list of pets</a:t>
-            </a:r>
+              <a:t> – you </a:t>
+            </a:r>
+            <a:r>
+              <a:rPr lang="en-US" dirty="0" smtClean="0"/>
+              <a:t>find that the person-list has one person: Alice Anderson</a:t>
+            </a:r>
+            <a:endParaRPr lang="en-US" dirty="0" smtClean="0"/>
           </a:p>
           <a:p>
             <a:endParaRPr lang="en-US" dirty="0" smtClean="0"/>
@@ -10807,7 +12163,9 @@
         </p:nvSpPr>
         <p:spPr/>
         <p:txBody>
-          <a:bodyPr/>
+          <a:bodyPr>
+            <a:normAutofit/>
+          </a:bodyPr>
           <a:lstStyle/>
           <a:p>
             <a:r>
@@ -10854,15 +12212,16 @@
               <a:t>Selenium web driver </a:t>
             </a:r>
             <a:r>
-              <a:rPr lang="en-US" dirty="0" smtClean="0">
+              <a:rPr lang="en-US" baseline="30000" dirty="0" smtClean="0">
                 <a:hlinkClick r:id="rId3"/>
               </a:rPr>
-              <a:t>*</a:t>
+              <a:t>[2]</a:t>
             </a:r>
             <a:r>
               <a:rPr lang="en-US" dirty="0" smtClean="0"/>
               <a:t> </a:t>
             </a:r>
+            <a:endParaRPr lang="en-US" dirty="0" smtClean="0"/>
           </a:p>
           <a:p>
             <a:pPr lvl="1"/>
@@ -10885,7 +12244,21 @@
           <a:p>
             <a:r>
               <a:rPr lang="en-US" dirty="0" smtClean="0"/>
-              <a:t>Supports testing in: Spock, </a:t>
+              <a:t>Supports testing in: </a:t>
+            </a:r>
+            <a:r>
+              <a:rPr lang="en-US" dirty="0" smtClean="0"/>
+              <a:t>Spock</a:t>
+            </a:r>
+            <a:r>
+              <a:rPr lang="en-US" sz="2800" baseline="30000" dirty="0" smtClean="0">
+                <a:hlinkClick r:id="rId4"/>
+              </a:rPr>
+              <a:t>[3]</a:t>
+            </a:r>
+            <a:r>
+              <a:rPr lang="en-US" dirty="0" smtClean="0"/>
+              <a:t>, </a:t>
             </a:r>
             <a:r>
               <a:rPr lang="en-US" dirty="0" err="1" smtClean="0"/>
@@ -10893,14 +12266,22 @@
             </a:r>
             <a:r>
               <a:rPr lang="en-US" dirty="0" smtClean="0"/>
-              <a:t>, Cucumber, …</a:t>
+              <a:t>, </a:t>
+            </a:r>
+            <a:r>
+              <a:rPr lang="en-US" dirty="0" smtClean="0"/>
+              <a:t>Cucumber</a:t>
             </a:r>
             <a:endParaRPr lang="en-US" dirty="0"/>
           </a:p>
           <a:p>
             <a:r>
               <a:rPr lang="en-US" dirty="0" smtClean="0"/>
-              <a:t>Open source; free; active community</a:t>
+              <a:t>Open </a:t>
+            </a:r>
+            <a:r>
+              <a:rPr lang="en-US" dirty="0" smtClean="0"/>
+              <a:t>source; free; active community</a:t>
             </a:r>
           </a:p>
         </p:txBody>
@@ -11308,11 +12689,6 @@
               </a:rPr>
               <a:t>Grails</a:t>
             </a:r>
-            <a:endParaRPr lang="en-US" i="1" dirty="0">
-              <a:solidFill>
-                <a:srgbClr val="000000"/>
-              </a:solidFill>
-            </a:endParaRPr>
           </a:p>
         </p:txBody>
       </p:sp>

--- a/GebTalk.pptx
+++ b/GebTalk.pptx
@@ -3778,8 +3778,8 @@
         </p:nvSpPr>
         <p:spPr>
           <a:xfrm>
-            <a:off x="1109040" y="1417638"/>
-            <a:ext cx="7020947" cy="2862323"/>
+            <a:off x="457200" y="1189701"/>
+            <a:ext cx="8315999" cy="3139321"/>
           </a:xfrm>
           <a:prstGeom prst="rect">
             <a:avLst/>
@@ -3816,6 +3816,15 @@
           </a:p>
           <a:p>
             <a:r>
+              <a:rPr lang="en-US" b="1" dirty="0" smtClean="0">
+                <a:latin typeface="Courier"/>
+                <a:cs typeface="Courier"/>
+              </a:rPr>
+              <a:t>  given: “The user starts at List page with empty List”</a:t>
+            </a:r>
+          </a:p>
+          <a:p>
+            <a:r>
               <a:rPr lang="en-US" b="1" dirty="0">
                 <a:latin typeface="Courier"/>
                 <a:cs typeface="Courier"/>
@@ -3827,7 +3836,7 @@
                 <a:latin typeface="Courier"/>
                 <a:cs typeface="Courier"/>
               </a:rPr>
-              <a:t> to </a:t>
+              <a:t>   to </a:t>
             </a:r>
             <a:r>
               <a:rPr lang="en-US" b="1" dirty="0" err="1">
@@ -3847,7 +3856,7 @@
                 <a:latin typeface="Courier"/>
                 <a:cs typeface="Courier"/>
               </a:rPr>
-              <a:t>  assert </a:t>
+              <a:t>    assert </a:t>
             </a:r>
             <a:r>
               <a:rPr lang="en-US" b="1" dirty="0" err="1" smtClean="0">
@@ -3856,34 +3865,69 @@
               </a:rPr>
               <a:t>personListEmpty</a:t>
             </a:r>
+            <a:endParaRPr lang="en-US" b="1" dirty="0">
+              <a:latin typeface="Courier"/>
+              <a:cs typeface="Courier"/>
+            </a:endParaRPr>
+          </a:p>
+          <a:p>
+            <a:r>
+              <a:rPr lang="en-US" b="1" dirty="0">
+                <a:latin typeface="Courier"/>
+                <a:cs typeface="Courier"/>
+              </a:rPr>
+              <a:t>  </a:t>
+            </a:r>
+          </a:p>
+          <a:p>
+            <a:r>
+              <a:rPr lang="en-US" b="1" dirty="0">
+                <a:latin typeface="Courier"/>
+                <a:cs typeface="Courier"/>
+              </a:rPr>
+              <a:t>  when</a:t>
+            </a:r>
             <a:r>
               <a:rPr lang="en-US" b="1" dirty="0" smtClean="0">
                 <a:latin typeface="Courier"/>
                 <a:cs typeface="Courier"/>
               </a:rPr>
-              <a:t> </a:t>
-            </a:r>
-            <a:r>
-              <a:rPr lang="en-US" b="1" dirty="0" err="1" smtClean="0">
-                <a:latin typeface="Courier"/>
-                <a:cs typeface="Courier"/>
-              </a:rPr>
-              <a:t>personRows.size</a:t>
-            </a:r>
+              <a:t>: “The user clicks on “New Person”</a:t>
+            </a:r>
+            <a:endParaRPr lang="en-US" b="1" dirty="0">
+              <a:latin typeface="Courier"/>
+              <a:cs typeface="Courier"/>
+            </a:endParaRPr>
+          </a:p>
+          <a:p>
             <a:r>
               <a:rPr lang="en-US" b="1" dirty="0">
                 <a:latin typeface="Courier"/>
                 <a:cs typeface="Courier"/>
               </a:rPr>
-              <a:t>() == 0</a:t>
-            </a:r>
-          </a:p>
-          <a:p>
+              <a:t>    </a:t>
+            </a:r>
+            <a:r>
+              <a:rPr lang="en-US" b="1" dirty="0" err="1">
+                <a:latin typeface="Courier"/>
+                <a:cs typeface="Courier"/>
+              </a:rPr>
+              <a:t>newPersonButton.click</a:t>
+            </a:r>
             <a:r>
               <a:rPr lang="en-US" b="1" dirty="0">
                 <a:latin typeface="Courier"/>
                 <a:cs typeface="Courier"/>
               </a:rPr>
+              <a:t>()</a:t>
+            </a:r>
+          </a:p>
+          <a:p>
+            <a:r>
+              <a:rPr lang="en-US" b="1" dirty="0">
+                <a:latin typeface="Courier"/>
+                <a:cs typeface="Courier"/>
+              </a:rPr>
               <a:t>  </a:t>
             </a:r>
           </a:p>
@@ -3893,49 +3937,19 @@
                 <a:latin typeface="Courier"/>
                 <a:cs typeface="Courier"/>
               </a:rPr>
-              <a:t>  when:</a:t>
-            </a:r>
-          </a:p>
-          <a:p>
-            <a:r>
-              <a:rPr lang="en-US" b="1" dirty="0">
-                <a:latin typeface="Courier"/>
-                <a:cs typeface="Courier"/>
-              </a:rPr>
-              <a:t>    </a:t>
-            </a:r>
-            <a:r>
-              <a:rPr lang="en-US" b="1" dirty="0" err="1">
-                <a:latin typeface="Courier"/>
-                <a:cs typeface="Courier"/>
-              </a:rPr>
-              <a:t>newPersonButton.click</a:t>
-            </a:r>
-            <a:r>
-              <a:rPr lang="en-US" b="1" dirty="0">
-                <a:latin typeface="Courier"/>
-                <a:cs typeface="Courier"/>
-              </a:rPr>
-              <a:t>()</a:t>
-            </a:r>
-          </a:p>
-          <a:p>
-            <a:r>
-              <a:rPr lang="en-US" b="1" dirty="0">
-                <a:latin typeface="Courier"/>
-                <a:cs typeface="Courier"/>
-              </a:rPr>
-              <a:t>  </a:t>
-            </a:r>
-          </a:p>
-          <a:p>
-            <a:r>
-              <a:rPr lang="en-US" b="1" dirty="0">
-                <a:latin typeface="Courier"/>
-                <a:cs typeface="Courier"/>
-              </a:rPr>
-              <a:t>  then:</a:t>
-            </a:r>
+              <a:t>  then</a:t>
+            </a:r>
+            <a:r>
+              <a:rPr lang="en-US" b="1" dirty="0" smtClean="0">
+                <a:latin typeface="Courier"/>
+                <a:cs typeface="Courier"/>
+              </a:rPr>
+              <a:t>: “The user is on the Create Person page”</a:t>
+            </a:r>
+            <a:endParaRPr lang="en-US" b="1" dirty="0">
+              <a:latin typeface="Courier"/>
+              <a:cs typeface="Courier"/>
+            </a:endParaRPr>
           </a:p>
           <a:p>
             <a:r>
@@ -4018,7 +4032,6 @@
               <a:rPr lang="en-US" sz="2400" dirty="0" smtClean="0"/>
               <a:t>Checks that the Person-List is empty</a:t>
             </a:r>
-            <a:endParaRPr lang="en-US" sz="2400" dirty="0" smtClean="0"/>
           </a:p>
           <a:p>
             <a:pPr marL="285750" indent="-285750">
@@ -4039,7 +4052,6 @@
               <a:rPr lang="en-US" sz="2400" dirty="0" smtClean="0"/>
               <a:t>Checks to see that the “current page” is the Create-Person page</a:t>
             </a:r>
-            <a:endParaRPr lang="en-US" sz="2400" dirty="0" smtClean="0"/>
           </a:p>
         </p:txBody>
       </p:sp>
@@ -5007,14 +5019,7 @@
                 <a:latin typeface="Courier"/>
                 <a:cs typeface="Courier"/>
               </a:rPr>
-              <a:t> </a:t>
-            </a:r>
-            <a:r>
-              <a:rPr lang="en-US" b="1" dirty="0" smtClean="0">
-                <a:latin typeface="Courier"/>
-                <a:cs typeface="Courier"/>
-              </a:rPr>
-              <a:t>{</a:t>
+              <a:t> {</a:t>
             </a:r>
           </a:p>
           <a:p>
@@ -6999,14 +7004,7 @@
                 <a:latin typeface="Courier"/>
                 <a:cs typeface="Courier"/>
               </a:rPr>
-              <a:t>-people-example/person/list”</a:t>
-            </a:r>
-            <a:r>
-              <a:rPr lang="en-US" sz="2400" b="1" dirty="0">
-                <a:latin typeface="Courier"/>
-                <a:cs typeface="Courier"/>
-              </a:rPr>
-              <a:t>)</a:t>
+              <a:t>-people-example/person/list”)</a:t>
             </a:r>
             <a:endParaRPr lang="en-US" sz="2400" b="1" dirty="0" smtClean="0">
               <a:latin typeface="Courier"/>
@@ -7045,10 +7043,6 @@
               </a:rPr>
               <a:t>/</a:t>
             </a:r>
-            <a:endParaRPr lang="en-US" sz="2400" b="1" dirty="0" smtClean="0">
-              <a:latin typeface="Courier"/>
-              <a:cs typeface="Courier"/>
-            </a:endParaRPr>
           </a:p>
           <a:p>
             <a:pPr marL="0" indent="0">
@@ -7073,11 +7067,7 @@
             </a:r>
             <a:r>
               <a:rPr lang="en-US" dirty="0" smtClean="0"/>
-              <a:t>, </a:t>
-            </a:r>
-            <a:r>
-              <a:rPr lang="en-US" dirty="0" smtClean="0"/>
-              <a:t>content…</a:t>
+              <a:t>, content…</a:t>
             </a:r>
             <a:endParaRPr lang="en-US" dirty="0"/>
           </a:p>
@@ -7856,14 +7846,7 @@
                 <a:latin typeface="Courier"/>
                 <a:cs typeface="Courier"/>
               </a:rPr>
-              <a:t>to</a:t>
-            </a:r>
-            <a:r>
-              <a:rPr lang="en-US" sz="2400" b="1" dirty="0" smtClean="0">
-                <a:latin typeface="Courier"/>
-                <a:cs typeface="Courier"/>
-              </a:rPr>
-              <a:t>(</a:t>
+              <a:t>to(</a:t>
             </a:r>
             <a:r>
               <a:rPr lang="en-US" sz="2400" b="1" dirty="0" err="1" smtClean="0">
@@ -10257,22 +10240,14 @@
             <a:pPr lvl="1"/>
             <a:r>
               <a:rPr lang="en-US" dirty="0" smtClean="0"/>
-              <a:t>From the outside </a:t>
-            </a:r>
-            <a:r>
-              <a:rPr lang="en-US" dirty="0" smtClean="0"/>
-              <a:t>looking in </a:t>
+              <a:t>From the outside looking in </a:t>
             </a:r>
           </a:p>
           <a:p>
             <a:pPr lvl="1"/>
             <a:r>
               <a:rPr lang="en-US" dirty="0" smtClean="0"/>
-              <a:t>Test </a:t>
-            </a:r>
-            <a:r>
-              <a:rPr lang="en-US" dirty="0" smtClean="0"/>
-              <a:t>what the user sees</a:t>
+              <a:t>Test what the user sees</a:t>
             </a:r>
           </a:p>
           <a:p>
@@ -10287,13 +10262,7 @@
               <a:rPr lang="en-US" sz="2400" dirty="0" smtClean="0">
                 <a:hlinkClick r:id="rId2"/>
               </a:rPr>
-              <a:t>http://en.wikipedia.org/wiki/Behavior-</a:t>
-            </a:r>
-            <a:r>
-              <a:rPr lang="en-US" sz="2400" dirty="0" smtClean="0">
-                <a:hlinkClick r:id="rId2"/>
-              </a:rPr>
-              <a:t>driven_development</a:t>
+              <a:t>http://en.wikipedia.org/wiki/Behavior-driven_development</a:t>
             </a:r>
             <a:endParaRPr lang="en-US" sz="2400" dirty="0" smtClean="0"/>
           </a:p>
@@ -10330,7 +10299,6 @@
               <a:rPr lang="en-US" sz="2000" dirty="0" smtClean="0"/>
               <a:t>Refactor</a:t>
             </a:r>
-            <a:endParaRPr lang="en-US" sz="2000" dirty="0" smtClean="0"/>
           </a:p>
         </p:txBody>
       </p:sp>
@@ -10503,7 +10471,7 @@
           <a:p>
             <a:r>
               <a:rPr lang="en-US" dirty="0" smtClean="0"/>
-              <a:t>Module – people row element</a:t>
+              <a:t>Module – person row element</a:t>
             </a:r>
             <a:endParaRPr lang="en-US" dirty="0"/>
           </a:p>
@@ -10976,10 +10944,6 @@
               </a:rPr>
               <a:t>}</a:t>
             </a:r>
-            <a:endParaRPr lang="en-US" b="1" dirty="0">
-              <a:latin typeface="Courier"/>
-              <a:cs typeface="Courier"/>
-            </a:endParaRPr>
           </a:p>
         </p:txBody>
       </p:sp>
@@ -11030,11 +10994,7 @@
           <a:p>
             <a:r>
               <a:rPr lang="en-US" dirty="0" smtClean="0"/>
-              <a:t>Using Spock</a:t>
-            </a:r>
-            <a:r>
-              <a:rPr lang="en-US" dirty="0" smtClean="0"/>
-              <a:t>! </a:t>
+              <a:t>Using Spock! </a:t>
             </a:r>
             <a:r>
               <a:rPr lang="en-US" baseline="30000" dirty="0" smtClean="0"/>
@@ -11427,19 +11387,7 @@
           <a:p>
             <a:r>
               <a:rPr lang="en-US" dirty="0" smtClean="0"/>
-              <a:t>Using </a:t>
-            </a:r>
-            <a:r>
-              <a:rPr lang="en-US" dirty="0" smtClean="0"/>
-              <a:t>examples </a:t>
-            </a:r>
-            <a:r>
-              <a:rPr lang="en-US" dirty="0" smtClean="0"/>
-              <a:t>from </a:t>
-            </a:r>
-            <a:r>
-              <a:rPr lang="en-US" dirty="0" smtClean="0"/>
-              <a:t>the </a:t>
+              <a:t>Using examples from the </a:t>
             </a:r>
             <a:r>
               <a:rPr lang="en-US" dirty="0" err="1" smtClean="0"/>
@@ -11688,7 +11636,6 @@
               <a:rPr lang="en-US" dirty="0" smtClean="0"/>
               <a:t>Resources</a:t>
             </a:r>
-            <a:endParaRPr lang="en-US" dirty="0" smtClean="0"/>
           </a:p>
           <a:p>
             <a:pPr lvl="1"/>
@@ -11696,21 +11643,11 @@
               <a:rPr lang="en-US" sz="2400" dirty="0" smtClean="0">
                 <a:hlinkClick r:id="rId2"/>
               </a:rPr>
-              <a:t>http</a:t>
-            </a:r>
-            <a:r>
-              <a:rPr lang="en-US" sz="2400" dirty="0" smtClean="0">
-                <a:hlinkClick r:id="rId2"/>
-              </a:rPr>
-              <a:t>://www.gebish.org/</a:t>
+              <a:t>http://www.gebish.org/</a:t>
             </a:r>
             <a:r>
               <a:rPr lang="en-US" sz="2400" dirty="0" smtClean="0"/>
-              <a:t> [1</a:t>
-            </a:r>
-            <a:r>
-              <a:rPr lang="en-US" sz="2400" dirty="0" smtClean="0"/>
-              <a:t>]</a:t>
+              <a:t> [1]</a:t>
             </a:r>
           </a:p>
           <a:p>
@@ -11731,7 +11668,6 @@
               <a:rPr lang="en-US" sz="2400" dirty="0" smtClean="0"/>
               <a:t> [2]</a:t>
             </a:r>
-            <a:endParaRPr lang="en-US" sz="2400" dirty="0" smtClean="0"/>
           </a:p>
           <a:p>
             <a:pPr lvl="1"/>
@@ -11739,21 +11675,11 @@
               <a:rPr lang="en-US" sz="2400" dirty="0" smtClean="0">
                 <a:hlinkClick r:id="rId4"/>
               </a:rPr>
-              <a:t>https</a:t>
-            </a:r>
-            <a:r>
-              <a:rPr lang="en-US" sz="2400" dirty="0" smtClean="0">
-                <a:hlinkClick r:id="rId4"/>
-              </a:rPr>
-              <a:t>://code.google.com/p/spock/</a:t>
+              <a:t>https://code.google.com/p/spock/</a:t>
             </a:r>
             <a:r>
               <a:rPr lang="en-US" sz="2400" dirty="0" smtClean="0"/>
-              <a:t> </a:t>
-            </a:r>
-            <a:r>
-              <a:rPr lang="en-US" sz="2400" dirty="0" smtClean="0"/>
-              <a:t>[3]</a:t>
+              <a:t> [3]</a:t>
             </a:r>
           </a:p>
         </p:txBody>
@@ -11878,13 +11804,7 @@
               <a:rPr lang="en-US" dirty="0" smtClean="0">
                 <a:hlinkClick r:id="rId4"/>
               </a:rPr>
-              <a:t>Automated </a:t>
-            </a:r>
-            <a:r>
-              <a:rPr lang="en-US" dirty="0" smtClean="0">
-                <a:hlinkClick r:id="rId4"/>
-              </a:rPr>
-              <a:t>Browser Testing with Geb </a:t>
+              <a:t>Automated Browser Testing with Geb </a:t>
             </a:r>
             <a:r>
               <a:rPr lang="en-US" dirty="0" smtClean="0"/>
@@ -11973,15 +11893,7 @@
           <a:p>
             <a:r>
               <a:rPr lang="en-US" dirty="0" smtClean="0"/>
-              <a:t>A </a:t>
-            </a:r>
-            <a:r>
-              <a:rPr lang="en-US" dirty="0" smtClean="0"/>
-              <a:t>T</a:t>
-            </a:r>
-            <a:r>
-              <a:rPr lang="en-US" dirty="0" smtClean="0"/>
-              <a:t>est – A Person-List </a:t>
+              <a:t>A Test – A Person-List </a:t>
             </a:r>
             <a:r>
               <a:rPr lang="en-US" dirty="0"/>
@@ -12018,13 +11930,8 @@
             </a:r>
             <a:r>
               <a:rPr lang="en-US" dirty="0" smtClean="0"/>
-              <a:t> – </a:t>
-            </a:r>
-            <a:r>
-              <a:rPr lang="en-US" dirty="0" smtClean="0"/>
-              <a:t>that you have just started a new site…</a:t>
-            </a:r>
-            <a:endParaRPr lang="en-US" dirty="0" smtClean="0"/>
+              <a:t> – that you have just started a new site…</a:t>
+            </a:r>
           </a:p>
           <a:p>
             <a:r>
@@ -12033,13 +11940,8 @@
             </a:r>
             <a:r>
               <a:rPr lang="en-US" dirty="0" smtClean="0"/>
-              <a:t> – </a:t>
-            </a:r>
-            <a:r>
-              <a:rPr lang="en-US" dirty="0" smtClean="0"/>
-              <a:t>you examine the list of people</a:t>
-            </a:r>
-            <a:endParaRPr lang="en-US" dirty="0" smtClean="0"/>
+              <a:t> – you examine the list of people</a:t>
+            </a:r>
           </a:p>
           <a:p>
             <a:r>
@@ -12048,13 +11950,8 @@
             </a:r>
             <a:r>
               <a:rPr lang="en-US" dirty="0" smtClean="0"/>
-              <a:t> – </a:t>
-            </a:r>
-            <a:r>
-              <a:rPr lang="en-US" dirty="0" smtClean="0"/>
-              <a:t>you find the list empty</a:t>
-            </a:r>
-            <a:endParaRPr lang="en-US" dirty="0" smtClean="0"/>
+              <a:t> – you find the list empty</a:t>
+            </a:r>
           </a:p>
           <a:p>
             <a:r>
@@ -12063,13 +11960,8 @@
             </a:r>
             <a:r>
               <a:rPr lang="en-US" dirty="0" smtClean="0"/>
-              <a:t> – </a:t>
-            </a:r>
-            <a:r>
-              <a:rPr lang="en-US" dirty="0" smtClean="0"/>
-              <a:t>you add a person, “Alice Anderson”, to the list</a:t>
-            </a:r>
-            <a:endParaRPr lang="en-US" dirty="0" smtClean="0"/>
+              <a:t> – you add a person, “Alice Anderson”, to the list</a:t>
+            </a:r>
           </a:p>
           <a:p>
             <a:r>
@@ -12078,13 +11970,8 @@
             </a:r>
             <a:r>
               <a:rPr lang="en-US" dirty="0" smtClean="0"/>
-              <a:t> – you </a:t>
-            </a:r>
-            <a:r>
-              <a:rPr lang="en-US" dirty="0" smtClean="0"/>
-              <a:t>find that the person-list has one person: Alice Anderson</a:t>
-            </a:r>
-            <a:endParaRPr lang="en-US" dirty="0" smtClean="0"/>
+              <a:t> – you find that the person-list has one person: Alice Anderson</a:t>
+            </a:r>
           </a:p>
           <a:p>
             <a:endParaRPr lang="en-US" dirty="0" smtClean="0"/>
@@ -12221,7 +12108,6 @@
               <a:rPr lang="en-US" dirty="0" smtClean="0"/>
               <a:t> </a:t>
             </a:r>
-            <a:endParaRPr lang="en-US" dirty="0" smtClean="0"/>
           </a:p>
           <a:p>
             <a:pPr lvl="1"/>
@@ -12244,11 +12130,7 @@
           <a:p>
             <a:r>
               <a:rPr lang="en-US" dirty="0" smtClean="0"/>
-              <a:t>Supports testing in: </a:t>
-            </a:r>
-            <a:r>
-              <a:rPr lang="en-US" dirty="0" smtClean="0"/>
-              <a:t>Spock</a:t>
+              <a:t>Supports testing in: Spock</a:t>
             </a:r>
             <a:r>
               <a:rPr lang="en-US" sz="2800" baseline="30000" dirty="0" smtClean="0">
@@ -12266,22 +12148,14 @@
             </a:r>
             <a:r>
               <a:rPr lang="en-US" dirty="0" smtClean="0"/>
-              <a:t>, </a:t>
-            </a:r>
-            <a:r>
-              <a:rPr lang="en-US" dirty="0" smtClean="0"/>
-              <a:t>Cucumber</a:t>
+              <a:t>, Cucumber</a:t>
             </a:r>
             <a:endParaRPr lang="en-US" dirty="0"/>
           </a:p>
           <a:p>
             <a:r>
               <a:rPr lang="en-US" dirty="0" smtClean="0"/>
-              <a:t>Open </a:t>
-            </a:r>
-            <a:r>
-              <a:rPr lang="en-US" dirty="0" smtClean="0"/>
-              <a:t>source; free; active community</a:t>
+              <a:t>Open source; free; active community</a:t>
             </a:r>
           </a:p>
         </p:txBody>
@@ -12351,7 +12225,9 @@
         </p:nvSpPr>
         <p:spPr/>
         <p:txBody>
-          <a:bodyPr/>
+          <a:bodyPr>
+            <a:normAutofit lnSpcReduction="10000"/>
+          </a:bodyPr>
           <a:lstStyle/>
           <a:p>
             <a:r>
@@ -12383,8 +12259,40 @@
             <a:pPr lvl="1"/>
             <a:r>
               <a:rPr lang="en-US" dirty="0" smtClean="0"/>
-              <a:t>Roll your own: web access + testing</a:t>
-            </a:r>
+              <a:t>Roll your own: </a:t>
+            </a:r>
+            <a:r>
+              <a:rPr lang="en-US" dirty="0" smtClean="0"/>
+              <a:t/>
+            </a:r>
+            <a:br>
+              <a:rPr lang="en-US" dirty="0" smtClean="0"/>
+            </a:br>
+            <a:r>
+              <a:rPr lang="en-US" dirty="0" smtClean="0"/>
+              <a:t>web access + </a:t>
+            </a:r>
+            <a:r>
+              <a:rPr lang="en-US" dirty="0" err="1" smtClean="0"/>
+              <a:t>jquery</a:t>
+            </a:r>
+            <a:r>
+              <a:rPr lang="en-US" dirty="0" smtClean="0"/>
+              <a:t> </a:t>
+            </a:r>
+            <a:r>
+              <a:rPr lang="en-US" dirty="0" smtClean="0"/>
+              <a:t>+ </a:t>
+            </a:r>
+            <a:r>
+              <a:rPr lang="en-US" dirty="0" err="1" smtClean="0"/>
+              <a:t>javascript</a:t>
+            </a:r>
+            <a:r>
+              <a:rPr lang="en-US" dirty="0" smtClean="0"/>
+              <a:t> = testing</a:t>
+            </a:r>
+            <a:endParaRPr lang="en-US" dirty="0" smtClean="0"/>
           </a:p>
           <a:p>
             <a:pPr lvl="1"/>

--- a/GebTalk.pptx
+++ b/GebTalk.pptx
@@ -237,7 +237,7 @@
           <a:p>
             <a:fld id="{8DDDFF4F-F7B6-5943-AE70-7D006608F0E8}" type="datetimeFigureOut">
               <a:rPr lang="en-US" smtClean="0"/>
-              <a:t>5/28/14</a:t>
+              <a:t>5/30/14</a:t>
             </a:fld>
             <a:endParaRPr lang="en-US"/>
           </a:p>
@@ -770,7 +770,7 @@
           <a:p>
             <a:fld id="{7137CE2B-1B97-9245-A4F6-3CE202C30107}" type="datetimeFigureOut">
               <a:rPr lang="en-US" smtClean="0"/>
-              <a:t>5/28/14</a:t>
+              <a:t>5/30/14</a:t>
             </a:fld>
             <a:endParaRPr lang="en-US"/>
           </a:p>
@@ -940,7 +940,7 @@
           <a:p>
             <a:fld id="{7137CE2B-1B97-9245-A4F6-3CE202C30107}" type="datetimeFigureOut">
               <a:rPr lang="en-US" smtClean="0"/>
-              <a:t>5/28/14</a:t>
+              <a:t>5/30/14</a:t>
             </a:fld>
             <a:endParaRPr lang="en-US"/>
           </a:p>
@@ -1120,7 +1120,7 @@
           <a:p>
             <a:fld id="{7137CE2B-1B97-9245-A4F6-3CE202C30107}" type="datetimeFigureOut">
               <a:rPr lang="en-US" smtClean="0"/>
-              <a:t>5/28/14</a:t>
+              <a:t>5/30/14</a:t>
             </a:fld>
             <a:endParaRPr lang="en-US"/>
           </a:p>
@@ -1290,7 +1290,7 @@
           <a:p>
             <a:fld id="{7137CE2B-1B97-9245-A4F6-3CE202C30107}" type="datetimeFigureOut">
               <a:rPr lang="en-US" smtClean="0"/>
-              <a:t>5/28/14</a:t>
+              <a:t>5/30/14</a:t>
             </a:fld>
             <a:endParaRPr lang="en-US"/>
           </a:p>
@@ -1536,7 +1536,7 @@
           <a:p>
             <a:fld id="{7137CE2B-1B97-9245-A4F6-3CE202C30107}" type="datetimeFigureOut">
               <a:rPr lang="en-US" smtClean="0"/>
-              <a:t>5/28/14</a:t>
+              <a:t>5/30/14</a:t>
             </a:fld>
             <a:endParaRPr lang="en-US"/>
           </a:p>
@@ -1824,7 +1824,7 @@
           <a:p>
             <a:fld id="{7137CE2B-1B97-9245-A4F6-3CE202C30107}" type="datetimeFigureOut">
               <a:rPr lang="en-US" smtClean="0"/>
-              <a:t>5/28/14</a:t>
+              <a:t>5/30/14</a:t>
             </a:fld>
             <a:endParaRPr lang="en-US"/>
           </a:p>
@@ -2246,7 +2246,7 @@
           <a:p>
             <a:fld id="{7137CE2B-1B97-9245-A4F6-3CE202C30107}" type="datetimeFigureOut">
               <a:rPr lang="en-US" smtClean="0"/>
-              <a:t>5/28/14</a:t>
+              <a:t>5/30/14</a:t>
             </a:fld>
             <a:endParaRPr lang="en-US"/>
           </a:p>
@@ -2364,7 +2364,7 @@
           <a:p>
             <a:fld id="{7137CE2B-1B97-9245-A4F6-3CE202C30107}" type="datetimeFigureOut">
               <a:rPr lang="en-US" smtClean="0"/>
-              <a:t>5/28/14</a:t>
+              <a:t>5/30/14</a:t>
             </a:fld>
             <a:endParaRPr lang="en-US"/>
           </a:p>
@@ -2459,7 +2459,7 @@
           <a:p>
             <a:fld id="{7137CE2B-1B97-9245-A4F6-3CE202C30107}" type="datetimeFigureOut">
               <a:rPr lang="en-US" smtClean="0"/>
-              <a:t>5/28/14</a:t>
+              <a:t>5/30/14</a:t>
             </a:fld>
             <a:endParaRPr lang="en-US"/>
           </a:p>
@@ -2736,7 +2736,7 @@
           <a:p>
             <a:fld id="{7137CE2B-1B97-9245-A4F6-3CE202C30107}" type="datetimeFigureOut">
               <a:rPr lang="en-US" smtClean="0"/>
-              <a:t>5/28/14</a:t>
+              <a:t>5/30/14</a:t>
             </a:fld>
             <a:endParaRPr lang="en-US"/>
           </a:p>
@@ -2989,7 +2989,7 @@
           <a:p>
             <a:fld id="{7137CE2B-1B97-9245-A4F6-3CE202C30107}" type="datetimeFigureOut">
               <a:rPr lang="en-US" smtClean="0"/>
-              <a:t>5/28/14</a:t>
+              <a:t>5/30/14</a:t>
             </a:fld>
             <a:endParaRPr lang="en-US"/>
           </a:p>
@@ -3202,7 +3202,7 @@
           <a:p>
             <a:fld id="{7137CE2B-1B97-9245-A4F6-3CE202C30107}" type="datetimeFigureOut">
               <a:rPr lang="en-US" smtClean="0"/>
-              <a:t>5/28/14</a:t>
+              <a:t>5/30/14</a:t>
             </a:fld>
             <a:endParaRPr lang="en-US"/>
           </a:p>
@@ -3718,6 +3718,13 @@
   <p:clrMapOvr>
     <a:masterClrMapping/>
   </p:clrMapOvr>
+  <p:timing>
+    <p:tnLst>
+      <p:par>
+        <p:cTn xmlns:p14="http://schemas.microsoft.com/office/powerpoint/2010/main" id="1" dur="indefinite" restart="never" nodeType="tmRoot"/>
+      </p:par>
+    </p:tnLst>
+  </p:timing>
 </p:sld>
 </file>
 
@@ -4065,6 +4072,13 @@
   <p:clrMapOvr>
     <a:masterClrMapping/>
   </p:clrMapOvr>
+  <p:timing>
+    <p:tnLst>
+      <p:par>
+        <p:cTn xmlns:p14="http://schemas.microsoft.com/office/powerpoint/2010/main" id="1" dur="indefinite" restart="never" nodeType="tmRoot"/>
+      </p:par>
+    </p:tnLst>
+  </p:timing>
 </p:sld>
 </file>
 
@@ -4177,6 +4191,13 @@
   <p:clrMapOvr>
     <a:masterClrMapping/>
   </p:clrMapOvr>
+  <p:timing>
+    <p:tnLst>
+      <p:par>
+        <p:cTn xmlns:p14="http://schemas.microsoft.com/office/powerpoint/2010/main" id="1" dur="indefinite" restart="never" nodeType="tmRoot"/>
+      </p:par>
+    </p:tnLst>
+  </p:timing>
 </p:sld>
 </file>
 
@@ -4293,6 +4314,13 @@
   <p:clrMapOvr>
     <a:masterClrMapping/>
   </p:clrMapOvr>
+  <p:timing>
+    <p:tnLst>
+      <p:par>
+        <p:cTn xmlns:p14="http://schemas.microsoft.com/office/powerpoint/2010/main" id="1" dur="indefinite" restart="never" nodeType="tmRoot"/>
+      </p:par>
+    </p:tnLst>
+  </p:timing>
 </p:sld>
 </file>
 
@@ -4433,6 +4461,13 @@
   <p:clrMapOvr>
     <a:masterClrMapping/>
   </p:clrMapOvr>
+  <p:timing>
+    <p:tnLst>
+      <p:par>
+        <p:cTn xmlns:p14="http://schemas.microsoft.com/office/powerpoint/2010/main" id="1" dur="indefinite" restart="never" nodeType="tmRoot"/>
+      </p:par>
+    </p:tnLst>
+  </p:timing>
 </p:sld>
 </file>
 
@@ -4496,8 +4531,39 @@
           <a:lstStyle/>
           <a:p>
             <a:r>
-              <a:rPr lang="en-US" dirty="0" smtClean="0"/>
-              <a:t>In the closure…</a:t>
+              <a:rPr lang="en-US" dirty="0" err="1"/>
+              <a:t>Browser.drive</a:t>
+            </a:r>
+            <a:r>
+              <a:rPr lang="en-US" dirty="0"/>
+              <a:t>(</a:t>
+            </a:r>
+            <a:r>
+              <a:rPr lang="en-US" i="1" dirty="0"/>
+              <a:t>configuration-options</a:t>
+            </a:r>
+            <a:r>
+              <a:rPr lang="en-US" dirty="0"/>
+              <a:t>) {</a:t>
+            </a:r>
+            <a:r>
+              <a:rPr lang="en-US" i="1" dirty="0"/>
+              <a:t>closure</a:t>
+            </a:r>
+            <a:r>
+              <a:rPr lang="en-US" dirty="0" smtClean="0"/>
+              <a:t>}</a:t>
+            </a:r>
+            <a:endParaRPr lang="en-US" dirty="0" smtClean="0"/>
+          </a:p>
+          <a:p>
+            <a:r>
+              <a:rPr lang="en-US" dirty="0" smtClean="0"/>
+              <a:t>In </a:t>
+            </a:r>
+            <a:r>
+              <a:rPr lang="en-US" dirty="0" smtClean="0"/>
+              <a:t>the closure…</a:t>
             </a:r>
           </a:p>
           <a:p>
@@ -4553,6 +4619,13 @@
   <p:clrMapOvr>
     <a:masterClrMapping/>
   </p:clrMapOvr>
+  <p:timing>
+    <p:tnLst>
+      <p:par>
+        <p:cTn xmlns:p14="http://schemas.microsoft.com/office/powerpoint/2010/main" id="1" dur="indefinite" restart="never" nodeType="tmRoot"/>
+      </p:par>
+    </p:tnLst>
+  </p:timing>
 </p:sld>
 </file>
 
@@ -4615,8 +4688,13 @@
           <a:p>
             <a:r>
               <a:rPr lang="en-US" dirty="0" smtClean="0"/>
-              <a:t>Page Switching</a:t>
-            </a:r>
+              <a:t>Page </a:t>
+            </a:r>
+            <a:r>
+              <a:rPr lang="en-US" dirty="0" smtClean="0"/>
+              <a:t>Switching (each page has a URL)</a:t>
+            </a:r>
+            <a:endParaRPr lang="en-US" dirty="0" smtClean="0"/>
           </a:p>
           <a:p>
             <a:pPr lvl="1"/>
@@ -4724,6 +4802,13 @@
   <p:clrMapOvr>
     <a:masterClrMapping/>
   </p:clrMapOvr>
+  <p:timing>
+    <p:tnLst>
+      <p:par>
+        <p:cTn xmlns:p14="http://schemas.microsoft.com/office/powerpoint/2010/main" id="1" dur="indefinite" restart="never" nodeType="tmRoot"/>
+      </p:par>
+    </p:tnLst>
+  </p:timing>
 </p:sld>
 </file>
 
@@ -4839,6 +4924,13 @@
   <p:clrMapOvr>
     <a:masterClrMapping/>
   </p:clrMapOvr>
+  <p:timing>
+    <p:tnLst>
+      <p:par>
+        <p:cTn xmlns:p14="http://schemas.microsoft.com/office/powerpoint/2010/main" id="1" dur="indefinite" restart="never" nodeType="tmRoot"/>
+      </p:par>
+    </p:tnLst>
+  </p:timing>
 </p:sld>
 </file>
 
@@ -5103,6 +5195,13 @@
   <p:clrMapOvr>
     <a:masterClrMapping/>
   </p:clrMapOvr>
+  <p:timing>
+    <p:tnLst>
+      <p:par>
+        <p:cTn xmlns:p14="http://schemas.microsoft.com/office/powerpoint/2010/main" id="1" dur="indefinite" restart="never" nodeType="tmRoot"/>
+      </p:par>
+    </p:tnLst>
+  </p:timing>
 </p:sld>
 </file>
 
@@ -5209,6 +5308,13 @@
   <p:clrMapOvr>
     <a:masterClrMapping/>
   </p:clrMapOvr>
+  <p:timing>
+    <p:tnLst>
+      <p:par>
+        <p:cTn xmlns:p14="http://schemas.microsoft.com/office/powerpoint/2010/main" id="1" dur="indefinite" restart="never" nodeType="tmRoot"/>
+      </p:par>
+    </p:tnLst>
+  </p:timing>
 </p:sld>
 </file>
 
@@ -5271,7 +5377,15 @@
           <a:p>
             <a:r>
               <a:rPr lang="en-US" dirty="0" smtClean="0"/>
-              <a:t>$ returns a Navigator instance from the current page</a:t>
+              <a:t>$ </a:t>
+            </a:r>
+            <a:r>
+              <a:rPr lang="en-US" dirty="0" smtClean="0"/>
+              <a:t>references the Navigator </a:t>
+            </a:r>
+            <a:r>
+              <a:rPr lang="en-US" dirty="0" smtClean="0"/>
+              <a:t>instance from the current page</a:t>
             </a:r>
           </a:p>
           <a:p>
@@ -5363,7 +5477,19 @@
             </a:r>
             <a:r>
               <a:rPr lang="en-US" dirty="0" smtClean="0"/>
-              <a:t>– all the div class option-list class</a:t>
+              <a:t>– all the div </a:t>
+            </a:r>
+            <a:r>
+              <a:rPr lang="en-US" dirty="0" smtClean="0"/>
+              <a:t>tagged sections with an </a:t>
+            </a:r>
+            <a:r>
+              <a:rPr lang="en-US" dirty="0" smtClean="0"/>
+              <a:t>option</a:t>
+            </a:r>
+            <a:r>
+              <a:rPr lang="en-US" dirty="0" smtClean="0"/>
+              <a:t>-list class</a:t>
             </a:r>
           </a:p>
           <a:p>
@@ -5381,6 +5507,13 @@
   <p:clrMapOvr>
     <a:masterClrMapping/>
   </p:clrMapOvr>
+  <p:timing>
+    <p:tnLst>
+      <p:par>
+        <p:cTn xmlns:p14="http://schemas.microsoft.com/office/powerpoint/2010/main" id="1" dur="indefinite" restart="never" nodeType="tmRoot"/>
+      </p:par>
+    </p:tnLst>
+  </p:timing>
 </p:sld>
 </file>
 
@@ -5523,6 +5656,13 @@
   <p:clrMapOvr>
     <a:masterClrMapping/>
   </p:clrMapOvr>
+  <p:timing>
+    <p:tnLst>
+      <p:par>
+        <p:cTn xmlns:p14="http://schemas.microsoft.com/office/powerpoint/2010/main" id="1" dur="indefinite" restart="never" nodeType="tmRoot"/>
+      </p:par>
+    </p:tnLst>
+  </p:timing>
 </p:sld>
 </file>
 
@@ -5695,6 +5835,13 @@
   <p:clrMapOvr>
     <a:masterClrMapping/>
   </p:clrMapOvr>
+  <p:timing>
+    <p:tnLst>
+      <p:par>
+        <p:cTn xmlns:p14="http://schemas.microsoft.com/office/powerpoint/2010/main" id="1" dur="indefinite" restart="never" nodeType="tmRoot"/>
+      </p:par>
+    </p:tnLst>
+  </p:timing>
 </p:sld>
 </file>
 
@@ -5918,6 +6065,13 @@
   <p:clrMapOvr>
     <a:masterClrMapping/>
   </p:clrMapOvr>
+  <p:timing>
+    <p:tnLst>
+      <p:par>
+        <p:cTn xmlns:p14="http://schemas.microsoft.com/office/powerpoint/2010/main" id="1" dur="indefinite" restart="never" nodeType="tmRoot"/>
+      </p:par>
+    </p:tnLst>
+  </p:timing>
 </p:sld>
 </file>
 
@@ -6079,6 +6233,13 @@
   <p:clrMapOvr>
     <a:masterClrMapping/>
   </p:clrMapOvr>
+  <p:timing>
+    <p:tnLst>
+      <p:par>
+        <p:cTn xmlns:p14="http://schemas.microsoft.com/office/powerpoint/2010/main" id="1" dur="indefinite" restart="never" nodeType="tmRoot"/>
+      </p:par>
+    </p:tnLst>
+  </p:timing>
 </p:sld>
 </file>
 
@@ -6192,6 +6353,13 @@
   <p:clrMapOvr>
     <a:masterClrMapping/>
   </p:clrMapOvr>
+  <p:timing>
+    <p:tnLst>
+      <p:par>
+        <p:cTn xmlns:p14="http://schemas.microsoft.com/office/powerpoint/2010/main" id="1" dur="indefinite" restart="never" nodeType="tmRoot"/>
+      </p:par>
+    </p:tnLst>
+  </p:timing>
 </p:sld>
 </file>
 
@@ -6320,6 +6488,13 @@
   <p:clrMapOvr>
     <a:masterClrMapping/>
   </p:clrMapOvr>
+  <p:timing>
+    <p:tnLst>
+      <p:par>
+        <p:cTn xmlns:p14="http://schemas.microsoft.com/office/powerpoint/2010/main" id="1" dur="indefinite" restart="never" nodeType="tmRoot"/>
+      </p:par>
+    </p:tnLst>
+  </p:timing>
 </p:sld>
 </file>
 
@@ -6446,6 +6621,13 @@
   <p:clrMapOvr>
     <a:masterClrMapping/>
   </p:clrMapOvr>
+  <p:timing>
+    <p:tnLst>
+      <p:par>
+        <p:cTn xmlns:p14="http://schemas.microsoft.com/office/powerpoint/2010/main" id="1" dur="indefinite" restart="never" nodeType="tmRoot"/>
+      </p:par>
+    </p:tnLst>
+  </p:timing>
 </p:sld>
 </file>
 
@@ -6538,7 +6720,15 @@
           <a:p>
             <a:r>
               <a:rPr lang="en-US" dirty="0" smtClean="0"/>
-              <a:t>$().classes– and alphabetical list of the classes of the object</a:t>
+              <a:t>$().</a:t>
+            </a:r>
+            <a:r>
+              <a:rPr lang="en-US" dirty="0" smtClean="0"/>
+              <a:t>classes – an </a:t>
+            </a:r>
+            <a:r>
+              <a:rPr lang="en-US" dirty="0" smtClean="0"/>
+              <a:t>alphabetical list of the classes of the object</a:t>
             </a:r>
             <a:endParaRPr lang="en-US" dirty="0"/>
           </a:p>
@@ -6554,6 +6744,13 @@
   <p:clrMapOvr>
     <a:masterClrMapping/>
   </p:clrMapOvr>
+  <p:timing>
+    <p:tnLst>
+      <p:par>
+        <p:cTn xmlns:p14="http://schemas.microsoft.com/office/powerpoint/2010/main" id="1" dur="indefinite" restart="never" nodeType="tmRoot"/>
+      </p:par>
+    </p:tnLst>
+  </p:timing>
 </p:sld>
 </file>
 
@@ -6663,6 +6860,13 @@
   <p:clrMapOvr>
     <a:masterClrMapping/>
   </p:clrMapOvr>
+  <p:timing>
+    <p:tnLst>
+      <p:par>
+        <p:cTn xmlns:p14="http://schemas.microsoft.com/office/powerpoint/2010/main" id="1" dur="indefinite" restart="never" nodeType="tmRoot"/>
+      </p:par>
+    </p:tnLst>
+  </p:timing>
 </p:sld>
 </file>
 
@@ -6846,6 +7050,13 @@
   <p:clrMapOvr>
     <a:masterClrMapping/>
   </p:clrMapOvr>
+  <p:timing>
+    <p:tnLst>
+      <p:par>
+        <p:cTn xmlns:p14="http://schemas.microsoft.com/office/powerpoint/2010/main" id="1" dur="indefinite" restart="never" nodeType="tmRoot"/>
+      </p:par>
+    </p:tnLst>
+  </p:timing>
 </p:sld>
 </file>
 
@@ -7091,6 +7302,13 @@
   <p:clrMapOvr>
     <a:masterClrMapping/>
   </p:clrMapOvr>
+  <p:timing>
+    <p:tnLst>
+      <p:par>
+        <p:cTn xmlns:p14="http://schemas.microsoft.com/office/powerpoint/2010/main" id="1" dur="indefinite" restart="never" nodeType="tmRoot"/>
+      </p:par>
+    </p:tnLst>
+  </p:timing>
 </p:sld>
 </file>
 
@@ -7216,6 +7434,13 @@
   <p:clrMapOvr>
     <a:masterClrMapping/>
   </p:clrMapOvr>
+  <p:timing>
+    <p:tnLst>
+      <p:par>
+        <p:cTn xmlns:p14="http://schemas.microsoft.com/office/powerpoint/2010/main" id="1" dur="indefinite" restart="never" nodeType="tmRoot"/>
+      </p:par>
+    </p:tnLst>
+  </p:timing>
 </p:sld>
 </file>
 
@@ -7742,6 +7967,13 @@
   <p:clrMapOvr>
     <a:masterClrMapping/>
   </p:clrMapOvr>
+  <p:timing>
+    <p:tnLst>
+      <p:par>
+        <p:cTn xmlns:p14="http://schemas.microsoft.com/office/powerpoint/2010/main" id="1" dur="indefinite" restart="never" nodeType="tmRoot"/>
+      </p:par>
+    </p:tnLst>
+  </p:timing>
 </p:sld>
 </file>
 
@@ -7797,33 +8029,114 @@
         </p:nvSpPr>
         <p:spPr/>
         <p:txBody>
-          <a:bodyPr/>
-          <a:lstStyle/>
-          <a:p>
-            <a:r>
-              <a:rPr lang="en-US" dirty="0" smtClean="0"/>
-              <a:t>Page class supports encapsulation of content</a:t>
-            </a:r>
-          </a:p>
-          <a:p>
-            <a:r>
-              <a:rPr lang="en-US" dirty="0" smtClean="0"/>
-              <a:t>Test becomes:</a:t>
-            </a:r>
+          <a:bodyPr>
+            <a:normAutofit fontScale="85000" lnSpcReduction="20000"/>
+          </a:bodyPr>
+          <a:lstStyle/>
+          <a:p>
+            <a:r>
+              <a:rPr lang="en-US" dirty="0" smtClean="0"/>
+              <a:t>Now</a:t>
+            </a:r>
+            <a:endParaRPr lang="en-US" dirty="0" smtClean="0"/>
           </a:p>
           <a:p>
             <a:pPr marL="0" indent="0">
               <a:buNone/>
             </a:pPr>
             <a:r>
-              <a:rPr lang="en-US" sz="2400" b="1" dirty="0" err="1">
+              <a:rPr lang="en-US" sz="3100" b="1" dirty="0" err="1" smtClean="0">
                 <a:latin typeface="Courier"/>
                 <a:cs typeface="Courier"/>
               </a:rPr>
               <a:t>Browser.drive</a:t>
             </a:r>
             <a:r>
-              <a:rPr lang="en-US" sz="2400" b="1" dirty="0">
+              <a:rPr lang="en-US" sz="3100" b="1" dirty="0" smtClean="0">
+                <a:latin typeface="Courier"/>
+                <a:cs typeface="Courier"/>
+              </a:rPr>
+              <a:t> </a:t>
+            </a:r>
+            <a:r>
+              <a:rPr lang="en-US" sz="3100" b="1" dirty="0">
+                <a:latin typeface="Courier"/>
+                <a:cs typeface="Courier"/>
+              </a:rPr>
+              <a:t>{</a:t>
+            </a:r>
+          </a:p>
+          <a:p>
+            <a:pPr marL="0" indent="0">
+              <a:buNone/>
+            </a:pPr>
+            <a:r>
+              <a:rPr lang="en-US" sz="3100" b="1" dirty="0">
+                <a:latin typeface="Courier"/>
+                <a:cs typeface="Courier"/>
+              </a:rPr>
+              <a:t>	go(“http://localhost:8080/” + </a:t>
+            </a:r>
+          </a:p>
+          <a:p>
+            <a:pPr marL="0" indent="0">
+              <a:buNone/>
+            </a:pPr>
+            <a:r>
+              <a:rPr lang="en-US" sz="3100" b="1" dirty="0">
+                <a:latin typeface="Courier"/>
+                <a:cs typeface="Courier"/>
+              </a:rPr>
+              <a:t>		  ”grails-people-example/person/list”)</a:t>
+            </a:r>
+          </a:p>
+          <a:p>
+            <a:pPr marL="0" indent="0">
+              <a:buNone/>
+            </a:pPr>
+            <a:r>
+              <a:rPr lang="en-US" sz="3100" b="1" dirty="0">
+                <a:latin typeface="Courier"/>
+                <a:cs typeface="Courier"/>
+              </a:rPr>
+              <a:t>	assert title ==~ /Person List/</a:t>
+            </a:r>
+          </a:p>
+          <a:p>
+            <a:pPr marL="0" indent="0">
+              <a:buNone/>
+            </a:pPr>
+            <a:r>
+              <a:rPr lang="en-US" sz="3100" b="1" dirty="0">
+                <a:latin typeface="Courier"/>
+                <a:cs typeface="Courier"/>
+              </a:rPr>
+              <a:t>}</a:t>
+            </a:r>
+          </a:p>
+          <a:p>
+            <a:r>
+              <a:rPr lang="en-US" dirty="0" smtClean="0"/>
+              <a:t>Becomes</a:t>
+            </a:r>
+            <a:r>
+              <a:rPr lang="en-US" dirty="0" smtClean="0"/>
+              <a:t>:</a:t>
+            </a:r>
+          </a:p>
+          <a:p>
+            <a:pPr marL="0" indent="0">
+              <a:buNone/>
+            </a:pPr>
+            <a:r>
+              <a:rPr lang="en-US" sz="3100" b="1" dirty="0" err="1">
+                <a:latin typeface="Courier"/>
+                <a:cs typeface="Courier"/>
+              </a:rPr>
+              <a:t>Browser.drive</a:t>
+            </a:r>
+            <a:r>
+              <a:rPr lang="en-US" sz="3100" b="1" dirty="0">
                 <a:latin typeface="Courier"/>
                 <a:cs typeface="Courier"/>
               </a:rPr>
@@ -7835,34 +8148,34 @@
               <a:buNone/>
             </a:pPr>
             <a:r>
-              <a:rPr lang="en-US" sz="2400" b="1" dirty="0">
+              <a:rPr lang="en-US" sz="3100" b="1" dirty="0">
                 <a:latin typeface="Courier"/>
                 <a:cs typeface="Courier"/>
               </a:rPr>
               <a:t>	</a:t>
             </a:r>
             <a:r>
-              <a:rPr lang="en-US" sz="2400" b="1" dirty="0" smtClean="0">
+              <a:rPr lang="en-US" sz="3100" b="1" dirty="0" smtClean="0">
                 <a:latin typeface="Courier"/>
                 <a:cs typeface="Courier"/>
               </a:rPr>
               <a:t>to(</a:t>
             </a:r>
             <a:r>
-              <a:rPr lang="en-US" sz="2400" b="1" dirty="0" err="1" smtClean="0">
+              <a:rPr lang="en-US" sz="3100" b="1" dirty="0" err="1" smtClean="0">
                 <a:latin typeface="Courier"/>
                 <a:cs typeface="Courier"/>
               </a:rPr>
               <a:t>ListPage</a:t>
             </a:r>
             <a:r>
-              <a:rPr lang="en-US" sz="2400" b="1" dirty="0" smtClean="0">
+              <a:rPr lang="en-US" sz="3100" b="1" dirty="0" smtClean="0">
                 <a:latin typeface="Courier"/>
                 <a:cs typeface="Courier"/>
               </a:rPr>
               <a:t>)</a:t>
             </a:r>
-            <a:endParaRPr lang="en-US" sz="2400" b="1" dirty="0">
+            <a:endParaRPr lang="en-US" sz="3100" b="1" dirty="0">
               <a:latin typeface="Courier"/>
               <a:cs typeface="Courier"/>
             </a:endParaRPr>
@@ -7872,23 +8185,16 @@
               <a:buNone/>
             </a:pPr>
             <a:r>
-              <a:rPr lang="en-US" sz="2400" b="1" dirty="0" smtClean="0">
+              <a:rPr lang="en-US" sz="3100" b="1" dirty="0" smtClean="0">
                 <a:latin typeface="Courier"/>
                 <a:cs typeface="Courier"/>
               </a:rPr>
               <a:t>}</a:t>
             </a:r>
-            <a:endParaRPr lang="en-US" sz="2400" b="1" dirty="0">
+            <a:endParaRPr lang="en-US" sz="3100" b="1" dirty="0">
               <a:latin typeface="Courier"/>
               <a:cs typeface="Courier"/>
             </a:endParaRPr>
-          </a:p>
-          <a:p>
-            <a:r>
-              <a:rPr lang="en-US" dirty="0" smtClean="0"/>
-              <a:t>Hiding implementation details</a:t>
-            </a:r>
-            <a:endParaRPr lang="en-US" dirty="0"/>
           </a:p>
         </p:txBody>
       </p:sp>
@@ -7902,6 +8208,13 @@
   <p:clrMapOvr>
     <a:masterClrMapping/>
   </p:clrMapOvr>
+  <p:timing>
+    <p:tnLst>
+      <p:par>
+        <p:cTn xmlns:p14="http://schemas.microsoft.com/office/powerpoint/2010/main" id="1" dur="indefinite" restart="never" nodeType="tmRoot"/>
+      </p:par>
+    </p:tnLst>
+  </p:timing>
 </p:sld>
 </file>
 
@@ -8104,6 +8417,13 @@
   <p:clrMapOvr>
     <a:masterClrMapping/>
   </p:clrMapOvr>
+  <p:timing>
+    <p:tnLst>
+      <p:par>
+        <p:cTn xmlns:p14="http://schemas.microsoft.com/office/powerpoint/2010/main" id="1" dur="indefinite" restart="never" nodeType="tmRoot"/>
+      </p:par>
+    </p:tnLst>
+  </p:timing>
 </p:sld>
 </file>
 
@@ -8268,6 +8588,13 @@
   <p:clrMapOvr>
     <a:masterClrMapping/>
   </p:clrMapOvr>
+  <p:timing>
+    <p:tnLst>
+      <p:par>
+        <p:cTn xmlns:p14="http://schemas.microsoft.com/office/powerpoint/2010/main" id="1" dur="indefinite" restart="never" nodeType="tmRoot"/>
+      </p:par>
+    </p:tnLst>
+  </p:timing>
 </p:sld>
 </file>
 
@@ -8407,6 +8734,13 @@
   <p:clrMapOvr>
     <a:masterClrMapping/>
   </p:clrMapOvr>
+  <p:timing>
+    <p:tnLst>
+      <p:par>
+        <p:cTn xmlns:p14="http://schemas.microsoft.com/office/powerpoint/2010/main" id="1" dur="indefinite" restart="never" nodeType="tmRoot"/>
+      </p:par>
+    </p:tnLst>
+  </p:timing>
 </p:sld>
 </file>
 
@@ -8564,6 +8898,13 @@
   <p:clrMapOvr>
     <a:masterClrMapping/>
   </p:clrMapOvr>
+  <p:timing>
+    <p:tnLst>
+      <p:par>
+        <p:cTn xmlns:p14="http://schemas.microsoft.com/office/powerpoint/2010/main" id="1" dur="indefinite" restart="never" nodeType="tmRoot"/>
+      </p:par>
+    </p:tnLst>
+  </p:timing>
 </p:sld>
 </file>
 
@@ -8692,6 +9033,13 @@
   <p:clrMapOvr>
     <a:masterClrMapping/>
   </p:clrMapOvr>
+  <p:timing>
+    <p:tnLst>
+      <p:par>
+        <p:cTn xmlns:p14="http://schemas.microsoft.com/office/powerpoint/2010/main" id="1" dur="indefinite" restart="never" nodeType="tmRoot"/>
+      </p:par>
+    </p:tnLst>
+  </p:timing>
 </p:sld>
 </file>
 
@@ -9114,6 +9462,13 @@
   <p:clrMapOvr>
     <a:masterClrMapping/>
   </p:clrMapOvr>
+  <p:timing>
+    <p:tnLst>
+      <p:par>
+        <p:cTn xmlns:p14="http://schemas.microsoft.com/office/powerpoint/2010/main" id="1" dur="indefinite" restart="never" nodeType="tmRoot"/>
+      </p:par>
+    </p:tnLst>
+  </p:timing>
 </p:sld>
 </file>
 
@@ -9647,6 +10002,13 @@
   <p:clrMapOvr>
     <a:masterClrMapping/>
   </p:clrMapOvr>
+  <p:timing>
+    <p:tnLst>
+      <p:par>
+        <p:cTn xmlns:p14="http://schemas.microsoft.com/office/powerpoint/2010/main" id="1" dur="indefinite" restart="never" nodeType="tmRoot"/>
+      </p:par>
+    </p:tnLst>
+  </p:timing>
 </p:sld>
 </file>
 
@@ -10173,6 +10535,13 @@
   <p:clrMapOvr>
     <a:masterClrMapping/>
   </p:clrMapOvr>
+  <p:timing>
+    <p:tnLst>
+      <p:par>
+        <p:cTn xmlns:p14="http://schemas.microsoft.com/office/powerpoint/2010/main" id="1" dur="indefinite" restart="never" nodeType="tmRoot"/>
+      </p:par>
+    </p:tnLst>
+  </p:timing>
 </p:sld>
 </file>
 
@@ -10312,6 +10681,13 @@
   <p:clrMapOvr>
     <a:masterClrMapping/>
   </p:clrMapOvr>
+  <p:timing>
+    <p:tnLst>
+      <p:par>
+        <p:cTn xmlns:p14="http://schemas.microsoft.com/office/powerpoint/2010/main" id="1" dur="indefinite" restart="never" nodeType="tmRoot"/>
+      </p:par>
+    </p:tnLst>
+  </p:timing>
 </p:sld>
 </file>
 
@@ -10434,6 +10810,13 @@
   <p:clrMapOvr>
     <a:masterClrMapping/>
   </p:clrMapOvr>
+  <p:timing>
+    <p:tnLst>
+      <p:par>
+        <p:cTn xmlns:p14="http://schemas.microsoft.com/office/powerpoint/2010/main" id="1" dur="indefinite" restart="never" nodeType="tmRoot"/>
+      </p:par>
+    </p:tnLst>
+  </p:timing>
 </p:sld>
 </file>
 
@@ -10957,6 +11340,13 @@
   <p:clrMapOvr>
     <a:masterClrMapping/>
   </p:clrMapOvr>
+  <p:timing>
+    <p:tnLst>
+      <p:par>
+        <p:cTn xmlns:p14="http://schemas.microsoft.com/office/powerpoint/2010/main" id="1" dur="indefinite" restart="never" nodeType="tmRoot"/>
+      </p:par>
+    </p:tnLst>
+  </p:timing>
 </p:sld>
 </file>
 
@@ -11016,7 +11406,9 @@
         </p:nvSpPr>
         <p:spPr/>
         <p:txBody>
-          <a:bodyPr/>
+          <a:bodyPr>
+            <a:normAutofit lnSpcReduction="10000"/>
+          </a:bodyPr>
           <a:lstStyle/>
           <a:p>
             <a:pPr marL="0" indent="0">
@@ -11067,7 +11459,40 @@
                 <a:latin typeface="Courier"/>
                 <a:cs typeface="Courier"/>
               </a:rPr>
-              <a:t>// Given: on </a:t>
+              <a:t>g</a:t>
+            </a:r>
+            <a:r>
+              <a:rPr lang="en-US" b="1" dirty="0" smtClean="0">
+                <a:latin typeface="Courier"/>
+                <a:cs typeface="Courier"/>
+              </a:rPr>
+              <a:t>iven:</a:t>
+            </a:r>
+          </a:p>
+          <a:p>
+            <a:pPr marL="0" indent="0">
+              <a:buNone/>
+            </a:pPr>
+            <a:r>
+              <a:rPr lang="en-US" b="1" dirty="0">
+                <a:latin typeface="Courier"/>
+                <a:cs typeface="Courier"/>
+              </a:rPr>
+              <a:t>	</a:t>
+            </a:r>
+            <a:r>
+              <a:rPr lang="en-US" b="1" dirty="0" smtClean="0">
+                <a:latin typeface="Courier"/>
+                <a:cs typeface="Courier"/>
+              </a:rPr>
+              <a:t>	</a:t>
+            </a:r>
+            <a:r>
+              <a:rPr lang="en-US" b="1" dirty="0" smtClean="0">
+                <a:latin typeface="Courier"/>
+                <a:cs typeface="Courier"/>
+              </a:rPr>
+              <a:t>at </a:t>
             </a:r>
             <a:r>
               <a:rPr lang="en-US" b="1" dirty="0" err="1" smtClean="0">
@@ -11210,6 +11635,13 @@
   <p:clrMapOvr>
     <a:masterClrMapping/>
   </p:clrMapOvr>
+  <p:timing>
+    <p:tnLst>
+      <p:par>
+        <p:cTn xmlns:p14="http://schemas.microsoft.com/office/powerpoint/2010/main" id="1" dur="indefinite" restart="never" nodeType="tmRoot"/>
+      </p:par>
+    </p:tnLst>
+  </p:timing>
 </p:sld>
 </file>
 
@@ -11242,36 +11674,43 @@
         </p:nvSpPr>
         <p:spPr/>
         <p:txBody>
+          <a:bodyPr>
+            <a:normAutofit/>
+          </a:bodyPr>
+          <a:lstStyle/>
+          <a:p>
+            <a:r>
+              <a:rPr lang="en-US" dirty="0" smtClean="0"/>
+              <a:t>Test Driven Development</a:t>
+            </a:r>
+            <a:endParaRPr lang="en-US" dirty="0"/>
+          </a:p>
+        </p:txBody>
+      </p:sp>
+      <p:sp>
+        <p:nvSpPr>
+          <p:cNvPr id="3" name="Content Placeholder 2"/>
+          <p:cNvSpPr>
+            <a:spLocks noGrp="1"/>
+          </p:cNvSpPr>
+          <p:nvPr>
+            <p:ph idx="1"/>
+          </p:nvPr>
+        </p:nvSpPr>
+        <p:spPr/>
+        <p:txBody>
           <a:bodyPr/>
           <a:lstStyle/>
           <a:p>
             <a:r>
               <a:rPr lang="en-US" dirty="0" smtClean="0"/>
-              <a:t>Workflow</a:t>
-            </a:r>
-            <a:endParaRPr lang="en-US" dirty="0"/>
-          </a:p>
-        </p:txBody>
-      </p:sp>
-      <p:sp>
-        <p:nvSpPr>
-          <p:cNvPr id="3" name="Content Placeholder 2"/>
-          <p:cNvSpPr>
-            <a:spLocks noGrp="1"/>
-          </p:cNvSpPr>
-          <p:nvPr>
-            <p:ph idx="1"/>
-          </p:nvPr>
-        </p:nvSpPr>
-        <p:spPr/>
-        <p:txBody>
-          <a:bodyPr/>
-          <a:lstStyle/>
-          <a:p>
-            <a:r>
-              <a:rPr lang="en-US" dirty="0" smtClean="0"/>
-              <a:t>For each element</a:t>
-            </a:r>
+              <a:t>For each </a:t>
+            </a:r>
+            <a:r>
+              <a:rPr lang="en-US" dirty="0" smtClean="0"/>
+              <a:t>step in development</a:t>
+            </a:r>
+            <a:endParaRPr lang="en-US" dirty="0" smtClean="0"/>
           </a:p>
           <a:p>
             <a:pPr lvl="1"/>
@@ -11325,6 +11764,13 @@
   <p:clrMapOvr>
     <a:masterClrMapping/>
   </p:clrMapOvr>
+  <p:timing>
+    <p:tnLst>
+      <p:par>
+        <p:cTn xmlns:p14="http://schemas.microsoft.com/office/powerpoint/2010/main" id="1" dur="indefinite" restart="never" nodeType="tmRoot"/>
+      </p:par>
+    </p:tnLst>
+  </p:timing>
 </p:sld>
 </file>
 
@@ -11529,6 +11975,13 @@
   <p:clrMapOvr>
     <a:masterClrMapping/>
   </p:clrMapOvr>
+  <p:timing>
+    <p:tnLst>
+      <p:par>
+        <p:cTn xmlns:p14="http://schemas.microsoft.com/office/powerpoint/2010/main" id="1" dur="indefinite" restart="never" nodeType="tmRoot"/>
+      </p:par>
+    </p:tnLst>
+  </p:timing>
 </p:sld>
 </file>
 
@@ -11694,6 +12147,13 @@
   <p:clrMapOvr>
     <a:masterClrMapping/>
   </p:clrMapOvr>
+  <p:timing>
+    <p:tnLst>
+      <p:par>
+        <p:cTn xmlns:p14="http://schemas.microsoft.com/office/powerpoint/2010/main" id="1" dur="indefinite" restart="never" nodeType="tmRoot"/>
+      </p:par>
+    </p:tnLst>
+  </p:timing>
 </p:sld>
 </file>
 
@@ -11896,11 +12356,15 @@
               <a:t>A Test – A Person-List </a:t>
             </a:r>
             <a:r>
-              <a:rPr lang="en-US" dirty="0"/>
+              <a:rPr lang="en-US" dirty="0">
+                <a:hlinkClick r:id="rId2"/>
+              </a:rPr>
               <a:t>S</a:t>
             </a:r>
             <a:r>
-              <a:rPr lang="en-US" dirty="0" smtClean="0"/>
+              <a:rPr lang="en-US" dirty="0" smtClean="0">
+                <a:hlinkClick r:id="rId2"/>
+              </a:rPr>
               <a:t>ite</a:t>
             </a:r>
             <a:endParaRPr lang="en-US" dirty="0"/>
@@ -11991,6 +12455,13 @@
   <p:clrMapOvr>
     <a:masterClrMapping/>
   </p:clrMapOvr>
+  <p:timing>
+    <p:tnLst>
+      <p:par>
+        <p:cTn xmlns:p14="http://schemas.microsoft.com/office/powerpoint/2010/main" id="1" dur="indefinite" restart="never" nodeType="tmRoot"/>
+      </p:par>
+    </p:tnLst>
+  </p:timing>
 </p:sld>
 </file>
 
@@ -12170,6 +12641,13 @@
   <p:clrMapOvr>
     <a:masterClrMapping/>
   </p:clrMapOvr>
+  <p:timing>
+    <p:tnLst>
+      <p:par>
+        <p:cTn xmlns:p14="http://schemas.microsoft.com/office/powerpoint/2010/main" id="1" dur="indefinite" restart="never" nodeType="tmRoot"/>
+      </p:par>
+    </p:tnLst>
+  </p:timing>
 </p:sld>
 </file>
 
@@ -12261,10 +12739,6 @@
               <a:rPr lang="en-US" dirty="0" smtClean="0"/>
               <a:t>Roll your own: </a:t>
             </a:r>
-            <a:r>
-              <a:rPr lang="en-US" dirty="0" smtClean="0"/>
-              <a:t/>
-            </a:r>
             <a:br>
               <a:rPr lang="en-US" dirty="0" smtClean="0"/>
             </a:br>
@@ -12278,11 +12752,7 @@
             </a:r>
             <a:r>
               <a:rPr lang="en-US" dirty="0" smtClean="0"/>
-              <a:t> </a:t>
-            </a:r>
-            <a:r>
-              <a:rPr lang="en-US" dirty="0" smtClean="0"/>
-              <a:t>+ </a:t>
+              <a:t> + </a:t>
             </a:r>
             <a:r>
               <a:rPr lang="en-US" dirty="0" err="1" smtClean="0"/>
@@ -12292,7 +12762,6 @@
               <a:rPr lang="en-US" dirty="0" smtClean="0"/>
               <a:t> = testing</a:t>
             </a:r>
-            <a:endParaRPr lang="en-US" dirty="0" smtClean="0"/>
           </a:p>
           <a:p>
             <a:pPr lvl="1"/>
@@ -12360,6 +12829,13 @@
   <p:clrMapOvr>
     <a:masterClrMapping/>
   </p:clrMapOvr>
+  <p:timing>
+    <p:tnLst>
+      <p:par>
+        <p:cTn xmlns:p14="http://schemas.microsoft.com/office/powerpoint/2010/main" id="1" dur="indefinite" restart="never" nodeType="tmRoot"/>
+      </p:par>
+    </p:tnLst>
+  </p:timing>
 </p:sld>
 </file>
 
@@ -12782,6 +13258,13 @@
   <p:clrMapOvr>
     <a:masterClrMapping/>
   </p:clrMapOvr>
+  <p:timing>
+    <p:tnLst>
+      <p:par>
+        <p:cTn xmlns:p14="http://schemas.microsoft.com/office/powerpoint/2010/main" id="1" dur="indefinite" restart="never" nodeType="tmRoot"/>
+      </p:par>
+    </p:tnLst>
+  </p:timing>
 </p:sld>
 </file>
 
@@ -12821,6 +13304,10 @@
               <a:rPr lang="en-US" dirty="0" err="1" smtClean="0"/>
               <a:t>Geb</a:t>
             </a:r>
+            <a:r>
+              <a:rPr lang="en-US" dirty="0" smtClean="0"/>
+              <a:t> with Spock</a:t>
+            </a:r>
             <a:endParaRPr lang="en-US" dirty="0"/>
           </a:p>
         </p:txBody>
@@ -12849,18 +13336,31 @@
           </a:p>
           <a:p>
             <a:r>
-              <a:rPr lang="en-US" dirty="0" smtClean="0"/>
-              <a:t>Components: Browser, Navigator, Page</a:t>
-            </a:r>
-          </a:p>
-          <a:p>
-            <a:r>
-              <a:rPr lang="en-US" dirty="0" smtClean="0"/>
-              <a:t>Navigation</a:t>
-            </a:r>
-            <a:r>
-              <a:rPr lang="en-US" dirty="0"/>
-              <a:t> </a:t>
+              <a:rPr lang="en-US" dirty="0" err="1" smtClean="0"/>
+              <a:t>Geb</a:t>
+            </a:r>
+            <a:r>
+              <a:rPr lang="en-US" dirty="0" smtClean="0"/>
+              <a:t> Components</a:t>
+            </a:r>
+            <a:r>
+              <a:rPr lang="en-US" dirty="0" smtClean="0"/>
+              <a:t>: Browser, Navigator, </a:t>
+            </a:r>
+            <a:r>
+              <a:rPr lang="en-US" dirty="0" smtClean="0"/>
+              <a:t>Page, Module</a:t>
+            </a:r>
+            <a:endParaRPr lang="en-US" dirty="0" smtClean="0"/>
+          </a:p>
+          <a:p>
+            <a:r>
+              <a:rPr lang="en-US" dirty="0" err="1" smtClean="0"/>
+              <a:t>Geb</a:t>
+            </a:r>
+            <a:r>
+              <a:rPr lang="en-US" dirty="0" smtClean="0"/>
+              <a:t> Navigation </a:t>
             </a:r>
             <a:r>
               <a:rPr lang="en-US" dirty="0" smtClean="0"/>
@@ -12891,6 +13391,13 @@
   <p:clrMapOvr>
     <a:masterClrMapping/>
   </p:clrMapOvr>
+  <p:timing>
+    <p:tnLst>
+      <p:par>
+        <p:cTn xmlns:p14="http://schemas.microsoft.com/office/powerpoint/2010/main" id="1" dur="indefinite" restart="never" nodeType="tmRoot"/>
+      </p:par>
+    </p:tnLst>
+  </p:timing>
 </p:sld>
 </file>
 
